--- a/01 Classes/Aula 01 - Algoritmos e Complexidade - Funções e Parâmetros.pptx
+++ b/01 Classes/Aula 01 - Algoritmos e Complexidade - Funções e Parâmetros.pptx
@@ -5,17 +5,31 @@
     <p:sldMasterId id="2147483648" r:id="rId1"/>
   </p:sldMasterIdLst>
   <p:notesMasterIdLst>
-    <p:notesMasterId r:id="rId10"/>
+    <p:notesMasterId r:id="rId24"/>
   </p:notesMasterIdLst>
   <p:sldIdLst>
     <p:sldId id="256" r:id="rId2"/>
     <p:sldId id="291" r:id="rId3"/>
     <p:sldId id="331" r:id="rId4"/>
-    <p:sldId id="333" r:id="rId5"/>
-    <p:sldId id="323" r:id="rId6"/>
-    <p:sldId id="334" r:id="rId7"/>
-    <p:sldId id="337" r:id="rId8"/>
-    <p:sldId id="309" r:id="rId9"/>
+    <p:sldId id="338" r:id="rId5"/>
+    <p:sldId id="339" r:id="rId6"/>
+    <p:sldId id="340" r:id="rId7"/>
+    <p:sldId id="341" r:id="rId8"/>
+    <p:sldId id="342" r:id="rId9"/>
+    <p:sldId id="343" r:id="rId10"/>
+    <p:sldId id="344" r:id="rId11"/>
+    <p:sldId id="346" r:id="rId12"/>
+    <p:sldId id="345" r:id="rId13"/>
+    <p:sldId id="347" r:id="rId14"/>
+    <p:sldId id="348" r:id="rId15"/>
+    <p:sldId id="349" r:id="rId16"/>
+    <p:sldId id="350" r:id="rId17"/>
+    <p:sldId id="351" r:id="rId18"/>
+    <p:sldId id="333" r:id="rId19"/>
+    <p:sldId id="323" r:id="rId20"/>
+    <p:sldId id="334" r:id="rId21"/>
+    <p:sldId id="337" r:id="rId22"/>
+    <p:sldId id="309" r:id="rId23"/>
   </p:sldIdLst>
   <p:sldSz cx="9144000" cy="5143500" type="screen16x9"/>
   <p:notesSz cx="6858000" cy="9144000"/>
@@ -562,6 +576,792 @@
 </p:notes>
 </file>
 
+<file path=ppt/notesSlides/notesSlide10.xml><?xml version="1.0" encoding="utf-8"?>
+<p:notes xmlns:a="http://schemas.openxmlformats.org/drawingml/2006/main" xmlns:r="http://schemas.openxmlformats.org/officeDocument/2006/relationships" xmlns:p="http://schemas.openxmlformats.org/presentationml/2006/main">
+  <p:cSld>
+    <p:spTree>
+      <p:nvGrpSpPr>
+        <p:cNvPr id="1" name="">
+          <a:extLst>
+            <a:ext uri="{FF2B5EF4-FFF2-40B4-BE49-F238E27FC236}">
+              <a16:creationId xmlns:a16="http://schemas.microsoft.com/office/drawing/2014/main" id="{A8A7C9C6-79F2-D9E4-FDB2-9C873D56D74B}"/>
+            </a:ext>
+          </a:extLst>
+        </p:cNvPr>
+        <p:cNvGrpSpPr/>
+        <p:nvPr/>
+      </p:nvGrpSpPr>
+      <p:grpSpPr>
+        <a:xfrm>
+          <a:off x="0" y="0"/>
+          <a:ext cx="0" cy="0"/>
+          <a:chOff x="0" y="0"/>
+          <a:chExt cx="0" cy="0"/>
+        </a:xfrm>
+      </p:grpSpPr>
+      <p:sp>
+        <p:nvSpPr>
+          <p:cNvPr id="2" name="Espaço Reservado para Imagem de Slide 1">
+            <a:extLst>
+              <a:ext uri="{FF2B5EF4-FFF2-40B4-BE49-F238E27FC236}">
+                <a16:creationId xmlns:a16="http://schemas.microsoft.com/office/drawing/2014/main" id="{B418AFBC-9CE4-7A92-DD6F-DE5D91795D3F}"/>
+              </a:ext>
+            </a:extLst>
+          </p:cNvPr>
+          <p:cNvSpPr>
+            <a:spLocks noGrp="1" noRot="1" noChangeAspect="1"/>
+          </p:cNvSpPr>
+          <p:nvPr>
+            <p:ph type="sldImg"/>
+          </p:nvPr>
+        </p:nvSpPr>
+        <p:spPr>
+          <a:xfrm>
+            <a:off x="381000" y="685800"/>
+            <a:ext cx="6096000" cy="3429000"/>
+          </a:xfrm>
+        </p:spPr>
+      </p:sp>
+      <p:sp>
+        <p:nvSpPr>
+          <p:cNvPr id="3" name="Espaço Reservado para Anotações 2">
+            <a:extLst>
+              <a:ext uri="{FF2B5EF4-FFF2-40B4-BE49-F238E27FC236}">
+                <a16:creationId xmlns:a16="http://schemas.microsoft.com/office/drawing/2014/main" id="{AD2D6C53-79D8-547B-07B8-D64996B26C7E}"/>
+              </a:ext>
+            </a:extLst>
+          </p:cNvPr>
+          <p:cNvSpPr>
+            <a:spLocks noGrp="1"/>
+          </p:cNvSpPr>
+          <p:nvPr>
+            <p:ph type="body" idx="1"/>
+          </p:nvPr>
+        </p:nvSpPr>
+        <p:spPr/>
+        <p:txBody>
+          <a:bodyPr/>
+          <a:lstStyle/>
+          <a:p>
+            <a:endParaRPr lang="pt-BR" dirty="0"/>
+          </a:p>
+        </p:txBody>
+      </p:sp>
+    </p:spTree>
+    <p:extLst>
+      <p:ext uri="{BB962C8B-B14F-4D97-AF65-F5344CB8AC3E}">
+        <p14:creationId xmlns:p14="http://schemas.microsoft.com/office/powerpoint/2010/main" val="1484069854"/>
+      </p:ext>
+    </p:extLst>
+  </p:cSld>
+  <p:clrMapOvr>
+    <a:masterClrMapping/>
+  </p:clrMapOvr>
+</p:notes>
+</file>
+
+<file path=ppt/notesSlides/notesSlide11.xml><?xml version="1.0" encoding="utf-8"?>
+<p:notes xmlns:a="http://schemas.openxmlformats.org/drawingml/2006/main" xmlns:r="http://schemas.openxmlformats.org/officeDocument/2006/relationships" xmlns:p="http://schemas.openxmlformats.org/presentationml/2006/main">
+  <p:cSld>
+    <p:spTree>
+      <p:nvGrpSpPr>
+        <p:cNvPr id="1" name="">
+          <a:extLst>
+            <a:ext uri="{FF2B5EF4-FFF2-40B4-BE49-F238E27FC236}">
+              <a16:creationId xmlns:a16="http://schemas.microsoft.com/office/drawing/2014/main" id="{E084E466-ACD3-A0A7-C86C-563468262ADE}"/>
+            </a:ext>
+          </a:extLst>
+        </p:cNvPr>
+        <p:cNvGrpSpPr/>
+        <p:nvPr/>
+      </p:nvGrpSpPr>
+      <p:grpSpPr>
+        <a:xfrm>
+          <a:off x="0" y="0"/>
+          <a:ext cx="0" cy="0"/>
+          <a:chOff x="0" y="0"/>
+          <a:chExt cx="0" cy="0"/>
+        </a:xfrm>
+      </p:grpSpPr>
+      <p:sp>
+        <p:nvSpPr>
+          <p:cNvPr id="2" name="Espaço Reservado para Imagem de Slide 1">
+            <a:extLst>
+              <a:ext uri="{FF2B5EF4-FFF2-40B4-BE49-F238E27FC236}">
+                <a16:creationId xmlns:a16="http://schemas.microsoft.com/office/drawing/2014/main" id="{81B83C64-C68D-58D7-DFA7-6C4E18AE8272}"/>
+              </a:ext>
+            </a:extLst>
+          </p:cNvPr>
+          <p:cNvSpPr>
+            <a:spLocks noGrp="1" noRot="1" noChangeAspect="1"/>
+          </p:cNvSpPr>
+          <p:nvPr>
+            <p:ph type="sldImg"/>
+          </p:nvPr>
+        </p:nvSpPr>
+        <p:spPr>
+          <a:xfrm>
+            <a:off x="381000" y="685800"/>
+            <a:ext cx="6096000" cy="3429000"/>
+          </a:xfrm>
+        </p:spPr>
+      </p:sp>
+      <p:sp>
+        <p:nvSpPr>
+          <p:cNvPr id="3" name="Espaço Reservado para Anotações 2">
+            <a:extLst>
+              <a:ext uri="{FF2B5EF4-FFF2-40B4-BE49-F238E27FC236}">
+                <a16:creationId xmlns:a16="http://schemas.microsoft.com/office/drawing/2014/main" id="{B79757B4-E7DC-A2EF-E7C0-08E41A7A25BB}"/>
+              </a:ext>
+            </a:extLst>
+          </p:cNvPr>
+          <p:cNvSpPr>
+            <a:spLocks noGrp="1"/>
+          </p:cNvSpPr>
+          <p:nvPr>
+            <p:ph type="body" idx="1"/>
+          </p:nvPr>
+        </p:nvSpPr>
+        <p:spPr/>
+        <p:txBody>
+          <a:bodyPr/>
+          <a:lstStyle/>
+          <a:p>
+            <a:endParaRPr lang="pt-BR" dirty="0"/>
+          </a:p>
+        </p:txBody>
+      </p:sp>
+    </p:spTree>
+    <p:extLst>
+      <p:ext uri="{BB962C8B-B14F-4D97-AF65-F5344CB8AC3E}">
+        <p14:creationId xmlns:p14="http://schemas.microsoft.com/office/powerpoint/2010/main" val="2486434196"/>
+      </p:ext>
+    </p:extLst>
+  </p:cSld>
+  <p:clrMapOvr>
+    <a:masterClrMapping/>
+  </p:clrMapOvr>
+</p:notes>
+</file>
+
+<file path=ppt/notesSlides/notesSlide12.xml><?xml version="1.0" encoding="utf-8"?>
+<p:notes xmlns:a="http://schemas.openxmlformats.org/drawingml/2006/main" xmlns:r="http://schemas.openxmlformats.org/officeDocument/2006/relationships" xmlns:p="http://schemas.openxmlformats.org/presentationml/2006/main">
+  <p:cSld>
+    <p:spTree>
+      <p:nvGrpSpPr>
+        <p:cNvPr id="1" name="">
+          <a:extLst>
+            <a:ext uri="{FF2B5EF4-FFF2-40B4-BE49-F238E27FC236}">
+              <a16:creationId xmlns:a16="http://schemas.microsoft.com/office/drawing/2014/main" id="{93F2B2D0-C349-5C21-FAB8-A2DC03AD3AE1}"/>
+            </a:ext>
+          </a:extLst>
+        </p:cNvPr>
+        <p:cNvGrpSpPr/>
+        <p:nvPr/>
+      </p:nvGrpSpPr>
+      <p:grpSpPr>
+        <a:xfrm>
+          <a:off x="0" y="0"/>
+          <a:ext cx="0" cy="0"/>
+          <a:chOff x="0" y="0"/>
+          <a:chExt cx="0" cy="0"/>
+        </a:xfrm>
+      </p:grpSpPr>
+      <p:sp>
+        <p:nvSpPr>
+          <p:cNvPr id="2" name="Espaço Reservado para Imagem de Slide 1">
+            <a:extLst>
+              <a:ext uri="{FF2B5EF4-FFF2-40B4-BE49-F238E27FC236}">
+                <a16:creationId xmlns:a16="http://schemas.microsoft.com/office/drawing/2014/main" id="{3A715BAD-0F43-533A-CA6B-BC5BF8F5217F}"/>
+              </a:ext>
+            </a:extLst>
+          </p:cNvPr>
+          <p:cNvSpPr>
+            <a:spLocks noGrp="1" noRot="1" noChangeAspect="1"/>
+          </p:cNvSpPr>
+          <p:nvPr>
+            <p:ph type="sldImg"/>
+          </p:nvPr>
+        </p:nvSpPr>
+        <p:spPr>
+          <a:xfrm>
+            <a:off x="381000" y="685800"/>
+            <a:ext cx="6096000" cy="3429000"/>
+          </a:xfrm>
+        </p:spPr>
+      </p:sp>
+      <p:sp>
+        <p:nvSpPr>
+          <p:cNvPr id="3" name="Espaço Reservado para Anotações 2">
+            <a:extLst>
+              <a:ext uri="{FF2B5EF4-FFF2-40B4-BE49-F238E27FC236}">
+                <a16:creationId xmlns:a16="http://schemas.microsoft.com/office/drawing/2014/main" id="{44444618-C85D-A345-139C-B965B982E440}"/>
+              </a:ext>
+            </a:extLst>
+          </p:cNvPr>
+          <p:cNvSpPr>
+            <a:spLocks noGrp="1"/>
+          </p:cNvSpPr>
+          <p:nvPr>
+            <p:ph type="body" idx="1"/>
+          </p:nvPr>
+        </p:nvSpPr>
+        <p:spPr/>
+        <p:txBody>
+          <a:bodyPr/>
+          <a:lstStyle/>
+          <a:p>
+            <a:endParaRPr lang="pt-BR" dirty="0"/>
+          </a:p>
+        </p:txBody>
+      </p:sp>
+    </p:spTree>
+    <p:extLst>
+      <p:ext uri="{BB962C8B-B14F-4D97-AF65-F5344CB8AC3E}">
+        <p14:creationId xmlns:p14="http://schemas.microsoft.com/office/powerpoint/2010/main" val="4102375955"/>
+      </p:ext>
+    </p:extLst>
+  </p:cSld>
+  <p:clrMapOvr>
+    <a:masterClrMapping/>
+  </p:clrMapOvr>
+</p:notes>
+</file>
+
+<file path=ppt/notesSlides/notesSlide13.xml><?xml version="1.0" encoding="utf-8"?>
+<p:notes xmlns:a="http://schemas.openxmlformats.org/drawingml/2006/main" xmlns:r="http://schemas.openxmlformats.org/officeDocument/2006/relationships" xmlns:p="http://schemas.openxmlformats.org/presentationml/2006/main">
+  <p:cSld>
+    <p:spTree>
+      <p:nvGrpSpPr>
+        <p:cNvPr id="1" name="">
+          <a:extLst>
+            <a:ext uri="{FF2B5EF4-FFF2-40B4-BE49-F238E27FC236}">
+              <a16:creationId xmlns:a16="http://schemas.microsoft.com/office/drawing/2014/main" id="{222934BC-09A6-7017-233E-A13AF59C6B87}"/>
+            </a:ext>
+          </a:extLst>
+        </p:cNvPr>
+        <p:cNvGrpSpPr/>
+        <p:nvPr/>
+      </p:nvGrpSpPr>
+      <p:grpSpPr>
+        <a:xfrm>
+          <a:off x="0" y="0"/>
+          <a:ext cx="0" cy="0"/>
+          <a:chOff x="0" y="0"/>
+          <a:chExt cx="0" cy="0"/>
+        </a:xfrm>
+      </p:grpSpPr>
+      <p:sp>
+        <p:nvSpPr>
+          <p:cNvPr id="2" name="Espaço Reservado para Imagem de Slide 1">
+            <a:extLst>
+              <a:ext uri="{FF2B5EF4-FFF2-40B4-BE49-F238E27FC236}">
+                <a16:creationId xmlns:a16="http://schemas.microsoft.com/office/drawing/2014/main" id="{417F6259-BAE9-9F20-B4A7-D817E5F98086}"/>
+              </a:ext>
+            </a:extLst>
+          </p:cNvPr>
+          <p:cNvSpPr>
+            <a:spLocks noGrp="1" noRot="1" noChangeAspect="1"/>
+          </p:cNvSpPr>
+          <p:nvPr>
+            <p:ph type="sldImg"/>
+          </p:nvPr>
+        </p:nvSpPr>
+        <p:spPr>
+          <a:xfrm>
+            <a:off x="381000" y="685800"/>
+            <a:ext cx="6096000" cy="3429000"/>
+          </a:xfrm>
+        </p:spPr>
+      </p:sp>
+      <p:sp>
+        <p:nvSpPr>
+          <p:cNvPr id="3" name="Espaço Reservado para Anotações 2">
+            <a:extLst>
+              <a:ext uri="{FF2B5EF4-FFF2-40B4-BE49-F238E27FC236}">
+                <a16:creationId xmlns:a16="http://schemas.microsoft.com/office/drawing/2014/main" id="{18951121-95C6-3333-45CE-A88BD4C00153}"/>
+              </a:ext>
+            </a:extLst>
+          </p:cNvPr>
+          <p:cNvSpPr>
+            <a:spLocks noGrp="1"/>
+          </p:cNvSpPr>
+          <p:nvPr>
+            <p:ph type="body" idx="1"/>
+          </p:nvPr>
+        </p:nvSpPr>
+        <p:spPr/>
+        <p:txBody>
+          <a:bodyPr/>
+          <a:lstStyle/>
+          <a:p>
+            <a:endParaRPr lang="pt-BR" dirty="0"/>
+          </a:p>
+        </p:txBody>
+      </p:sp>
+    </p:spTree>
+    <p:extLst>
+      <p:ext uri="{BB962C8B-B14F-4D97-AF65-F5344CB8AC3E}">
+        <p14:creationId xmlns:p14="http://schemas.microsoft.com/office/powerpoint/2010/main" val="2848834483"/>
+      </p:ext>
+    </p:extLst>
+  </p:cSld>
+  <p:clrMapOvr>
+    <a:masterClrMapping/>
+  </p:clrMapOvr>
+</p:notes>
+</file>
+
+<file path=ppt/notesSlides/notesSlide14.xml><?xml version="1.0" encoding="utf-8"?>
+<p:notes xmlns:a="http://schemas.openxmlformats.org/drawingml/2006/main" xmlns:r="http://schemas.openxmlformats.org/officeDocument/2006/relationships" xmlns:p="http://schemas.openxmlformats.org/presentationml/2006/main">
+  <p:cSld>
+    <p:spTree>
+      <p:nvGrpSpPr>
+        <p:cNvPr id="1" name="">
+          <a:extLst>
+            <a:ext uri="{FF2B5EF4-FFF2-40B4-BE49-F238E27FC236}">
+              <a16:creationId xmlns:a16="http://schemas.microsoft.com/office/drawing/2014/main" id="{9B441ABD-B130-83EB-69B8-D090D40C2E91}"/>
+            </a:ext>
+          </a:extLst>
+        </p:cNvPr>
+        <p:cNvGrpSpPr/>
+        <p:nvPr/>
+      </p:nvGrpSpPr>
+      <p:grpSpPr>
+        <a:xfrm>
+          <a:off x="0" y="0"/>
+          <a:ext cx="0" cy="0"/>
+          <a:chOff x="0" y="0"/>
+          <a:chExt cx="0" cy="0"/>
+        </a:xfrm>
+      </p:grpSpPr>
+      <p:sp>
+        <p:nvSpPr>
+          <p:cNvPr id="2" name="Espaço Reservado para Imagem de Slide 1">
+            <a:extLst>
+              <a:ext uri="{FF2B5EF4-FFF2-40B4-BE49-F238E27FC236}">
+                <a16:creationId xmlns:a16="http://schemas.microsoft.com/office/drawing/2014/main" id="{BCAE4A74-8DE1-2F6C-A8C6-B9F52F629886}"/>
+              </a:ext>
+            </a:extLst>
+          </p:cNvPr>
+          <p:cNvSpPr>
+            <a:spLocks noGrp="1" noRot="1" noChangeAspect="1"/>
+          </p:cNvSpPr>
+          <p:nvPr>
+            <p:ph type="sldImg"/>
+          </p:nvPr>
+        </p:nvSpPr>
+        <p:spPr>
+          <a:xfrm>
+            <a:off x="381000" y="685800"/>
+            <a:ext cx="6096000" cy="3429000"/>
+          </a:xfrm>
+        </p:spPr>
+      </p:sp>
+      <p:sp>
+        <p:nvSpPr>
+          <p:cNvPr id="3" name="Espaço Reservado para Anotações 2">
+            <a:extLst>
+              <a:ext uri="{FF2B5EF4-FFF2-40B4-BE49-F238E27FC236}">
+                <a16:creationId xmlns:a16="http://schemas.microsoft.com/office/drawing/2014/main" id="{4D0252FF-8360-DEA5-80D3-9B20DB307D17}"/>
+              </a:ext>
+            </a:extLst>
+          </p:cNvPr>
+          <p:cNvSpPr>
+            <a:spLocks noGrp="1"/>
+          </p:cNvSpPr>
+          <p:nvPr>
+            <p:ph type="body" idx="1"/>
+          </p:nvPr>
+        </p:nvSpPr>
+        <p:spPr/>
+        <p:txBody>
+          <a:bodyPr/>
+          <a:lstStyle/>
+          <a:p>
+            <a:endParaRPr lang="pt-BR" dirty="0"/>
+          </a:p>
+        </p:txBody>
+      </p:sp>
+    </p:spTree>
+    <p:extLst>
+      <p:ext uri="{BB962C8B-B14F-4D97-AF65-F5344CB8AC3E}">
+        <p14:creationId xmlns:p14="http://schemas.microsoft.com/office/powerpoint/2010/main" val="1361241906"/>
+      </p:ext>
+    </p:extLst>
+  </p:cSld>
+  <p:clrMapOvr>
+    <a:masterClrMapping/>
+  </p:clrMapOvr>
+</p:notes>
+</file>
+
+<file path=ppt/notesSlides/notesSlide15.xml><?xml version="1.0" encoding="utf-8"?>
+<p:notes xmlns:a="http://schemas.openxmlformats.org/drawingml/2006/main" xmlns:r="http://schemas.openxmlformats.org/officeDocument/2006/relationships" xmlns:p="http://schemas.openxmlformats.org/presentationml/2006/main">
+  <p:cSld>
+    <p:spTree>
+      <p:nvGrpSpPr>
+        <p:cNvPr id="1" name="">
+          <a:extLst>
+            <a:ext uri="{FF2B5EF4-FFF2-40B4-BE49-F238E27FC236}">
+              <a16:creationId xmlns:a16="http://schemas.microsoft.com/office/drawing/2014/main" id="{3ADAAE13-06A4-E742-C981-3D126C887476}"/>
+            </a:ext>
+          </a:extLst>
+        </p:cNvPr>
+        <p:cNvGrpSpPr/>
+        <p:nvPr/>
+      </p:nvGrpSpPr>
+      <p:grpSpPr>
+        <a:xfrm>
+          <a:off x="0" y="0"/>
+          <a:ext cx="0" cy="0"/>
+          <a:chOff x="0" y="0"/>
+          <a:chExt cx="0" cy="0"/>
+        </a:xfrm>
+      </p:grpSpPr>
+      <p:sp>
+        <p:nvSpPr>
+          <p:cNvPr id="2" name="Espaço Reservado para Imagem de Slide 1">
+            <a:extLst>
+              <a:ext uri="{FF2B5EF4-FFF2-40B4-BE49-F238E27FC236}">
+                <a16:creationId xmlns:a16="http://schemas.microsoft.com/office/drawing/2014/main" id="{FC723227-A5D8-82D3-70F2-F29E9A3C4375}"/>
+              </a:ext>
+            </a:extLst>
+          </p:cNvPr>
+          <p:cNvSpPr>
+            <a:spLocks noGrp="1" noRot="1" noChangeAspect="1"/>
+          </p:cNvSpPr>
+          <p:nvPr>
+            <p:ph type="sldImg"/>
+          </p:nvPr>
+        </p:nvSpPr>
+        <p:spPr>
+          <a:xfrm>
+            <a:off x="381000" y="685800"/>
+            <a:ext cx="6096000" cy="3429000"/>
+          </a:xfrm>
+        </p:spPr>
+      </p:sp>
+      <p:sp>
+        <p:nvSpPr>
+          <p:cNvPr id="3" name="Espaço Reservado para Anotações 2">
+            <a:extLst>
+              <a:ext uri="{FF2B5EF4-FFF2-40B4-BE49-F238E27FC236}">
+                <a16:creationId xmlns:a16="http://schemas.microsoft.com/office/drawing/2014/main" id="{52AFC58E-6E28-1250-DE31-FA9156217AC1}"/>
+              </a:ext>
+            </a:extLst>
+          </p:cNvPr>
+          <p:cNvSpPr>
+            <a:spLocks noGrp="1"/>
+          </p:cNvSpPr>
+          <p:nvPr>
+            <p:ph type="body" idx="1"/>
+          </p:nvPr>
+        </p:nvSpPr>
+        <p:spPr/>
+        <p:txBody>
+          <a:bodyPr/>
+          <a:lstStyle/>
+          <a:p>
+            <a:endParaRPr lang="pt-BR" dirty="0"/>
+          </a:p>
+        </p:txBody>
+      </p:sp>
+    </p:spTree>
+    <p:extLst>
+      <p:ext uri="{BB962C8B-B14F-4D97-AF65-F5344CB8AC3E}">
+        <p14:creationId xmlns:p14="http://schemas.microsoft.com/office/powerpoint/2010/main" val="3608223671"/>
+      </p:ext>
+    </p:extLst>
+  </p:cSld>
+  <p:clrMapOvr>
+    <a:masterClrMapping/>
+  </p:clrMapOvr>
+</p:notes>
+</file>
+
+<file path=ppt/notesSlides/notesSlide16.xml><?xml version="1.0" encoding="utf-8"?>
+<p:notes xmlns:a="http://schemas.openxmlformats.org/drawingml/2006/main" xmlns:r="http://schemas.openxmlformats.org/officeDocument/2006/relationships" xmlns:p="http://schemas.openxmlformats.org/presentationml/2006/main">
+  <p:cSld>
+    <p:spTree>
+      <p:nvGrpSpPr>
+        <p:cNvPr id="1" name="">
+          <a:extLst>
+            <a:ext uri="{FF2B5EF4-FFF2-40B4-BE49-F238E27FC236}">
+              <a16:creationId xmlns:a16="http://schemas.microsoft.com/office/drawing/2014/main" id="{62F01F61-AC7A-D2CA-2456-0453E1142196}"/>
+            </a:ext>
+          </a:extLst>
+        </p:cNvPr>
+        <p:cNvGrpSpPr/>
+        <p:nvPr/>
+      </p:nvGrpSpPr>
+      <p:grpSpPr>
+        <a:xfrm>
+          <a:off x="0" y="0"/>
+          <a:ext cx="0" cy="0"/>
+          <a:chOff x="0" y="0"/>
+          <a:chExt cx="0" cy="0"/>
+        </a:xfrm>
+      </p:grpSpPr>
+      <p:sp>
+        <p:nvSpPr>
+          <p:cNvPr id="2" name="Espaço Reservado para Imagem de Slide 1">
+            <a:extLst>
+              <a:ext uri="{FF2B5EF4-FFF2-40B4-BE49-F238E27FC236}">
+                <a16:creationId xmlns:a16="http://schemas.microsoft.com/office/drawing/2014/main" id="{1C48140F-AFD3-DA0D-6687-E4BA35D07B2C}"/>
+              </a:ext>
+            </a:extLst>
+          </p:cNvPr>
+          <p:cNvSpPr>
+            <a:spLocks noGrp="1" noRot="1" noChangeAspect="1"/>
+          </p:cNvSpPr>
+          <p:nvPr>
+            <p:ph type="sldImg"/>
+          </p:nvPr>
+        </p:nvSpPr>
+        <p:spPr>
+          <a:xfrm>
+            <a:off x="381000" y="685800"/>
+            <a:ext cx="6096000" cy="3429000"/>
+          </a:xfrm>
+        </p:spPr>
+      </p:sp>
+      <p:sp>
+        <p:nvSpPr>
+          <p:cNvPr id="3" name="Espaço Reservado para Anotações 2">
+            <a:extLst>
+              <a:ext uri="{FF2B5EF4-FFF2-40B4-BE49-F238E27FC236}">
+                <a16:creationId xmlns:a16="http://schemas.microsoft.com/office/drawing/2014/main" id="{675F77FF-DA9E-58D5-4038-22CAD8D5250D}"/>
+              </a:ext>
+            </a:extLst>
+          </p:cNvPr>
+          <p:cNvSpPr>
+            <a:spLocks noGrp="1"/>
+          </p:cNvSpPr>
+          <p:nvPr>
+            <p:ph type="body" idx="1"/>
+          </p:nvPr>
+        </p:nvSpPr>
+        <p:spPr/>
+        <p:txBody>
+          <a:bodyPr/>
+          <a:lstStyle/>
+          <a:p>
+            <a:endParaRPr lang="pt-BR" dirty="0"/>
+          </a:p>
+        </p:txBody>
+      </p:sp>
+    </p:spTree>
+    <p:extLst>
+      <p:ext uri="{BB962C8B-B14F-4D97-AF65-F5344CB8AC3E}">
+        <p14:creationId xmlns:p14="http://schemas.microsoft.com/office/powerpoint/2010/main" val="844314618"/>
+      </p:ext>
+    </p:extLst>
+  </p:cSld>
+  <p:clrMapOvr>
+    <a:masterClrMapping/>
+  </p:clrMapOvr>
+</p:notes>
+</file>
+
+<file path=ppt/notesSlides/notesSlide17.xml><?xml version="1.0" encoding="utf-8"?>
+<p:notes xmlns:a="http://schemas.openxmlformats.org/drawingml/2006/main" xmlns:r="http://schemas.openxmlformats.org/officeDocument/2006/relationships" xmlns:p="http://schemas.openxmlformats.org/presentationml/2006/main">
+  <p:cSld>
+    <p:spTree>
+      <p:nvGrpSpPr>
+        <p:cNvPr id="1" name=""/>
+        <p:cNvGrpSpPr/>
+        <p:nvPr/>
+      </p:nvGrpSpPr>
+      <p:grpSpPr>
+        <a:xfrm>
+          <a:off x="0" y="0"/>
+          <a:ext cx="0" cy="0"/>
+          <a:chOff x="0" y="0"/>
+          <a:chExt cx="0" cy="0"/>
+        </a:xfrm>
+      </p:grpSpPr>
+      <p:sp>
+        <p:nvSpPr>
+          <p:cNvPr id="2" name="Espaço Reservado para Imagem de Slide 1"/>
+          <p:cNvSpPr>
+            <a:spLocks noGrp="1" noRot="1" noChangeAspect="1"/>
+          </p:cNvSpPr>
+          <p:nvPr>
+            <p:ph type="sldImg"/>
+          </p:nvPr>
+        </p:nvSpPr>
+        <p:spPr>
+          <a:xfrm>
+            <a:off x="381000" y="685800"/>
+            <a:ext cx="6096000" cy="3429000"/>
+          </a:xfrm>
+        </p:spPr>
+      </p:sp>
+      <p:sp>
+        <p:nvSpPr>
+          <p:cNvPr id="3" name="Espaço Reservado para Anotações 2"/>
+          <p:cNvSpPr>
+            <a:spLocks noGrp="1"/>
+          </p:cNvSpPr>
+          <p:nvPr>
+            <p:ph type="body" idx="1"/>
+          </p:nvPr>
+        </p:nvSpPr>
+        <p:spPr/>
+        <p:txBody>
+          <a:bodyPr/>
+          <a:lstStyle/>
+          <a:p>
+            <a:endParaRPr lang="pt-BR" dirty="0"/>
+          </a:p>
+        </p:txBody>
+      </p:sp>
+    </p:spTree>
+    <p:extLst>
+      <p:ext uri="{BB962C8B-B14F-4D97-AF65-F5344CB8AC3E}">
+        <p14:creationId xmlns:p14="http://schemas.microsoft.com/office/powerpoint/2010/main" val="585304384"/>
+      </p:ext>
+    </p:extLst>
+  </p:cSld>
+  <p:clrMapOvr>
+    <a:masterClrMapping/>
+  </p:clrMapOvr>
+</p:notes>
+</file>
+
+<file path=ppt/notesSlides/notesSlide18.xml><?xml version="1.0" encoding="utf-8"?>
+<p:notes xmlns:a="http://schemas.openxmlformats.org/drawingml/2006/main" xmlns:r="http://schemas.openxmlformats.org/officeDocument/2006/relationships" xmlns:p="http://schemas.openxmlformats.org/presentationml/2006/main">
+  <p:cSld>
+    <p:spTree>
+      <p:nvGrpSpPr>
+        <p:cNvPr id="1" name=""/>
+        <p:cNvGrpSpPr/>
+        <p:nvPr/>
+      </p:nvGrpSpPr>
+      <p:grpSpPr>
+        <a:xfrm>
+          <a:off x="0" y="0"/>
+          <a:ext cx="0" cy="0"/>
+          <a:chOff x="0" y="0"/>
+          <a:chExt cx="0" cy="0"/>
+        </a:xfrm>
+      </p:grpSpPr>
+      <p:sp>
+        <p:nvSpPr>
+          <p:cNvPr id="2" name="Espaço Reservado para Imagem de Slide 1"/>
+          <p:cNvSpPr>
+            <a:spLocks noGrp="1" noRot="1" noChangeAspect="1"/>
+          </p:cNvSpPr>
+          <p:nvPr>
+            <p:ph type="sldImg"/>
+          </p:nvPr>
+        </p:nvSpPr>
+        <p:spPr>
+          <a:xfrm>
+            <a:off x="381000" y="685800"/>
+            <a:ext cx="6096000" cy="3429000"/>
+          </a:xfrm>
+        </p:spPr>
+      </p:sp>
+      <p:sp>
+        <p:nvSpPr>
+          <p:cNvPr id="3" name="Espaço Reservado para Anotações 2"/>
+          <p:cNvSpPr>
+            <a:spLocks noGrp="1"/>
+          </p:cNvSpPr>
+          <p:nvPr>
+            <p:ph type="body" idx="1"/>
+          </p:nvPr>
+        </p:nvSpPr>
+        <p:spPr/>
+        <p:txBody>
+          <a:bodyPr/>
+          <a:lstStyle/>
+          <a:p>
+            <a:endParaRPr lang="pt-BR" dirty="0"/>
+          </a:p>
+        </p:txBody>
+      </p:sp>
+    </p:spTree>
+    <p:extLst>
+      <p:ext uri="{BB962C8B-B14F-4D97-AF65-F5344CB8AC3E}">
+        <p14:creationId xmlns:p14="http://schemas.microsoft.com/office/powerpoint/2010/main" val="2709569597"/>
+      </p:ext>
+    </p:extLst>
+  </p:cSld>
+  <p:clrMapOvr>
+    <a:masterClrMapping/>
+  </p:clrMapOvr>
+</p:notes>
+</file>
+
+<file path=ppt/notesSlides/notesSlide19.xml><?xml version="1.0" encoding="utf-8"?>
+<p:notes xmlns:a="http://schemas.openxmlformats.org/drawingml/2006/main" xmlns:r="http://schemas.openxmlformats.org/officeDocument/2006/relationships" xmlns:p="http://schemas.openxmlformats.org/presentationml/2006/main">
+  <p:cSld>
+    <p:spTree>
+      <p:nvGrpSpPr>
+        <p:cNvPr id="1" name=""/>
+        <p:cNvGrpSpPr/>
+        <p:nvPr/>
+      </p:nvGrpSpPr>
+      <p:grpSpPr>
+        <a:xfrm>
+          <a:off x="0" y="0"/>
+          <a:ext cx="0" cy="0"/>
+          <a:chOff x="0" y="0"/>
+          <a:chExt cx="0" cy="0"/>
+        </a:xfrm>
+      </p:grpSpPr>
+      <p:sp>
+        <p:nvSpPr>
+          <p:cNvPr id="2" name="Espaço Reservado para Imagem de Slide 1"/>
+          <p:cNvSpPr>
+            <a:spLocks noGrp="1" noRot="1" noChangeAspect="1"/>
+          </p:cNvSpPr>
+          <p:nvPr>
+            <p:ph type="sldImg"/>
+          </p:nvPr>
+        </p:nvSpPr>
+        <p:spPr>
+          <a:xfrm>
+            <a:off x="381000" y="685800"/>
+            <a:ext cx="6096000" cy="3429000"/>
+          </a:xfrm>
+        </p:spPr>
+      </p:sp>
+      <p:sp>
+        <p:nvSpPr>
+          <p:cNvPr id="3" name="Espaço Reservado para Anotações 2"/>
+          <p:cNvSpPr>
+            <a:spLocks noGrp="1"/>
+          </p:cNvSpPr>
+          <p:nvPr>
+            <p:ph type="body" idx="1"/>
+          </p:nvPr>
+        </p:nvSpPr>
+        <p:spPr/>
+        <p:txBody>
+          <a:bodyPr/>
+          <a:lstStyle/>
+          <a:p>
+            <a:endParaRPr lang="pt-BR" dirty="0"/>
+          </a:p>
+        </p:txBody>
+      </p:sp>
+    </p:spTree>
+    <p:extLst>
+      <p:ext uri="{BB962C8B-B14F-4D97-AF65-F5344CB8AC3E}">
+        <p14:creationId xmlns:p14="http://schemas.microsoft.com/office/powerpoint/2010/main" val="2296249050"/>
+      </p:ext>
+    </p:extLst>
+  </p:cSld>
+  <p:clrMapOvr>
+    <a:masterClrMapping/>
+  </p:clrMapOvr>
+</p:notes>
+</file>
+
 <file path=ppt/notesSlides/notesSlide2.xml><?xml version="1.0" encoding="utf-8"?>
 <p:notes xmlns:a="http://schemas.openxmlformats.org/drawingml/2006/main" xmlns:r="http://schemas.openxmlformats.org/officeDocument/2006/relationships" xmlns:p="http://schemas.openxmlformats.org/presentationml/2006/main">
   <p:cSld>
@@ -628,7 +1428,7 @@
 </p:notes>
 </file>
 
-<file path=ppt/notesSlides/notesSlide3.xml><?xml version="1.0" encoding="utf-8"?>
+<file path=ppt/notesSlides/notesSlide20.xml><?xml version="1.0" encoding="utf-8"?>
 <p:notes xmlns:a="http://schemas.openxmlformats.org/drawingml/2006/main" xmlns:r="http://schemas.openxmlformats.org/officeDocument/2006/relationships" xmlns:p="http://schemas.openxmlformats.org/presentationml/2006/main">
   <p:cSld>
     <p:spTree>
@@ -684,7 +1484,7 @@
     </p:spTree>
     <p:extLst>
       <p:ext uri="{BB962C8B-B14F-4D97-AF65-F5344CB8AC3E}">
-        <p14:creationId xmlns:p14="http://schemas.microsoft.com/office/powerpoint/2010/main" val="585304384"/>
+        <p14:creationId xmlns:p14="http://schemas.microsoft.com/office/powerpoint/2010/main" val="4290351292"/>
       </p:ext>
     </p:extLst>
   </p:cSld>
@@ -694,12 +1494,18 @@
 </p:notes>
 </file>
 
-<file path=ppt/notesSlides/notesSlide4.xml><?xml version="1.0" encoding="utf-8"?>
+<file path=ppt/notesSlides/notesSlide3.xml><?xml version="1.0" encoding="utf-8"?>
 <p:notes xmlns:a="http://schemas.openxmlformats.org/drawingml/2006/main" xmlns:r="http://schemas.openxmlformats.org/officeDocument/2006/relationships" xmlns:p="http://schemas.openxmlformats.org/presentationml/2006/main">
   <p:cSld>
     <p:spTree>
       <p:nvGrpSpPr>
-        <p:cNvPr id="1" name=""/>
+        <p:cNvPr id="1" name="">
+          <a:extLst>
+            <a:ext uri="{FF2B5EF4-FFF2-40B4-BE49-F238E27FC236}">
+              <a16:creationId xmlns:a16="http://schemas.microsoft.com/office/drawing/2014/main" id="{59A8968D-A134-0B63-A7E7-1D802FE1AD19}"/>
+            </a:ext>
+          </a:extLst>
+        </p:cNvPr>
         <p:cNvGrpSpPr/>
         <p:nvPr/>
       </p:nvGrpSpPr>
@@ -713,7 +1519,13 @@
       </p:grpSpPr>
       <p:sp>
         <p:nvSpPr>
-          <p:cNvPr id="2" name="Espaço Reservado para Imagem de Slide 1"/>
+          <p:cNvPr id="2" name="Espaço Reservado para Imagem de Slide 1">
+            <a:extLst>
+              <a:ext uri="{FF2B5EF4-FFF2-40B4-BE49-F238E27FC236}">
+                <a16:creationId xmlns:a16="http://schemas.microsoft.com/office/drawing/2014/main" id="{CAA2134D-12B4-3995-27E5-360E0DD724EC}"/>
+              </a:ext>
+            </a:extLst>
+          </p:cNvPr>
           <p:cNvSpPr>
             <a:spLocks noGrp="1" noRot="1" noChangeAspect="1"/>
           </p:cNvSpPr>
@@ -730,7 +1542,13 @@
       </p:sp>
       <p:sp>
         <p:nvSpPr>
-          <p:cNvPr id="3" name="Espaço Reservado para Anotações 2"/>
+          <p:cNvPr id="3" name="Espaço Reservado para Anotações 2">
+            <a:extLst>
+              <a:ext uri="{FF2B5EF4-FFF2-40B4-BE49-F238E27FC236}">
+                <a16:creationId xmlns:a16="http://schemas.microsoft.com/office/drawing/2014/main" id="{B58E5C98-F42A-FF86-FEB4-143DFDA1369E}"/>
+              </a:ext>
+            </a:extLst>
+          </p:cNvPr>
           <p:cNvSpPr>
             <a:spLocks noGrp="1"/>
           </p:cNvSpPr>
@@ -750,7 +1568,7 @@
     </p:spTree>
     <p:extLst>
       <p:ext uri="{BB962C8B-B14F-4D97-AF65-F5344CB8AC3E}">
-        <p14:creationId xmlns:p14="http://schemas.microsoft.com/office/powerpoint/2010/main" val="2709569597"/>
+        <p14:creationId xmlns:p14="http://schemas.microsoft.com/office/powerpoint/2010/main" val="1789730241"/>
       </p:ext>
     </p:extLst>
   </p:cSld>
@@ -760,12 +1578,18 @@
 </p:notes>
 </file>
 
-<file path=ppt/notesSlides/notesSlide5.xml><?xml version="1.0" encoding="utf-8"?>
+<file path=ppt/notesSlides/notesSlide4.xml><?xml version="1.0" encoding="utf-8"?>
 <p:notes xmlns:a="http://schemas.openxmlformats.org/drawingml/2006/main" xmlns:r="http://schemas.openxmlformats.org/officeDocument/2006/relationships" xmlns:p="http://schemas.openxmlformats.org/presentationml/2006/main">
   <p:cSld>
     <p:spTree>
       <p:nvGrpSpPr>
-        <p:cNvPr id="1" name=""/>
+        <p:cNvPr id="1" name="">
+          <a:extLst>
+            <a:ext uri="{FF2B5EF4-FFF2-40B4-BE49-F238E27FC236}">
+              <a16:creationId xmlns:a16="http://schemas.microsoft.com/office/drawing/2014/main" id="{9BC31C76-9B1E-4384-1266-20234AB80376}"/>
+            </a:ext>
+          </a:extLst>
+        </p:cNvPr>
         <p:cNvGrpSpPr/>
         <p:nvPr/>
       </p:nvGrpSpPr>
@@ -779,7 +1603,13 @@
       </p:grpSpPr>
       <p:sp>
         <p:nvSpPr>
-          <p:cNvPr id="2" name="Espaço Reservado para Imagem de Slide 1"/>
+          <p:cNvPr id="2" name="Espaço Reservado para Imagem de Slide 1">
+            <a:extLst>
+              <a:ext uri="{FF2B5EF4-FFF2-40B4-BE49-F238E27FC236}">
+                <a16:creationId xmlns:a16="http://schemas.microsoft.com/office/drawing/2014/main" id="{861277DC-4FB1-4A9D-64B7-864F7C7E61E4}"/>
+              </a:ext>
+            </a:extLst>
+          </p:cNvPr>
           <p:cNvSpPr>
             <a:spLocks noGrp="1" noRot="1" noChangeAspect="1"/>
           </p:cNvSpPr>
@@ -796,7 +1626,13 @@
       </p:sp>
       <p:sp>
         <p:nvSpPr>
-          <p:cNvPr id="3" name="Espaço Reservado para Anotações 2"/>
+          <p:cNvPr id="3" name="Espaço Reservado para Anotações 2">
+            <a:extLst>
+              <a:ext uri="{FF2B5EF4-FFF2-40B4-BE49-F238E27FC236}">
+                <a16:creationId xmlns:a16="http://schemas.microsoft.com/office/drawing/2014/main" id="{AB291591-F1B7-9E92-AC82-C5D2931F5C74}"/>
+              </a:ext>
+            </a:extLst>
+          </p:cNvPr>
           <p:cNvSpPr>
             <a:spLocks noGrp="1"/>
           </p:cNvSpPr>
@@ -816,7 +1652,7 @@
     </p:spTree>
     <p:extLst>
       <p:ext uri="{BB962C8B-B14F-4D97-AF65-F5344CB8AC3E}">
-        <p14:creationId xmlns:p14="http://schemas.microsoft.com/office/powerpoint/2010/main" val="2296249050"/>
+        <p14:creationId xmlns:p14="http://schemas.microsoft.com/office/powerpoint/2010/main" val="2512695128"/>
       </p:ext>
     </p:extLst>
   </p:cSld>
@@ -826,12 +1662,18 @@
 </p:notes>
 </file>
 
-<file path=ppt/notesSlides/notesSlide6.xml><?xml version="1.0" encoding="utf-8"?>
+<file path=ppt/notesSlides/notesSlide5.xml><?xml version="1.0" encoding="utf-8"?>
 <p:notes xmlns:a="http://schemas.openxmlformats.org/drawingml/2006/main" xmlns:r="http://schemas.openxmlformats.org/officeDocument/2006/relationships" xmlns:p="http://schemas.openxmlformats.org/presentationml/2006/main">
   <p:cSld>
     <p:spTree>
       <p:nvGrpSpPr>
-        <p:cNvPr id="1" name=""/>
+        <p:cNvPr id="1" name="">
+          <a:extLst>
+            <a:ext uri="{FF2B5EF4-FFF2-40B4-BE49-F238E27FC236}">
+              <a16:creationId xmlns:a16="http://schemas.microsoft.com/office/drawing/2014/main" id="{24D04048-D5CB-4E0F-DF9F-D7B2DCA34A70}"/>
+            </a:ext>
+          </a:extLst>
+        </p:cNvPr>
         <p:cNvGrpSpPr/>
         <p:nvPr/>
       </p:nvGrpSpPr>
@@ -845,7 +1687,13 @@
       </p:grpSpPr>
       <p:sp>
         <p:nvSpPr>
-          <p:cNvPr id="2" name="Espaço Reservado para Imagem de Slide 1"/>
+          <p:cNvPr id="2" name="Espaço Reservado para Imagem de Slide 1">
+            <a:extLst>
+              <a:ext uri="{FF2B5EF4-FFF2-40B4-BE49-F238E27FC236}">
+                <a16:creationId xmlns:a16="http://schemas.microsoft.com/office/drawing/2014/main" id="{433C0856-2313-6862-AA55-576C43DF3B0A}"/>
+              </a:ext>
+            </a:extLst>
+          </p:cNvPr>
           <p:cNvSpPr>
             <a:spLocks noGrp="1" noRot="1" noChangeAspect="1"/>
           </p:cNvSpPr>
@@ -862,7 +1710,13 @@
       </p:sp>
       <p:sp>
         <p:nvSpPr>
-          <p:cNvPr id="3" name="Espaço Reservado para Anotações 2"/>
+          <p:cNvPr id="3" name="Espaço Reservado para Anotações 2">
+            <a:extLst>
+              <a:ext uri="{FF2B5EF4-FFF2-40B4-BE49-F238E27FC236}">
+                <a16:creationId xmlns:a16="http://schemas.microsoft.com/office/drawing/2014/main" id="{6FBD7167-F1D6-EFEC-2657-9DF17119790D}"/>
+              </a:ext>
+            </a:extLst>
+          </p:cNvPr>
           <p:cNvSpPr>
             <a:spLocks noGrp="1"/>
           </p:cNvSpPr>
@@ -882,7 +1736,343 @@
     </p:spTree>
     <p:extLst>
       <p:ext uri="{BB962C8B-B14F-4D97-AF65-F5344CB8AC3E}">
-        <p14:creationId xmlns:p14="http://schemas.microsoft.com/office/powerpoint/2010/main" val="4290351292"/>
+        <p14:creationId xmlns:p14="http://schemas.microsoft.com/office/powerpoint/2010/main" val="247069659"/>
+      </p:ext>
+    </p:extLst>
+  </p:cSld>
+  <p:clrMapOvr>
+    <a:masterClrMapping/>
+  </p:clrMapOvr>
+</p:notes>
+</file>
+
+<file path=ppt/notesSlides/notesSlide6.xml><?xml version="1.0" encoding="utf-8"?>
+<p:notes xmlns:a="http://schemas.openxmlformats.org/drawingml/2006/main" xmlns:r="http://schemas.openxmlformats.org/officeDocument/2006/relationships" xmlns:p="http://schemas.openxmlformats.org/presentationml/2006/main">
+  <p:cSld>
+    <p:spTree>
+      <p:nvGrpSpPr>
+        <p:cNvPr id="1" name="">
+          <a:extLst>
+            <a:ext uri="{FF2B5EF4-FFF2-40B4-BE49-F238E27FC236}">
+              <a16:creationId xmlns:a16="http://schemas.microsoft.com/office/drawing/2014/main" id="{34526AEB-CE63-A953-322A-C36C8CB6440D}"/>
+            </a:ext>
+          </a:extLst>
+        </p:cNvPr>
+        <p:cNvGrpSpPr/>
+        <p:nvPr/>
+      </p:nvGrpSpPr>
+      <p:grpSpPr>
+        <a:xfrm>
+          <a:off x="0" y="0"/>
+          <a:ext cx="0" cy="0"/>
+          <a:chOff x="0" y="0"/>
+          <a:chExt cx="0" cy="0"/>
+        </a:xfrm>
+      </p:grpSpPr>
+      <p:sp>
+        <p:nvSpPr>
+          <p:cNvPr id="2" name="Espaço Reservado para Imagem de Slide 1">
+            <a:extLst>
+              <a:ext uri="{FF2B5EF4-FFF2-40B4-BE49-F238E27FC236}">
+                <a16:creationId xmlns:a16="http://schemas.microsoft.com/office/drawing/2014/main" id="{77F1F8C5-ABA3-8712-667F-3D5926F83EEB}"/>
+              </a:ext>
+            </a:extLst>
+          </p:cNvPr>
+          <p:cNvSpPr>
+            <a:spLocks noGrp="1" noRot="1" noChangeAspect="1"/>
+          </p:cNvSpPr>
+          <p:nvPr>
+            <p:ph type="sldImg"/>
+          </p:nvPr>
+        </p:nvSpPr>
+        <p:spPr>
+          <a:xfrm>
+            <a:off x="381000" y="685800"/>
+            <a:ext cx="6096000" cy="3429000"/>
+          </a:xfrm>
+        </p:spPr>
+      </p:sp>
+      <p:sp>
+        <p:nvSpPr>
+          <p:cNvPr id="3" name="Espaço Reservado para Anotações 2">
+            <a:extLst>
+              <a:ext uri="{FF2B5EF4-FFF2-40B4-BE49-F238E27FC236}">
+                <a16:creationId xmlns:a16="http://schemas.microsoft.com/office/drawing/2014/main" id="{4641C8A0-A60D-6649-AA5F-239A27A24039}"/>
+              </a:ext>
+            </a:extLst>
+          </p:cNvPr>
+          <p:cNvSpPr>
+            <a:spLocks noGrp="1"/>
+          </p:cNvSpPr>
+          <p:nvPr>
+            <p:ph type="body" idx="1"/>
+          </p:nvPr>
+        </p:nvSpPr>
+        <p:spPr/>
+        <p:txBody>
+          <a:bodyPr/>
+          <a:lstStyle/>
+          <a:p>
+            <a:endParaRPr lang="pt-BR" dirty="0"/>
+          </a:p>
+        </p:txBody>
+      </p:sp>
+    </p:spTree>
+    <p:extLst>
+      <p:ext uri="{BB962C8B-B14F-4D97-AF65-F5344CB8AC3E}">
+        <p14:creationId xmlns:p14="http://schemas.microsoft.com/office/powerpoint/2010/main" val="2749293831"/>
+      </p:ext>
+    </p:extLst>
+  </p:cSld>
+  <p:clrMapOvr>
+    <a:masterClrMapping/>
+  </p:clrMapOvr>
+</p:notes>
+</file>
+
+<file path=ppt/notesSlides/notesSlide7.xml><?xml version="1.0" encoding="utf-8"?>
+<p:notes xmlns:a="http://schemas.openxmlformats.org/drawingml/2006/main" xmlns:r="http://schemas.openxmlformats.org/officeDocument/2006/relationships" xmlns:p="http://schemas.openxmlformats.org/presentationml/2006/main">
+  <p:cSld>
+    <p:spTree>
+      <p:nvGrpSpPr>
+        <p:cNvPr id="1" name="">
+          <a:extLst>
+            <a:ext uri="{FF2B5EF4-FFF2-40B4-BE49-F238E27FC236}">
+              <a16:creationId xmlns:a16="http://schemas.microsoft.com/office/drawing/2014/main" id="{3EA7A0E3-66FC-64F9-56D1-7E3BC1F864AC}"/>
+            </a:ext>
+          </a:extLst>
+        </p:cNvPr>
+        <p:cNvGrpSpPr/>
+        <p:nvPr/>
+      </p:nvGrpSpPr>
+      <p:grpSpPr>
+        <a:xfrm>
+          <a:off x="0" y="0"/>
+          <a:ext cx="0" cy="0"/>
+          <a:chOff x="0" y="0"/>
+          <a:chExt cx="0" cy="0"/>
+        </a:xfrm>
+      </p:grpSpPr>
+      <p:sp>
+        <p:nvSpPr>
+          <p:cNvPr id="2" name="Espaço Reservado para Imagem de Slide 1">
+            <a:extLst>
+              <a:ext uri="{FF2B5EF4-FFF2-40B4-BE49-F238E27FC236}">
+                <a16:creationId xmlns:a16="http://schemas.microsoft.com/office/drawing/2014/main" id="{6C9C2009-BB8E-2E71-36D0-2795FB8BA843}"/>
+              </a:ext>
+            </a:extLst>
+          </p:cNvPr>
+          <p:cNvSpPr>
+            <a:spLocks noGrp="1" noRot="1" noChangeAspect="1"/>
+          </p:cNvSpPr>
+          <p:nvPr>
+            <p:ph type="sldImg"/>
+          </p:nvPr>
+        </p:nvSpPr>
+        <p:spPr>
+          <a:xfrm>
+            <a:off x="381000" y="685800"/>
+            <a:ext cx="6096000" cy="3429000"/>
+          </a:xfrm>
+        </p:spPr>
+      </p:sp>
+      <p:sp>
+        <p:nvSpPr>
+          <p:cNvPr id="3" name="Espaço Reservado para Anotações 2">
+            <a:extLst>
+              <a:ext uri="{FF2B5EF4-FFF2-40B4-BE49-F238E27FC236}">
+                <a16:creationId xmlns:a16="http://schemas.microsoft.com/office/drawing/2014/main" id="{B6BBDA5D-A924-B110-6E6B-4726B3A2714C}"/>
+              </a:ext>
+            </a:extLst>
+          </p:cNvPr>
+          <p:cNvSpPr>
+            <a:spLocks noGrp="1"/>
+          </p:cNvSpPr>
+          <p:nvPr>
+            <p:ph type="body" idx="1"/>
+          </p:nvPr>
+        </p:nvSpPr>
+        <p:spPr/>
+        <p:txBody>
+          <a:bodyPr/>
+          <a:lstStyle/>
+          <a:p>
+            <a:endParaRPr lang="pt-BR" dirty="0"/>
+          </a:p>
+        </p:txBody>
+      </p:sp>
+    </p:spTree>
+    <p:extLst>
+      <p:ext uri="{BB962C8B-B14F-4D97-AF65-F5344CB8AC3E}">
+        <p14:creationId xmlns:p14="http://schemas.microsoft.com/office/powerpoint/2010/main" val="3436141255"/>
+      </p:ext>
+    </p:extLst>
+  </p:cSld>
+  <p:clrMapOvr>
+    <a:masterClrMapping/>
+  </p:clrMapOvr>
+</p:notes>
+</file>
+
+<file path=ppt/notesSlides/notesSlide8.xml><?xml version="1.0" encoding="utf-8"?>
+<p:notes xmlns:a="http://schemas.openxmlformats.org/drawingml/2006/main" xmlns:r="http://schemas.openxmlformats.org/officeDocument/2006/relationships" xmlns:p="http://schemas.openxmlformats.org/presentationml/2006/main">
+  <p:cSld>
+    <p:spTree>
+      <p:nvGrpSpPr>
+        <p:cNvPr id="1" name="">
+          <a:extLst>
+            <a:ext uri="{FF2B5EF4-FFF2-40B4-BE49-F238E27FC236}">
+              <a16:creationId xmlns:a16="http://schemas.microsoft.com/office/drawing/2014/main" id="{9D0A778C-B361-1529-53E4-0064DDA50F4F}"/>
+            </a:ext>
+          </a:extLst>
+        </p:cNvPr>
+        <p:cNvGrpSpPr/>
+        <p:nvPr/>
+      </p:nvGrpSpPr>
+      <p:grpSpPr>
+        <a:xfrm>
+          <a:off x="0" y="0"/>
+          <a:ext cx="0" cy="0"/>
+          <a:chOff x="0" y="0"/>
+          <a:chExt cx="0" cy="0"/>
+        </a:xfrm>
+      </p:grpSpPr>
+      <p:sp>
+        <p:nvSpPr>
+          <p:cNvPr id="2" name="Espaço Reservado para Imagem de Slide 1">
+            <a:extLst>
+              <a:ext uri="{FF2B5EF4-FFF2-40B4-BE49-F238E27FC236}">
+                <a16:creationId xmlns:a16="http://schemas.microsoft.com/office/drawing/2014/main" id="{450CB4D6-35CB-2666-ED2F-5FD0220DA272}"/>
+              </a:ext>
+            </a:extLst>
+          </p:cNvPr>
+          <p:cNvSpPr>
+            <a:spLocks noGrp="1" noRot="1" noChangeAspect="1"/>
+          </p:cNvSpPr>
+          <p:nvPr>
+            <p:ph type="sldImg"/>
+          </p:nvPr>
+        </p:nvSpPr>
+        <p:spPr>
+          <a:xfrm>
+            <a:off x="381000" y="685800"/>
+            <a:ext cx="6096000" cy="3429000"/>
+          </a:xfrm>
+        </p:spPr>
+      </p:sp>
+      <p:sp>
+        <p:nvSpPr>
+          <p:cNvPr id="3" name="Espaço Reservado para Anotações 2">
+            <a:extLst>
+              <a:ext uri="{FF2B5EF4-FFF2-40B4-BE49-F238E27FC236}">
+                <a16:creationId xmlns:a16="http://schemas.microsoft.com/office/drawing/2014/main" id="{6289EBD4-1F5A-5813-4FE6-524816B6A01D}"/>
+              </a:ext>
+            </a:extLst>
+          </p:cNvPr>
+          <p:cNvSpPr>
+            <a:spLocks noGrp="1"/>
+          </p:cNvSpPr>
+          <p:nvPr>
+            <p:ph type="body" idx="1"/>
+          </p:nvPr>
+        </p:nvSpPr>
+        <p:spPr/>
+        <p:txBody>
+          <a:bodyPr/>
+          <a:lstStyle/>
+          <a:p>
+            <a:endParaRPr lang="pt-BR" dirty="0"/>
+          </a:p>
+        </p:txBody>
+      </p:sp>
+    </p:spTree>
+    <p:extLst>
+      <p:ext uri="{BB962C8B-B14F-4D97-AF65-F5344CB8AC3E}">
+        <p14:creationId xmlns:p14="http://schemas.microsoft.com/office/powerpoint/2010/main" val="974961332"/>
+      </p:ext>
+    </p:extLst>
+  </p:cSld>
+  <p:clrMapOvr>
+    <a:masterClrMapping/>
+  </p:clrMapOvr>
+</p:notes>
+</file>
+
+<file path=ppt/notesSlides/notesSlide9.xml><?xml version="1.0" encoding="utf-8"?>
+<p:notes xmlns:a="http://schemas.openxmlformats.org/drawingml/2006/main" xmlns:r="http://schemas.openxmlformats.org/officeDocument/2006/relationships" xmlns:p="http://schemas.openxmlformats.org/presentationml/2006/main">
+  <p:cSld>
+    <p:spTree>
+      <p:nvGrpSpPr>
+        <p:cNvPr id="1" name="">
+          <a:extLst>
+            <a:ext uri="{FF2B5EF4-FFF2-40B4-BE49-F238E27FC236}">
+              <a16:creationId xmlns:a16="http://schemas.microsoft.com/office/drawing/2014/main" id="{BE78CC68-8FCC-0692-8653-D6E6006D467F}"/>
+            </a:ext>
+          </a:extLst>
+        </p:cNvPr>
+        <p:cNvGrpSpPr/>
+        <p:nvPr/>
+      </p:nvGrpSpPr>
+      <p:grpSpPr>
+        <a:xfrm>
+          <a:off x="0" y="0"/>
+          <a:ext cx="0" cy="0"/>
+          <a:chOff x="0" y="0"/>
+          <a:chExt cx="0" cy="0"/>
+        </a:xfrm>
+      </p:grpSpPr>
+      <p:sp>
+        <p:nvSpPr>
+          <p:cNvPr id="2" name="Espaço Reservado para Imagem de Slide 1">
+            <a:extLst>
+              <a:ext uri="{FF2B5EF4-FFF2-40B4-BE49-F238E27FC236}">
+                <a16:creationId xmlns:a16="http://schemas.microsoft.com/office/drawing/2014/main" id="{6D691024-5199-8F47-A515-410E009EE613}"/>
+              </a:ext>
+            </a:extLst>
+          </p:cNvPr>
+          <p:cNvSpPr>
+            <a:spLocks noGrp="1" noRot="1" noChangeAspect="1"/>
+          </p:cNvSpPr>
+          <p:nvPr>
+            <p:ph type="sldImg"/>
+          </p:nvPr>
+        </p:nvSpPr>
+        <p:spPr>
+          <a:xfrm>
+            <a:off x="381000" y="685800"/>
+            <a:ext cx="6096000" cy="3429000"/>
+          </a:xfrm>
+        </p:spPr>
+      </p:sp>
+      <p:sp>
+        <p:nvSpPr>
+          <p:cNvPr id="3" name="Espaço Reservado para Anotações 2">
+            <a:extLst>
+              <a:ext uri="{FF2B5EF4-FFF2-40B4-BE49-F238E27FC236}">
+                <a16:creationId xmlns:a16="http://schemas.microsoft.com/office/drawing/2014/main" id="{7B385199-B17E-B2F9-1AC5-E887860556F7}"/>
+              </a:ext>
+            </a:extLst>
+          </p:cNvPr>
+          <p:cNvSpPr>
+            <a:spLocks noGrp="1"/>
+          </p:cNvSpPr>
+          <p:nvPr>
+            <p:ph type="body" idx="1"/>
+          </p:nvPr>
+        </p:nvSpPr>
+        <p:spPr/>
+        <p:txBody>
+          <a:bodyPr/>
+          <a:lstStyle/>
+          <a:p>
+            <a:endParaRPr lang="pt-BR" dirty="0"/>
+          </a:p>
+        </p:txBody>
+      </p:sp>
+    </p:spTree>
+    <p:extLst>
+      <p:ext uri="{BB962C8B-B14F-4D97-AF65-F5344CB8AC3E}">
+        <p14:creationId xmlns:p14="http://schemas.microsoft.com/office/powerpoint/2010/main" val="1082557141"/>
       </p:ext>
     </p:extLst>
   </p:cSld>
@@ -3829,6 +5019,2996 @@
 </p:sld>
 </file>
 
+<file path=ppt/slides/slide10.xml><?xml version="1.0" encoding="utf-8"?>
+<p:sld xmlns:a="http://schemas.openxmlformats.org/drawingml/2006/main" xmlns:r="http://schemas.openxmlformats.org/officeDocument/2006/relationships" xmlns:p="http://schemas.openxmlformats.org/presentationml/2006/main">
+  <p:cSld>
+    <p:spTree>
+      <p:nvGrpSpPr>
+        <p:cNvPr id="1" name="">
+          <a:extLst>
+            <a:ext uri="{FF2B5EF4-FFF2-40B4-BE49-F238E27FC236}">
+              <a16:creationId xmlns:a16="http://schemas.microsoft.com/office/drawing/2014/main" id="{9FE1BF9B-2EF6-1405-5EDF-5E4FAF8BE99B}"/>
+            </a:ext>
+          </a:extLst>
+        </p:cNvPr>
+        <p:cNvGrpSpPr/>
+        <p:nvPr/>
+      </p:nvGrpSpPr>
+      <p:grpSpPr>
+        <a:xfrm>
+          <a:off x="0" y="0"/>
+          <a:ext cx="0" cy="0"/>
+          <a:chOff x="0" y="0"/>
+          <a:chExt cx="0" cy="0"/>
+        </a:xfrm>
+      </p:grpSpPr>
+      <p:sp>
+        <p:nvSpPr>
+          <p:cNvPr id="6" name="Title 1">
+            <a:extLst>
+              <a:ext uri="{FF2B5EF4-FFF2-40B4-BE49-F238E27FC236}">
+                <a16:creationId xmlns:a16="http://schemas.microsoft.com/office/drawing/2014/main" id="{3BF321DD-CC50-27A0-7AFF-73B71DA3151C}"/>
+              </a:ext>
+            </a:extLst>
+          </p:cNvPr>
+          <p:cNvSpPr>
+            <a:spLocks noGrp="1"/>
+          </p:cNvSpPr>
+          <p:nvPr>
+            <p:ph type="title"/>
+          </p:nvPr>
+        </p:nvSpPr>
+        <p:spPr>
+          <a:xfrm>
+            <a:off x="457200" y="205980"/>
+            <a:ext cx="8229600" cy="857251"/>
+          </a:xfrm>
+        </p:spPr>
+        <p:txBody>
+          <a:bodyPr>
+            <a:normAutofit/>
+          </a:bodyPr>
+          <a:lstStyle/>
+          <a:p>
+            <a:r>
+              <a:rPr lang="en-US" b="1" dirty="0" err="1">
+                <a:solidFill>
+                  <a:srgbClr val="0070C0"/>
+                </a:solidFill>
+              </a:rPr>
+              <a:t>Exemplos</a:t>
+            </a:r>
+            <a:r>
+              <a:rPr lang="en-US" b="1" dirty="0">
+                <a:solidFill>
+                  <a:srgbClr val="0070C0"/>
+                </a:solidFill>
+              </a:rPr>
+              <a:t> </a:t>
+            </a:r>
+            <a:r>
+              <a:rPr lang="en-US" b="1" dirty="0" err="1">
+                <a:solidFill>
+                  <a:srgbClr val="0070C0"/>
+                </a:solidFill>
+              </a:rPr>
+              <a:t>Função</a:t>
+            </a:r>
+            <a:r>
+              <a:rPr lang="en-US" b="1" dirty="0">
+                <a:solidFill>
+                  <a:srgbClr val="0070C0"/>
+                </a:solidFill>
+              </a:rPr>
+              <a:t> Com Par/Arg</a:t>
+            </a:r>
+          </a:p>
+        </p:txBody>
+      </p:sp>
+      <p:sp>
+        <p:nvSpPr>
+          <p:cNvPr id="8" name="Text Placeholder 2">
+            <a:extLst>
+              <a:ext uri="{FF2B5EF4-FFF2-40B4-BE49-F238E27FC236}">
+                <a16:creationId xmlns:a16="http://schemas.microsoft.com/office/drawing/2014/main" id="{272C1708-747F-DB94-57C8-C8CEEDF8599E}"/>
+              </a:ext>
+            </a:extLst>
+          </p:cNvPr>
+          <p:cNvSpPr>
+            <a:spLocks noGrp="1"/>
+          </p:cNvSpPr>
+          <p:nvPr>
+            <p:ph type="body" sz="half" idx="1"/>
+          </p:nvPr>
+        </p:nvSpPr>
+        <p:spPr>
+          <a:xfrm>
+            <a:off x="142865" y="1200150"/>
+            <a:ext cx="8865056" cy="3737370"/>
+          </a:xfrm>
+        </p:spPr>
+        <p:txBody>
+          <a:bodyPr>
+            <a:noAutofit/>
+          </a:bodyPr>
+          <a:lstStyle/>
+          <a:p>
+            <a:pPr marL="0" indent="0" algn="just">
+              <a:buNone/>
+            </a:pPr>
+            <a:r>
+              <a:rPr lang="pt-BR" sz="2000" b="1" dirty="0">
+                <a:solidFill>
+                  <a:schemeClr val="tx1"/>
+                </a:solidFill>
+                <a:latin typeface="Times New Roman" panose="02020603050405020304" pitchFamily="18" charset="0"/>
+                <a:cs typeface="Times New Roman" panose="02020603050405020304" pitchFamily="18" charset="0"/>
+              </a:rPr>
+              <a:t>#include </a:t>
+            </a:r>
+            <a:r>
+              <a:rPr lang="pt-BR" sz="2000" dirty="0">
+                <a:solidFill>
+                  <a:schemeClr val="tx1"/>
+                </a:solidFill>
+                <a:latin typeface="Times New Roman" panose="02020603050405020304" pitchFamily="18" charset="0"/>
+                <a:cs typeface="Times New Roman" panose="02020603050405020304" pitchFamily="18" charset="0"/>
+              </a:rPr>
+              <a:t>&lt;</a:t>
+            </a:r>
+            <a:r>
+              <a:rPr lang="pt-BR" sz="2000" dirty="0" err="1">
+                <a:solidFill>
+                  <a:schemeClr val="tx1"/>
+                </a:solidFill>
+                <a:latin typeface="Times New Roman" panose="02020603050405020304" pitchFamily="18" charset="0"/>
+                <a:cs typeface="Times New Roman" panose="02020603050405020304" pitchFamily="18" charset="0"/>
+              </a:rPr>
+              <a:t>stdio.h</a:t>
+            </a:r>
+            <a:r>
+              <a:rPr lang="pt-BR" sz="2000" dirty="0">
+                <a:solidFill>
+                  <a:schemeClr val="tx1"/>
+                </a:solidFill>
+                <a:latin typeface="Times New Roman" panose="02020603050405020304" pitchFamily="18" charset="0"/>
+                <a:cs typeface="Times New Roman" panose="02020603050405020304" pitchFamily="18" charset="0"/>
+              </a:rPr>
+              <a:t>&gt;</a:t>
+            </a:r>
+          </a:p>
+          <a:p>
+            <a:pPr marL="0" indent="0" algn="just">
+              <a:buNone/>
+            </a:pPr>
+            <a:endParaRPr lang="pt-BR" sz="2000" dirty="0">
+              <a:solidFill>
+                <a:schemeClr val="tx1"/>
+              </a:solidFill>
+              <a:latin typeface="Times New Roman" panose="02020603050405020304" pitchFamily="18" charset="0"/>
+              <a:cs typeface="Times New Roman" panose="02020603050405020304" pitchFamily="18" charset="0"/>
+            </a:endParaRPr>
+          </a:p>
+          <a:p>
+            <a:pPr marL="0" indent="0" algn="just">
+              <a:buNone/>
+            </a:pPr>
+            <a:r>
+              <a:rPr lang="pt-BR" sz="2000" dirty="0" err="1">
+                <a:solidFill>
+                  <a:schemeClr val="tx1"/>
+                </a:solidFill>
+                <a:latin typeface="Times New Roman" panose="02020603050405020304" pitchFamily="18" charset="0"/>
+                <a:cs typeface="Times New Roman" panose="02020603050405020304" pitchFamily="18" charset="0"/>
+              </a:rPr>
+              <a:t>void</a:t>
+            </a:r>
+            <a:r>
+              <a:rPr lang="pt-BR" sz="2000" dirty="0">
+                <a:solidFill>
+                  <a:schemeClr val="tx1"/>
+                </a:solidFill>
+                <a:latin typeface="Times New Roman" panose="02020603050405020304" pitchFamily="18" charset="0"/>
+                <a:cs typeface="Times New Roman" panose="02020603050405020304" pitchFamily="18" charset="0"/>
+              </a:rPr>
+              <a:t> </a:t>
+            </a:r>
+            <a:r>
+              <a:rPr lang="pt-BR" sz="2000" b="1" dirty="0" err="1">
+                <a:solidFill>
+                  <a:schemeClr val="tx1"/>
+                </a:solidFill>
+                <a:latin typeface="Times New Roman" panose="02020603050405020304" pitchFamily="18" charset="0"/>
+                <a:cs typeface="Times New Roman" panose="02020603050405020304" pitchFamily="18" charset="0"/>
+              </a:rPr>
+              <a:t>saudacao</a:t>
+            </a:r>
+            <a:r>
+              <a:rPr lang="pt-BR" sz="2000" dirty="0">
+                <a:solidFill>
+                  <a:schemeClr val="tx1"/>
+                </a:solidFill>
+                <a:latin typeface="Times New Roman" panose="02020603050405020304" pitchFamily="18" charset="0"/>
+                <a:cs typeface="Times New Roman" panose="02020603050405020304" pitchFamily="18" charset="0"/>
+              </a:rPr>
+              <a:t>(char nome[]) {</a:t>
+            </a:r>
+          </a:p>
+          <a:p>
+            <a:pPr marL="0" indent="0" algn="just">
+              <a:buNone/>
+            </a:pPr>
+            <a:r>
+              <a:rPr lang="pt-BR" sz="2000" dirty="0">
+                <a:solidFill>
+                  <a:schemeClr val="tx1"/>
+                </a:solidFill>
+                <a:latin typeface="Times New Roman" panose="02020603050405020304" pitchFamily="18" charset="0"/>
+                <a:cs typeface="Times New Roman" panose="02020603050405020304" pitchFamily="18" charset="0"/>
+              </a:rPr>
+              <a:t>    </a:t>
+            </a:r>
+            <a:r>
+              <a:rPr lang="pt-BR" sz="2000" dirty="0" err="1">
+                <a:solidFill>
+                  <a:schemeClr val="tx1"/>
+                </a:solidFill>
+                <a:latin typeface="Times New Roman" panose="02020603050405020304" pitchFamily="18" charset="0"/>
+                <a:cs typeface="Times New Roman" panose="02020603050405020304" pitchFamily="18" charset="0"/>
+              </a:rPr>
+              <a:t>printf</a:t>
+            </a:r>
+            <a:r>
+              <a:rPr lang="pt-BR" sz="2000" dirty="0">
+                <a:solidFill>
+                  <a:schemeClr val="tx1"/>
+                </a:solidFill>
+                <a:latin typeface="Times New Roman" panose="02020603050405020304" pitchFamily="18" charset="0"/>
+                <a:cs typeface="Times New Roman" panose="02020603050405020304" pitchFamily="18" charset="0"/>
+              </a:rPr>
+              <a:t>("Olá, %s!\n", nome);</a:t>
+            </a:r>
+          </a:p>
+          <a:p>
+            <a:pPr marL="0" indent="0" algn="just">
+              <a:buNone/>
+            </a:pPr>
+            <a:r>
+              <a:rPr lang="pt-BR" sz="2000" dirty="0">
+                <a:solidFill>
+                  <a:schemeClr val="tx1"/>
+                </a:solidFill>
+                <a:latin typeface="Times New Roman" panose="02020603050405020304" pitchFamily="18" charset="0"/>
+                <a:cs typeface="Times New Roman" panose="02020603050405020304" pitchFamily="18" charset="0"/>
+              </a:rPr>
+              <a:t>}</a:t>
+            </a:r>
+          </a:p>
+          <a:p>
+            <a:pPr marL="0" indent="0" algn="just">
+              <a:buNone/>
+            </a:pPr>
+            <a:endParaRPr lang="pt-BR" sz="2000" dirty="0">
+              <a:solidFill>
+                <a:schemeClr val="tx1"/>
+              </a:solidFill>
+              <a:latin typeface="Times New Roman" panose="02020603050405020304" pitchFamily="18" charset="0"/>
+              <a:cs typeface="Times New Roman" panose="02020603050405020304" pitchFamily="18" charset="0"/>
+            </a:endParaRPr>
+          </a:p>
+          <a:p>
+            <a:pPr marL="0" indent="0" algn="just">
+              <a:buNone/>
+            </a:pPr>
+            <a:r>
+              <a:rPr lang="pt-BR" sz="2000" dirty="0" err="1">
+                <a:solidFill>
+                  <a:schemeClr val="tx1"/>
+                </a:solidFill>
+                <a:latin typeface="Times New Roman" panose="02020603050405020304" pitchFamily="18" charset="0"/>
+                <a:cs typeface="Times New Roman" panose="02020603050405020304" pitchFamily="18" charset="0"/>
+              </a:rPr>
+              <a:t>int</a:t>
+            </a:r>
+            <a:r>
+              <a:rPr lang="pt-BR" sz="2000" dirty="0">
+                <a:solidFill>
+                  <a:schemeClr val="tx1"/>
+                </a:solidFill>
+                <a:latin typeface="Times New Roman" panose="02020603050405020304" pitchFamily="18" charset="0"/>
+                <a:cs typeface="Times New Roman" panose="02020603050405020304" pitchFamily="18" charset="0"/>
+              </a:rPr>
+              <a:t> </a:t>
+            </a:r>
+            <a:r>
+              <a:rPr lang="pt-BR" sz="2000" b="1" dirty="0" err="1">
+                <a:solidFill>
+                  <a:schemeClr val="tx1"/>
+                </a:solidFill>
+                <a:latin typeface="Times New Roman" panose="02020603050405020304" pitchFamily="18" charset="0"/>
+                <a:cs typeface="Times New Roman" panose="02020603050405020304" pitchFamily="18" charset="0"/>
+              </a:rPr>
+              <a:t>main</a:t>
+            </a:r>
+            <a:r>
+              <a:rPr lang="pt-BR" sz="2000" dirty="0">
+                <a:solidFill>
+                  <a:schemeClr val="tx1"/>
+                </a:solidFill>
+                <a:latin typeface="Times New Roman" panose="02020603050405020304" pitchFamily="18" charset="0"/>
+                <a:cs typeface="Times New Roman" panose="02020603050405020304" pitchFamily="18" charset="0"/>
+              </a:rPr>
+              <a:t>() {</a:t>
+            </a:r>
+          </a:p>
+          <a:p>
+            <a:pPr marL="0" indent="0" algn="just">
+              <a:buNone/>
+            </a:pPr>
+            <a:r>
+              <a:rPr lang="pt-BR" sz="2000" dirty="0">
+                <a:solidFill>
+                  <a:schemeClr val="tx1"/>
+                </a:solidFill>
+                <a:latin typeface="Times New Roman" panose="02020603050405020304" pitchFamily="18" charset="0"/>
+                <a:cs typeface="Times New Roman" panose="02020603050405020304" pitchFamily="18" charset="0"/>
+              </a:rPr>
+              <a:t>    </a:t>
+            </a:r>
+            <a:r>
+              <a:rPr lang="pt-BR" sz="2000" b="1" dirty="0" err="1">
+                <a:solidFill>
+                  <a:schemeClr val="tx1"/>
+                </a:solidFill>
+                <a:latin typeface="Times New Roman" panose="02020603050405020304" pitchFamily="18" charset="0"/>
+                <a:cs typeface="Times New Roman" panose="02020603050405020304" pitchFamily="18" charset="0"/>
+              </a:rPr>
+              <a:t>saudacao</a:t>
+            </a:r>
+            <a:r>
+              <a:rPr lang="pt-BR" sz="2000" dirty="0">
+                <a:solidFill>
+                  <a:schemeClr val="tx1"/>
+                </a:solidFill>
+                <a:latin typeface="Times New Roman" panose="02020603050405020304" pitchFamily="18" charset="0"/>
+                <a:cs typeface="Times New Roman" panose="02020603050405020304" pitchFamily="18" charset="0"/>
+              </a:rPr>
+              <a:t>("Ana");</a:t>
+            </a:r>
+          </a:p>
+          <a:p>
+            <a:pPr marL="0" indent="0" algn="just">
+              <a:buNone/>
+            </a:pPr>
+            <a:r>
+              <a:rPr lang="pt-BR" sz="2000" dirty="0">
+                <a:solidFill>
+                  <a:schemeClr val="tx1"/>
+                </a:solidFill>
+                <a:latin typeface="Times New Roman" panose="02020603050405020304" pitchFamily="18" charset="0"/>
+                <a:cs typeface="Times New Roman" panose="02020603050405020304" pitchFamily="18" charset="0"/>
+              </a:rPr>
+              <a:t>    </a:t>
+            </a:r>
+            <a:r>
+              <a:rPr lang="pt-BR" sz="2000" dirty="0" err="1">
+                <a:solidFill>
+                  <a:schemeClr val="tx1"/>
+                </a:solidFill>
+                <a:latin typeface="Times New Roman" panose="02020603050405020304" pitchFamily="18" charset="0"/>
+                <a:cs typeface="Times New Roman" panose="02020603050405020304" pitchFamily="18" charset="0"/>
+              </a:rPr>
+              <a:t>return</a:t>
+            </a:r>
+            <a:r>
+              <a:rPr lang="pt-BR" sz="2000" dirty="0">
+                <a:solidFill>
+                  <a:schemeClr val="tx1"/>
+                </a:solidFill>
+                <a:latin typeface="Times New Roman" panose="02020603050405020304" pitchFamily="18" charset="0"/>
+                <a:cs typeface="Times New Roman" panose="02020603050405020304" pitchFamily="18" charset="0"/>
+              </a:rPr>
+              <a:t> 0;</a:t>
+            </a:r>
+          </a:p>
+          <a:p>
+            <a:pPr marL="0" indent="0" algn="just">
+              <a:buNone/>
+            </a:pPr>
+            <a:r>
+              <a:rPr lang="pt-BR" sz="2000" dirty="0">
+                <a:solidFill>
+                  <a:schemeClr val="tx1"/>
+                </a:solidFill>
+                <a:latin typeface="Times New Roman" panose="02020603050405020304" pitchFamily="18" charset="0"/>
+                <a:cs typeface="Times New Roman" panose="02020603050405020304" pitchFamily="18" charset="0"/>
+              </a:rPr>
+              <a:t>}</a:t>
+            </a:r>
+            <a:endParaRPr lang="pt-BR" sz="2000" dirty="0">
+              <a:solidFill>
+                <a:srgbClr val="FF0000"/>
+              </a:solidFill>
+              <a:latin typeface="Times New Roman" panose="02020603050405020304" pitchFamily="18" charset="0"/>
+              <a:cs typeface="Times New Roman" panose="02020603050405020304" pitchFamily="18" charset="0"/>
+            </a:endParaRPr>
+          </a:p>
+        </p:txBody>
+      </p:sp>
+    </p:spTree>
+    <p:extLst>
+      <p:ext uri="{BB962C8B-B14F-4D97-AF65-F5344CB8AC3E}">
+        <p14:creationId xmlns:p14="http://schemas.microsoft.com/office/powerpoint/2010/main" val="100749080"/>
+      </p:ext>
+    </p:extLst>
+  </p:cSld>
+  <p:clrMapOvr>
+    <a:masterClrMapping/>
+  </p:clrMapOvr>
+  <p:transition spd="med"/>
+</p:sld>
+</file>
+
+<file path=ppt/slides/slide11.xml><?xml version="1.0" encoding="utf-8"?>
+<p:sld xmlns:a="http://schemas.openxmlformats.org/drawingml/2006/main" xmlns:r="http://schemas.openxmlformats.org/officeDocument/2006/relationships" xmlns:p="http://schemas.openxmlformats.org/presentationml/2006/main">
+  <p:cSld>
+    <p:spTree>
+      <p:nvGrpSpPr>
+        <p:cNvPr id="1" name="">
+          <a:extLst>
+            <a:ext uri="{FF2B5EF4-FFF2-40B4-BE49-F238E27FC236}">
+              <a16:creationId xmlns:a16="http://schemas.microsoft.com/office/drawing/2014/main" id="{67312F77-733E-40FC-FDAE-6B6CA73EACC9}"/>
+            </a:ext>
+          </a:extLst>
+        </p:cNvPr>
+        <p:cNvGrpSpPr/>
+        <p:nvPr/>
+      </p:nvGrpSpPr>
+      <p:grpSpPr>
+        <a:xfrm>
+          <a:off x="0" y="0"/>
+          <a:ext cx="0" cy="0"/>
+          <a:chOff x="0" y="0"/>
+          <a:chExt cx="0" cy="0"/>
+        </a:xfrm>
+      </p:grpSpPr>
+      <p:sp>
+        <p:nvSpPr>
+          <p:cNvPr id="6" name="Title 1">
+            <a:extLst>
+              <a:ext uri="{FF2B5EF4-FFF2-40B4-BE49-F238E27FC236}">
+                <a16:creationId xmlns:a16="http://schemas.microsoft.com/office/drawing/2014/main" id="{7F81C270-894F-F401-6E88-12BB33992C2A}"/>
+              </a:ext>
+            </a:extLst>
+          </p:cNvPr>
+          <p:cNvSpPr>
+            <a:spLocks noGrp="1"/>
+          </p:cNvSpPr>
+          <p:nvPr>
+            <p:ph type="title"/>
+          </p:nvPr>
+        </p:nvSpPr>
+        <p:spPr>
+          <a:xfrm>
+            <a:off x="457200" y="205980"/>
+            <a:ext cx="8229600" cy="857251"/>
+          </a:xfrm>
+        </p:spPr>
+        <p:txBody>
+          <a:bodyPr>
+            <a:normAutofit/>
+          </a:bodyPr>
+          <a:lstStyle/>
+          <a:p>
+            <a:r>
+              <a:rPr lang="en-US" b="1" dirty="0" err="1">
+                <a:solidFill>
+                  <a:srgbClr val="0070C0"/>
+                </a:solidFill>
+              </a:rPr>
+              <a:t>Exemplos</a:t>
+            </a:r>
+            <a:r>
+              <a:rPr lang="en-US" b="1" dirty="0">
+                <a:solidFill>
+                  <a:srgbClr val="0070C0"/>
+                </a:solidFill>
+              </a:rPr>
+              <a:t> </a:t>
+            </a:r>
+            <a:r>
+              <a:rPr lang="en-US" b="1" dirty="0" err="1">
+                <a:solidFill>
+                  <a:srgbClr val="0070C0"/>
+                </a:solidFill>
+              </a:rPr>
+              <a:t>Função</a:t>
+            </a:r>
+            <a:r>
+              <a:rPr lang="en-US" b="1" dirty="0">
+                <a:solidFill>
+                  <a:srgbClr val="0070C0"/>
+                </a:solidFill>
+              </a:rPr>
+              <a:t> Com Par/Arg</a:t>
+            </a:r>
+          </a:p>
+        </p:txBody>
+      </p:sp>
+      <p:sp>
+        <p:nvSpPr>
+          <p:cNvPr id="8" name="Text Placeholder 2">
+            <a:extLst>
+              <a:ext uri="{FF2B5EF4-FFF2-40B4-BE49-F238E27FC236}">
+                <a16:creationId xmlns:a16="http://schemas.microsoft.com/office/drawing/2014/main" id="{F4B068B9-FBD5-8EE0-938A-5A960B1C6FB2}"/>
+              </a:ext>
+            </a:extLst>
+          </p:cNvPr>
+          <p:cNvSpPr>
+            <a:spLocks noGrp="1"/>
+          </p:cNvSpPr>
+          <p:nvPr>
+            <p:ph type="body" sz="half" idx="1"/>
+          </p:nvPr>
+        </p:nvSpPr>
+        <p:spPr>
+          <a:xfrm>
+            <a:off x="142865" y="1200150"/>
+            <a:ext cx="8865056" cy="3737370"/>
+          </a:xfrm>
+        </p:spPr>
+        <p:txBody>
+          <a:bodyPr>
+            <a:noAutofit/>
+          </a:bodyPr>
+          <a:lstStyle/>
+          <a:p>
+            <a:pPr marL="0" indent="0" algn="just">
+              <a:buNone/>
+            </a:pPr>
+            <a:r>
+              <a:rPr lang="pt-BR" sz="2000" b="1" dirty="0" err="1">
+                <a:solidFill>
+                  <a:schemeClr val="tx1"/>
+                </a:solidFill>
+                <a:latin typeface="Times New Roman" panose="02020603050405020304" pitchFamily="18" charset="0"/>
+                <a:cs typeface="Times New Roman" panose="02020603050405020304" pitchFamily="18" charset="0"/>
+              </a:rPr>
+              <a:t>def</a:t>
+            </a:r>
+            <a:r>
+              <a:rPr lang="pt-BR" sz="2000" dirty="0">
+                <a:solidFill>
+                  <a:schemeClr val="tx1"/>
+                </a:solidFill>
+                <a:latin typeface="Times New Roman" panose="02020603050405020304" pitchFamily="18" charset="0"/>
+                <a:cs typeface="Times New Roman" panose="02020603050405020304" pitchFamily="18" charset="0"/>
+              </a:rPr>
+              <a:t> </a:t>
+            </a:r>
+            <a:r>
+              <a:rPr lang="pt-BR" sz="2000" dirty="0" err="1">
+                <a:solidFill>
+                  <a:schemeClr val="tx1"/>
+                </a:solidFill>
+                <a:latin typeface="Times New Roman" panose="02020603050405020304" pitchFamily="18" charset="0"/>
+                <a:cs typeface="Times New Roman" panose="02020603050405020304" pitchFamily="18" charset="0"/>
+              </a:rPr>
+              <a:t>saudacao</a:t>
+            </a:r>
+            <a:r>
+              <a:rPr lang="pt-BR" sz="2000" dirty="0">
+                <a:solidFill>
+                  <a:schemeClr val="tx1"/>
+                </a:solidFill>
+                <a:latin typeface="Times New Roman" panose="02020603050405020304" pitchFamily="18" charset="0"/>
+                <a:cs typeface="Times New Roman" panose="02020603050405020304" pitchFamily="18" charset="0"/>
+              </a:rPr>
+              <a:t>(nome):  # </a:t>
+            </a:r>
+            <a:r>
+              <a:rPr lang="pt-BR" sz="2000" b="1" dirty="0">
+                <a:solidFill>
+                  <a:schemeClr val="tx1"/>
+                </a:solidFill>
+                <a:latin typeface="Times New Roman" panose="02020603050405020304" pitchFamily="18" charset="0"/>
+                <a:cs typeface="Times New Roman" panose="02020603050405020304" pitchFamily="18" charset="0"/>
+              </a:rPr>
+              <a:t>'nome' é o parâmetro</a:t>
+            </a:r>
+          </a:p>
+          <a:p>
+            <a:pPr marL="0" indent="0" algn="just">
+              <a:buNone/>
+            </a:pPr>
+            <a:r>
+              <a:rPr lang="pt-BR" sz="2000" dirty="0">
+                <a:solidFill>
+                  <a:schemeClr val="tx1"/>
+                </a:solidFill>
+                <a:latin typeface="Times New Roman" panose="02020603050405020304" pitchFamily="18" charset="0"/>
+                <a:cs typeface="Times New Roman" panose="02020603050405020304" pitchFamily="18" charset="0"/>
+              </a:rPr>
+              <a:t>    print(</a:t>
+            </a:r>
+            <a:r>
+              <a:rPr lang="pt-BR" sz="2000" dirty="0" err="1">
+                <a:solidFill>
+                  <a:schemeClr val="tx1"/>
+                </a:solidFill>
+                <a:latin typeface="Times New Roman" panose="02020603050405020304" pitchFamily="18" charset="0"/>
+                <a:cs typeface="Times New Roman" panose="02020603050405020304" pitchFamily="18" charset="0"/>
+              </a:rPr>
+              <a:t>f"Olá</a:t>
+            </a:r>
+            <a:r>
+              <a:rPr lang="pt-BR" sz="2000" dirty="0">
+                <a:solidFill>
+                  <a:schemeClr val="tx1"/>
+                </a:solidFill>
+                <a:latin typeface="Times New Roman" panose="02020603050405020304" pitchFamily="18" charset="0"/>
+                <a:cs typeface="Times New Roman" panose="02020603050405020304" pitchFamily="18" charset="0"/>
+              </a:rPr>
+              <a:t>, {nome}!")</a:t>
+            </a:r>
+          </a:p>
+          <a:p>
+            <a:pPr marL="0" indent="0" algn="just">
+              <a:buNone/>
+            </a:pPr>
+            <a:r>
+              <a:rPr lang="pt-BR" sz="2000" dirty="0">
+                <a:solidFill>
+                  <a:schemeClr val="tx1"/>
+                </a:solidFill>
+                <a:latin typeface="Times New Roman" panose="02020603050405020304" pitchFamily="18" charset="0"/>
+                <a:cs typeface="Times New Roman" panose="02020603050405020304" pitchFamily="18" charset="0"/>
+              </a:rPr>
+              <a:t>    </a:t>
+            </a:r>
+          </a:p>
+          <a:p>
+            <a:pPr marL="0" indent="0" algn="just">
+              <a:buNone/>
+            </a:pPr>
+            <a:r>
+              <a:rPr lang="pt-BR" sz="2000" dirty="0" err="1">
+                <a:solidFill>
+                  <a:schemeClr val="tx1"/>
+                </a:solidFill>
+                <a:latin typeface="Times New Roman" panose="02020603050405020304" pitchFamily="18" charset="0"/>
+                <a:cs typeface="Times New Roman" panose="02020603050405020304" pitchFamily="18" charset="0"/>
+              </a:rPr>
+              <a:t>saudacao</a:t>
+            </a:r>
+            <a:r>
+              <a:rPr lang="pt-BR" sz="2000" dirty="0">
+                <a:solidFill>
+                  <a:schemeClr val="tx1"/>
+                </a:solidFill>
+                <a:latin typeface="Times New Roman" panose="02020603050405020304" pitchFamily="18" charset="0"/>
+                <a:cs typeface="Times New Roman" panose="02020603050405020304" pitchFamily="18" charset="0"/>
+              </a:rPr>
+              <a:t>("Carlos")  # </a:t>
+            </a:r>
+            <a:r>
+              <a:rPr lang="pt-BR" sz="2000" b="1" dirty="0">
+                <a:solidFill>
+                  <a:srgbClr val="FF0000"/>
+                </a:solidFill>
+                <a:latin typeface="Times New Roman" panose="02020603050405020304" pitchFamily="18" charset="0"/>
+                <a:cs typeface="Times New Roman" panose="02020603050405020304" pitchFamily="18" charset="0"/>
+              </a:rPr>
+              <a:t>"Carlos" é o argumento</a:t>
+            </a:r>
+          </a:p>
+        </p:txBody>
+      </p:sp>
+    </p:spTree>
+    <p:extLst>
+      <p:ext uri="{BB962C8B-B14F-4D97-AF65-F5344CB8AC3E}">
+        <p14:creationId xmlns:p14="http://schemas.microsoft.com/office/powerpoint/2010/main" val="3252997059"/>
+      </p:ext>
+    </p:extLst>
+  </p:cSld>
+  <p:clrMapOvr>
+    <a:masterClrMapping/>
+  </p:clrMapOvr>
+  <p:transition spd="med"/>
+</p:sld>
+</file>
+
+<file path=ppt/slides/slide12.xml><?xml version="1.0" encoding="utf-8"?>
+<p:sld xmlns:a="http://schemas.openxmlformats.org/drawingml/2006/main" xmlns:r="http://schemas.openxmlformats.org/officeDocument/2006/relationships" xmlns:p="http://schemas.openxmlformats.org/presentationml/2006/main">
+  <p:cSld>
+    <p:spTree>
+      <p:nvGrpSpPr>
+        <p:cNvPr id="1" name="">
+          <a:extLst>
+            <a:ext uri="{FF2B5EF4-FFF2-40B4-BE49-F238E27FC236}">
+              <a16:creationId xmlns:a16="http://schemas.microsoft.com/office/drawing/2014/main" id="{CF83A976-F43E-B8E4-B608-41C23F240BA5}"/>
+            </a:ext>
+          </a:extLst>
+        </p:cNvPr>
+        <p:cNvGrpSpPr/>
+        <p:nvPr/>
+      </p:nvGrpSpPr>
+      <p:grpSpPr>
+        <a:xfrm>
+          <a:off x="0" y="0"/>
+          <a:ext cx="0" cy="0"/>
+          <a:chOff x="0" y="0"/>
+          <a:chExt cx="0" cy="0"/>
+        </a:xfrm>
+      </p:grpSpPr>
+      <p:sp>
+        <p:nvSpPr>
+          <p:cNvPr id="6" name="Title 1">
+            <a:extLst>
+              <a:ext uri="{FF2B5EF4-FFF2-40B4-BE49-F238E27FC236}">
+                <a16:creationId xmlns:a16="http://schemas.microsoft.com/office/drawing/2014/main" id="{D52643CF-D978-6F9A-C4B4-365B4D2C2D90}"/>
+              </a:ext>
+            </a:extLst>
+          </p:cNvPr>
+          <p:cNvSpPr>
+            <a:spLocks noGrp="1"/>
+          </p:cNvSpPr>
+          <p:nvPr>
+            <p:ph type="title"/>
+          </p:nvPr>
+        </p:nvSpPr>
+        <p:spPr>
+          <a:xfrm>
+            <a:off x="457200" y="205980"/>
+            <a:ext cx="8229600" cy="857251"/>
+          </a:xfrm>
+        </p:spPr>
+        <p:txBody>
+          <a:bodyPr>
+            <a:normAutofit fontScale="90000"/>
+          </a:bodyPr>
+          <a:lstStyle/>
+          <a:p>
+            <a:r>
+              <a:rPr lang="en-US" b="1" dirty="0" err="1">
+                <a:solidFill>
+                  <a:srgbClr val="0070C0"/>
+                </a:solidFill>
+              </a:rPr>
+              <a:t>Utilidade</a:t>
+            </a:r>
+            <a:r>
+              <a:rPr lang="en-US" b="1" dirty="0">
+                <a:solidFill>
+                  <a:srgbClr val="0070C0"/>
+                </a:solidFill>
+              </a:rPr>
+              <a:t> dos </a:t>
+            </a:r>
+            <a:r>
+              <a:rPr lang="en-US" b="1" dirty="0" err="1">
+                <a:solidFill>
+                  <a:srgbClr val="0070C0"/>
+                </a:solidFill>
+              </a:rPr>
+              <a:t>Parâmetros</a:t>
+            </a:r>
+            <a:r>
+              <a:rPr lang="en-US" b="1" dirty="0">
+                <a:solidFill>
+                  <a:srgbClr val="0070C0"/>
+                </a:solidFill>
+              </a:rPr>
+              <a:t> - </a:t>
+            </a:r>
+            <a:r>
+              <a:rPr lang="en-US" b="1" dirty="0" err="1">
+                <a:solidFill>
+                  <a:srgbClr val="0070C0"/>
+                </a:solidFill>
+              </a:rPr>
+              <a:t>Funções</a:t>
+            </a:r>
+            <a:endParaRPr lang="en-US" b="1" dirty="0">
+              <a:solidFill>
+                <a:srgbClr val="0070C0"/>
+              </a:solidFill>
+            </a:endParaRPr>
+          </a:p>
+        </p:txBody>
+      </p:sp>
+      <p:sp>
+        <p:nvSpPr>
+          <p:cNvPr id="8" name="Text Placeholder 2">
+            <a:extLst>
+              <a:ext uri="{FF2B5EF4-FFF2-40B4-BE49-F238E27FC236}">
+                <a16:creationId xmlns:a16="http://schemas.microsoft.com/office/drawing/2014/main" id="{52979A2E-BF80-5C1A-F59D-D6A822002218}"/>
+              </a:ext>
+            </a:extLst>
+          </p:cNvPr>
+          <p:cNvSpPr>
+            <a:spLocks noGrp="1"/>
+          </p:cNvSpPr>
+          <p:nvPr>
+            <p:ph type="body" sz="half" idx="1"/>
+          </p:nvPr>
+        </p:nvSpPr>
+        <p:spPr>
+          <a:xfrm>
+            <a:off x="142865" y="1200150"/>
+            <a:ext cx="8865056" cy="3737370"/>
+          </a:xfrm>
+        </p:spPr>
+        <p:txBody>
+          <a:bodyPr>
+            <a:noAutofit/>
+          </a:bodyPr>
+          <a:lstStyle/>
+          <a:p>
+            <a:pPr marL="457200" indent="-457200" algn="just">
+              <a:buFont typeface="+mj-lt"/>
+              <a:buAutoNum type="arabicPeriod"/>
+            </a:pPr>
+            <a:r>
+              <a:rPr lang="pt-BR" sz="2000" dirty="0">
+                <a:solidFill>
+                  <a:schemeClr val="tx1"/>
+                </a:solidFill>
+                <a:latin typeface="Times New Roman" panose="02020603050405020304" pitchFamily="18" charset="0"/>
+                <a:cs typeface="Times New Roman" panose="02020603050405020304" pitchFamily="18" charset="0"/>
+              </a:rPr>
+              <a:t>Tornar funções reutilizáveis</a:t>
+            </a:r>
+          </a:p>
+          <a:p>
+            <a:pPr marL="904875" lvl="1" indent="-457200" algn="just">
+              <a:buFont typeface="Wingdings" panose="05000000000000000000" pitchFamily="2" charset="2"/>
+              <a:buChar char="§"/>
+            </a:pPr>
+            <a:r>
+              <a:rPr lang="pt-BR" sz="2000" dirty="0">
+                <a:solidFill>
+                  <a:schemeClr val="tx1"/>
+                </a:solidFill>
+                <a:latin typeface="Times New Roman" panose="02020603050405020304" pitchFamily="18" charset="0"/>
+                <a:cs typeface="Times New Roman" panose="02020603050405020304" pitchFamily="18" charset="0"/>
+              </a:rPr>
+              <a:t>Em vez de criar várias funções para diferentes casos, você usa uma só com parâmetros variáveis.</a:t>
+            </a:r>
+          </a:p>
+          <a:p>
+            <a:pPr marL="904875" lvl="1" indent="-457200" algn="just">
+              <a:buFont typeface="Wingdings" panose="05000000000000000000" pitchFamily="2" charset="2"/>
+              <a:buChar char="§"/>
+            </a:pPr>
+            <a:r>
+              <a:rPr lang="pt-BR" sz="2000" dirty="0">
+                <a:solidFill>
+                  <a:schemeClr val="tx1"/>
+                </a:solidFill>
+                <a:latin typeface="Times New Roman" panose="02020603050405020304" pitchFamily="18" charset="0"/>
+                <a:cs typeface="Times New Roman" panose="02020603050405020304" pitchFamily="18" charset="0"/>
+              </a:rPr>
+              <a:t>Exemplo: mostrar saudações diferentes dependendo do nome passado.</a:t>
+            </a:r>
+          </a:p>
+          <a:p>
+            <a:pPr marL="457200" indent="-457200" algn="just">
+              <a:buFont typeface="+mj-lt"/>
+              <a:buAutoNum type="arabicPeriod"/>
+            </a:pPr>
+            <a:r>
+              <a:rPr lang="pt-BR" sz="2000" dirty="0">
+                <a:solidFill>
+                  <a:schemeClr val="tx1"/>
+                </a:solidFill>
+                <a:latin typeface="Times New Roman" panose="02020603050405020304" pitchFamily="18" charset="0"/>
+                <a:cs typeface="Times New Roman" panose="02020603050405020304" pitchFamily="18" charset="0"/>
+              </a:rPr>
+              <a:t>Flexibilidade</a:t>
+            </a:r>
+          </a:p>
+          <a:p>
+            <a:pPr lvl="1" indent="-342900" algn="just">
+              <a:buFont typeface="Wingdings" panose="05000000000000000000" pitchFamily="2" charset="2"/>
+              <a:buChar char="§"/>
+            </a:pPr>
+            <a:r>
+              <a:rPr lang="pt-BR" sz="2000" dirty="0">
+                <a:solidFill>
+                  <a:schemeClr val="tx1"/>
+                </a:solidFill>
+                <a:latin typeface="Times New Roman" panose="02020603050405020304" pitchFamily="18" charset="0"/>
+                <a:cs typeface="Times New Roman" panose="02020603050405020304" pitchFamily="18" charset="0"/>
+              </a:rPr>
+              <a:t>A função se adapta a diferentes situações com diferentes valores.</a:t>
+            </a:r>
+          </a:p>
+          <a:p>
+            <a:pPr marL="457200" indent="-457200" algn="just">
+              <a:buFont typeface="+mj-lt"/>
+              <a:buAutoNum type="arabicPeriod"/>
+            </a:pPr>
+            <a:r>
+              <a:rPr lang="pt-BR" sz="2000" dirty="0">
+                <a:solidFill>
+                  <a:schemeClr val="tx1"/>
+                </a:solidFill>
+                <a:latin typeface="Times New Roman" panose="02020603050405020304" pitchFamily="18" charset="0"/>
+                <a:cs typeface="Times New Roman" panose="02020603050405020304" pitchFamily="18" charset="0"/>
+              </a:rPr>
+              <a:t>Melhor organização do código</a:t>
+            </a:r>
+          </a:p>
+          <a:p>
+            <a:pPr marL="904875" lvl="1" indent="-457200" algn="just">
+              <a:buFont typeface="Wingdings" panose="05000000000000000000" pitchFamily="2" charset="2"/>
+              <a:buChar char="§"/>
+            </a:pPr>
+            <a:r>
+              <a:rPr lang="pt-BR" sz="2000" dirty="0">
+                <a:solidFill>
+                  <a:schemeClr val="tx1"/>
+                </a:solidFill>
+                <a:latin typeface="Times New Roman" panose="02020603050405020304" pitchFamily="18" charset="0"/>
+                <a:cs typeface="Times New Roman" panose="02020603050405020304" pitchFamily="18" charset="0"/>
+              </a:rPr>
+              <a:t>Você separa a lógica da função dos dados que ela vai manipular.</a:t>
+            </a:r>
+          </a:p>
+          <a:p>
+            <a:pPr marL="457200" indent="-457200" algn="just">
+              <a:buFont typeface="+mj-lt"/>
+              <a:buAutoNum type="arabicPeriod"/>
+            </a:pPr>
+            <a:r>
+              <a:rPr lang="pt-BR" sz="2000" dirty="0">
+                <a:solidFill>
+                  <a:schemeClr val="tx1"/>
+                </a:solidFill>
+                <a:latin typeface="Times New Roman" panose="02020603050405020304" pitchFamily="18" charset="0"/>
+                <a:cs typeface="Times New Roman" panose="02020603050405020304" pitchFamily="18" charset="0"/>
+              </a:rPr>
+              <a:t>Redução de repetição (DRY - </a:t>
+            </a:r>
+            <a:r>
+              <a:rPr lang="pt-BR" sz="2000" dirty="0" err="1">
+                <a:solidFill>
+                  <a:schemeClr val="tx1"/>
+                </a:solidFill>
+                <a:latin typeface="Times New Roman" panose="02020603050405020304" pitchFamily="18" charset="0"/>
+                <a:cs typeface="Times New Roman" panose="02020603050405020304" pitchFamily="18" charset="0"/>
+              </a:rPr>
+              <a:t>Don’t</a:t>
+            </a:r>
+            <a:r>
+              <a:rPr lang="pt-BR" sz="2000" dirty="0">
+                <a:solidFill>
+                  <a:schemeClr val="tx1"/>
+                </a:solidFill>
+                <a:latin typeface="Times New Roman" panose="02020603050405020304" pitchFamily="18" charset="0"/>
+                <a:cs typeface="Times New Roman" panose="02020603050405020304" pitchFamily="18" charset="0"/>
+              </a:rPr>
+              <a:t> </a:t>
+            </a:r>
+            <a:r>
+              <a:rPr lang="pt-BR" sz="2000" dirty="0" err="1">
+                <a:solidFill>
+                  <a:schemeClr val="tx1"/>
+                </a:solidFill>
+                <a:latin typeface="Times New Roman" panose="02020603050405020304" pitchFamily="18" charset="0"/>
+                <a:cs typeface="Times New Roman" panose="02020603050405020304" pitchFamily="18" charset="0"/>
+              </a:rPr>
+              <a:t>Repeat</a:t>
+            </a:r>
+            <a:r>
+              <a:rPr lang="pt-BR" sz="2000" dirty="0">
+                <a:solidFill>
+                  <a:schemeClr val="tx1"/>
+                </a:solidFill>
+                <a:latin typeface="Times New Roman" panose="02020603050405020304" pitchFamily="18" charset="0"/>
+                <a:cs typeface="Times New Roman" panose="02020603050405020304" pitchFamily="18" charset="0"/>
+              </a:rPr>
+              <a:t> </a:t>
+            </a:r>
+            <a:r>
+              <a:rPr lang="pt-BR" sz="2000" dirty="0" err="1">
+                <a:solidFill>
+                  <a:schemeClr val="tx1"/>
+                </a:solidFill>
+                <a:latin typeface="Times New Roman" panose="02020603050405020304" pitchFamily="18" charset="0"/>
+                <a:cs typeface="Times New Roman" panose="02020603050405020304" pitchFamily="18" charset="0"/>
+              </a:rPr>
+              <a:t>Yourself</a:t>
+            </a:r>
+            <a:r>
+              <a:rPr lang="pt-BR" sz="2000" dirty="0">
+                <a:solidFill>
+                  <a:schemeClr val="tx1"/>
+                </a:solidFill>
+                <a:latin typeface="Times New Roman" panose="02020603050405020304" pitchFamily="18" charset="0"/>
+                <a:cs typeface="Times New Roman" panose="02020603050405020304" pitchFamily="18" charset="0"/>
+              </a:rPr>
+              <a:t>)</a:t>
+            </a:r>
+          </a:p>
+          <a:p>
+            <a:pPr marL="904875" lvl="1" indent="-457200" algn="just">
+              <a:buFont typeface="Wingdings" panose="05000000000000000000" pitchFamily="2" charset="2"/>
+              <a:buChar char="§"/>
+            </a:pPr>
+            <a:r>
+              <a:rPr lang="pt-BR" sz="2000" dirty="0">
+                <a:solidFill>
+                  <a:schemeClr val="tx1"/>
+                </a:solidFill>
+                <a:latin typeface="Times New Roman" panose="02020603050405020304" pitchFamily="18" charset="0"/>
+                <a:cs typeface="Times New Roman" panose="02020603050405020304" pitchFamily="18" charset="0"/>
+              </a:rPr>
+              <a:t>Não precisa duplicar código com valores diferentes.</a:t>
+            </a:r>
+          </a:p>
+        </p:txBody>
+      </p:sp>
+    </p:spTree>
+    <p:extLst>
+      <p:ext uri="{BB962C8B-B14F-4D97-AF65-F5344CB8AC3E}">
+        <p14:creationId xmlns:p14="http://schemas.microsoft.com/office/powerpoint/2010/main" val="2203248166"/>
+      </p:ext>
+    </p:extLst>
+  </p:cSld>
+  <p:clrMapOvr>
+    <a:masterClrMapping/>
+  </p:clrMapOvr>
+  <p:transition spd="med"/>
+</p:sld>
+</file>
+
+<file path=ppt/slides/slide13.xml><?xml version="1.0" encoding="utf-8"?>
+<p:sld xmlns:a="http://schemas.openxmlformats.org/drawingml/2006/main" xmlns:r="http://schemas.openxmlformats.org/officeDocument/2006/relationships" xmlns:p="http://schemas.openxmlformats.org/presentationml/2006/main">
+  <p:cSld>
+    <p:spTree>
+      <p:nvGrpSpPr>
+        <p:cNvPr id="1" name="">
+          <a:extLst>
+            <a:ext uri="{FF2B5EF4-FFF2-40B4-BE49-F238E27FC236}">
+              <a16:creationId xmlns:a16="http://schemas.microsoft.com/office/drawing/2014/main" id="{29DA85EF-80C8-D68B-8DE1-0126218DA213}"/>
+            </a:ext>
+          </a:extLst>
+        </p:cNvPr>
+        <p:cNvGrpSpPr/>
+        <p:nvPr/>
+      </p:nvGrpSpPr>
+      <p:grpSpPr>
+        <a:xfrm>
+          <a:off x="0" y="0"/>
+          <a:ext cx="0" cy="0"/>
+          <a:chOff x="0" y="0"/>
+          <a:chExt cx="0" cy="0"/>
+        </a:xfrm>
+      </p:grpSpPr>
+      <p:sp>
+        <p:nvSpPr>
+          <p:cNvPr id="6" name="Title 1">
+            <a:extLst>
+              <a:ext uri="{FF2B5EF4-FFF2-40B4-BE49-F238E27FC236}">
+                <a16:creationId xmlns:a16="http://schemas.microsoft.com/office/drawing/2014/main" id="{81C7E312-6D80-EB53-22E8-FCB7E3B05425}"/>
+              </a:ext>
+            </a:extLst>
+          </p:cNvPr>
+          <p:cNvSpPr>
+            <a:spLocks noGrp="1"/>
+          </p:cNvSpPr>
+          <p:nvPr>
+            <p:ph type="title"/>
+          </p:nvPr>
+        </p:nvSpPr>
+        <p:spPr>
+          <a:xfrm>
+            <a:off x="457200" y="205980"/>
+            <a:ext cx="8229600" cy="857251"/>
+          </a:xfrm>
+        </p:spPr>
+        <p:txBody>
+          <a:bodyPr>
+            <a:normAutofit/>
+          </a:bodyPr>
+          <a:lstStyle/>
+          <a:p>
+            <a:r>
+              <a:rPr lang="en-US" b="1" dirty="0" err="1">
+                <a:solidFill>
+                  <a:srgbClr val="0070C0"/>
+                </a:solidFill>
+              </a:rPr>
+              <a:t>Função</a:t>
+            </a:r>
+            <a:r>
+              <a:rPr lang="en-US" b="1" dirty="0">
+                <a:solidFill>
+                  <a:srgbClr val="0070C0"/>
+                </a:solidFill>
+              </a:rPr>
+              <a:t> Com </a:t>
+            </a:r>
+            <a:r>
+              <a:rPr lang="en-US" b="1" dirty="0" err="1">
+                <a:solidFill>
+                  <a:srgbClr val="0070C0"/>
+                </a:solidFill>
+              </a:rPr>
+              <a:t>Retorno</a:t>
+            </a:r>
+            <a:endParaRPr lang="en-US" b="1" dirty="0">
+              <a:solidFill>
+                <a:srgbClr val="0070C0"/>
+              </a:solidFill>
+            </a:endParaRPr>
+          </a:p>
+        </p:txBody>
+      </p:sp>
+      <p:sp>
+        <p:nvSpPr>
+          <p:cNvPr id="8" name="Text Placeholder 2">
+            <a:extLst>
+              <a:ext uri="{FF2B5EF4-FFF2-40B4-BE49-F238E27FC236}">
+                <a16:creationId xmlns:a16="http://schemas.microsoft.com/office/drawing/2014/main" id="{D64937F9-35E4-2A8F-046A-05E50DE1DB17}"/>
+              </a:ext>
+            </a:extLst>
+          </p:cNvPr>
+          <p:cNvSpPr>
+            <a:spLocks noGrp="1"/>
+          </p:cNvSpPr>
+          <p:nvPr>
+            <p:ph type="body" sz="half" idx="1"/>
+          </p:nvPr>
+        </p:nvSpPr>
+        <p:spPr>
+          <a:xfrm>
+            <a:off x="142865" y="1200150"/>
+            <a:ext cx="8865056" cy="3737370"/>
+          </a:xfrm>
+        </p:spPr>
+        <p:txBody>
+          <a:bodyPr>
+            <a:noAutofit/>
+          </a:bodyPr>
+          <a:lstStyle/>
+          <a:p>
+            <a:pPr marL="0" indent="0" algn="just">
+              <a:buNone/>
+            </a:pPr>
+            <a:r>
+              <a:rPr lang="pt-BR" sz="2000" dirty="0">
+                <a:solidFill>
+                  <a:schemeClr val="tx1"/>
+                </a:solidFill>
+                <a:latin typeface="Times New Roman" panose="02020603050405020304" pitchFamily="18" charset="0"/>
+                <a:cs typeface="Times New Roman" panose="02020603050405020304" pitchFamily="18" charset="0"/>
+              </a:rPr>
+              <a:t>Funções com retorno são aquelas que devolvem um valor para quem as chamou.</a:t>
+            </a:r>
+          </a:p>
+          <a:p>
+            <a:pPr marL="0" indent="0" algn="just">
+              <a:buNone/>
+            </a:pPr>
+            <a:r>
+              <a:rPr lang="pt-BR" sz="2000" dirty="0">
+                <a:solidFill>
+                  <a:schemeClr val="tx1"/>
+                </a:solidFill>
+                <a:latin typeface="Times New Roman" panose="02020603050405020304" pitchFamily="18" charset="0"/>
+                <a:cs typeface="Times New Roman" panose="02020603050405020304" pitchFamily="18" charset="0"/>
+              </a:rPr>
+              <a:t>Esse valor pode ser armazenado em uma variável, usado em cálculos ou exibido diretamente. Diferente das funções sem retorno, que apenas executam uma ação (como imprimir algo), funções com retorno produzem um resultado.</a:t>
+            </a:r>
+          </a:p>
+          <a:p>
+            <a:pPr marL="0" indent="0" algn="just">
+              <a:buNone/>
+            </a:pPr>
+            <a:endParaRPr lang="pt-BR" sz="2000" dirty="0">
+              <a:solidFill>
+                <a:schemeClr val="tx1"/>
+              </a:solidFill>
+              <a:latin typeface="Times New Roman" panose="02020603050405020304" pitchFamily="18" charset="0"/>
+              <a:cs typeface="Times New Roman" panose="02020603050405020304" pitchFamily="18" charset="0"/>
+            </a:endParaRPr>
+          </a:p>
+          <a:p>
+            <a:pPr marL="0" indent="0" algn="just">
+              <a:buNone/>
+            </a:pPr>
+            <a:r>
+              <a:rPr lang="pt-BR" sz="2000" b="1" dirty="0">
+                <a:solidFill>
+                  <a:schemeClr val="tx1"/>
+                </a:solidFill>
+                <a:latin typeface="Times New Roman" panose="02020603050405020304" pitchFamily="18" charset="0"/>
+                <a:cs typeface="Times New Roman" panose="02020603050405020304" pitchFamily="18" charset="0"/>
+              </a:rPr>
+              <a:t>Por que usar funções com retorno?</a:t>
+            </a:r>
+          </a:p>
+          <a:p>
+            <a:pPr algn="just">
+              <a:buFont typeface="Wingdings" panose="05000000000000000000" pitchFamily="2" charset="2"/>
+              <a:buChar char="ü"/>
+            </a:pPr>
+            <a:r>
+              <a:rPr lang="pt-BR" sz="2000" dirty="0">
+                <a:solidFill>
+                  <a:schemeClr val="tx1"/>
+                </a:solidFill>
+                <a:latin typeface="Times New Roman" panose="02020603050405020304" pitchFamily="18" charset="0"/>
+                <a:cs typeface="Times New Roman" panose="02020603050405020304" pitchFamily="18" charset="0"/>
+              </a:rPr>
+              <a:t>Para obter um resultado de um cálculo ou operação.</a:t>
+            </a:r>
+          </a:p>
+          <a:p>
+            <a:pPr algn="just">
+              <a:buFont typeface="Wingdings" panose="05000000000000000000" pitchFamily="2" charset="2"/>
+              <a:buChar char="ü"/>
+            </a:pPr>
+            <a:r>
+              <a:rPr lang="pt-BR" sz="2000" dirty="0">
+                <a:solidFill>
+                  <a:schemeClr val="tx1"/>
+                </a:solidFill>
+                <a:latin typeface="Times New Roman" panose="02020603050405020304" pitchFamily="18" charset="0"/>
+                <a:cs typeface="Times New Roman" panose="02020603050405020304" pitchFamily="18" charset="0"/>
+              </a:rPr>
+              <a:t>Para reaproveitar valores em outras partes do código.</a:t>
+            </a:r>
+          </a:p>
+          <a:p>
+            <a:pPr algn="just">
+              <a:buFont typeface="Wingdings" panose="05000000000000000000" pitchFamily="2" charset="2"/>
+              <a:buChar char="ü"/>
+            </a:pPr>
+            <a:r>
+              <a:rPr lang="pt-BR" sz="2000" dirty="0">
+                <a:solidFill>
+                  <a:schemeClr val="tx1"/>
+                </a:solidFill>
+                <a:latin typeface="Times New Roman" panose="02020603050405020304" pitchFamily="18" charset="0"/>
+                <a:cs typeface="Times New Roman" panose="02020603050405020304" pitchFamily="18" charset="0"/>
+              </a:rPr>
+              <a:t>Para isolar lógicas complexas em blocos reutilizáveis e com resultado definido.</a:t>
+            </a:r>
+          </a:p>
+        </p:txBody>
+      </p:sp>
+    </p:spTree>
+    <p:extLst>
+      <p:ext uri="{BB962C8B-B14F-4D97-AF65-F5344CB8AC3E}">
+        <p14:creationId xmlns:p14="http://schemas.microsoft.com/office/powerpoint/2010/main" val="2281738877"/>
+      </p:ext>
+    </p:extLst>
+  </p:cSld>
+  <p:clrMapOvr>
+    <a:masterClrMapping/>
+  </p:clrMapOvr>
+  <p:transition spd="med"/>
+</p:sld>
+</file>
+
+<file path=ppt/slides/slide14.xml><?xml version="1.0" encoding="utf-8"?>
+<p:sld xmlns:a="http://schemas.openxmlformats.org/drawingml/2006/main" xmlns:r="http://schemas.openxmlformats.org/officeDocument/2006/relationships" xmlns:p="http://schemas.openxmlformats.org/presentationml/2006/main">
+  <p:cSld>
+    <p:spTree>
+      <p:nvGrpSpPr>
+        <p:cNvPr id="1" name="">
+          <a:extLst>
+            <a:ext uri="{FF2B5EF4-FFF2-40B4-BE49-F238E27FC236}">
+              <a16:creationId xmlns:a16="http://schemas.microsoft.com/office/drawing/2014/main" id="{A7A6A8B1-64BC-F21B-8AA8-A1393461D1F4}"/>
+            </a:ext>
+          </a:extLst>
+        </p:cNvPr>
+        <p:cNvGrpSpPr/>
+        <p:nvPr/>
+      </p:nvGrpSpPr>
+      <p:grpSpPr>
+        <a:xfrm>
+          <a:off x="0" y="0"/>
+          <a:ext cx="0" cy="0"/>
+          <a:chOff x="0" y="0"/>
+          <a:chExt cx="0" cy="0"/>
+        </a:xfrm>
+      </p:grpSpPr>
+      <p:sp>
+        <p:nvSpPr>
+          <p:cNvPr id="6" name="Title 1">
+            <a:extLst>
+              <a:ext uri="{FF2B5EF4-FFF2-40B4-BE49-F238E27FC236}">
+                <a16:creationId xmlns:a16="http://schemas.microsoft.com/office/drawing/2014/main" id="{60891EA5-2AD9-BCC2-8094-446A4977C528}"/>
+              </a:ext>
+            </a:extLst>
+          </p:cNvPr>
+          <p:cNvSpPr>
+            <a:spLocks noGrp="1"/>
+          </p:cNvSpPr>
+          <p:nvPr>
+            <p:ph type="title"/>
+          </p:nvPr>
+        </p:nvSpPr>
+        <p:spPr>
+          <a:xfrm>
+            <a:off x="457200" y="205980"/>
+            <a:ext cx="8229600" cy="857251"/>
+          </a:xfrm>
+        </p:spPr>
+        <p:txBody>
+          <a:bodyPr>
+            <a:normAutofit/>
+          </a:bodyPr>
+          <a:lstStyle/>
+          <a:p>
+            <a:r>
+              <a:rPr lang="en-US" b="1" dirty="0" err="1">
+                <a:solidFill>
+                  <a:srgbClr val="0070C0"/>
+                </a:solidFill>
+              </a:rPr>
+              <a:t>Exemplo</a:t>
+            </a:r>
+            <a:r>
+              <a:rPr lang="en-US" b="1" dirty="0">
+                <a:solidFill>
+                  <a:srgbClr val="0070C0"/>
+                </a:solidFill>
+              </a:rPr>
+              <a:t> </a:t>
+            </a:r>
+            <a:r>
+              <a:rPr lang="en-US" b="1" dirty="0" err="1">
+                <a:solidFill>
+                  <a:srgbClr val="0070C0"/>
+                </a:solidFill>
+              </a:rPr>
+              <a:t>Função</a:t>
+            </a:r>
+            <a:r>
+              <a:rPr lang="en-US" b="1" dirty="0">
+                <a:solidFill>
+                  <a:srgbClr val="0070C0"/>
+                </a:solidFill>
+              </a:rPr>
+              <a:t> Com </a:t>
+            </a:r>
+            <a:r>
+              <a:rPr lang="en-US" b="1" dirty="0" err="1">
+                <a:solidFill>
+                  <a:srgbClr val="0070C0"/>
+                </a:solidFill>
+              </a:rPr>
+              <a:t>Retorno</a:t>
+            </a:r>
+            <a:endParaRPr lang="en-US" b="1" dirty="0">
+              <a:solidFill>
+                <a:srgbClr val="0070C0"/>
+              </a:solidFill>
+            </a:endParaRPr>
+          </a:p>
+        </p:txBody>
+      </p:sp>
+      <p:sp>
+        <p:nvSpPr>
+          <p:cNvPr id="8" name="Text Placeholder 2">
+            <a:extLst>
+              <a:ext uri="{FF2B5EF4-FFF2-40B4-BE49-F238E27FC236}">
+                <a16:creationId xmlns:a16="http://schemas.microsoft.com/office/drawing/2014/main" id="{859E9040-DF9E-69C2-6216-723BB6CDBCFE}"/>
+              </a:ext>
+            </a:extLst>
+          </p:cNvPr>
+          <p:cNvSpPr>
+            <a:spLocks noGrp="1"/>
+          </p:cNvSpPr>
+          <p:nvPr>
+            <p:ph type="body" sz="half" idx="1"/>
+          </p:nvPr>
+        </p:nvSpPr>
+        <p:spPr>
+          <a:xfrm>
+            <a:off x="142865" y="1200150"/>
+            <a:ext cx="8865056" cy="3737370"/>
+          </a:xfrm>
+        </p:spPr>
+        <p:txBody>
+          <a:bodyPr>
+            <a:noAutofit/>
+          </a:bodyPr>
+          <a:lstStyle/>
+          <a:p>
+            <a:pPr marL="0" indent="0" algn="just">
+              <a:buNone/>
+            </a:pPr>
+            <a:r>
+              <a:rPr lang="pt-BR" sz="2000" dirty="0" err="1">
+                <a:solidFill>
+                  <a:schemeClr val="tx1"/>
+                </a:solidFill>
+                <a:latin typeface="Times New Roman" panose="02020603050405020304" pitchFamily="18" charset="0"/>
+                <a:cs typeface="Times New Roman" panose="02020603050405020304" pitchFamily="18" charset="0"/>
+              </a:rPr>
+              <a:t>def</a:t>
+            </a:r>
+            <a:r>
+              <a:rPr lang="pt-BR" sz="2000" dirty="0">
+                <a:solidFill>
+                  <a:schemeClr val="tx1"/>
+                </a:solidFill>
+                <a:latin typeface="Times New Roman" panose="02020603050405020304" pitchFamily="18" charset="0"/>
+                <a:cs typeface="Times New Roman" panose="02020603050405020304" pitchFamily="18" charset="0"/>
+              </a:rPr>
+              <a:t> soma(a, b):</a:t>
+            </a:r>
+          </a:p>
+          <a:p>
+            <a:pPr marL="0" indent="0" algn="just">
+              <a:buNone/>
+            </a:pPr>
+            <a:r>
+              <a:rPr lang="pt-BR" sz="2000" dirty="0">
+                <a:solidFill>
+                  <a:schemeClr val="tx1"/>
+                </a:solidFill>
+                <a:latin typeface="Times New Roman" panose="02020603050405020304" pitchFamily="18" charset="0"/>
+                <a:cs typeface="Times New Roman" panose="02020603050405020304" pitchFamily="18" charset="0"/>
+              </a:rPr>
+              <a:t>    </a:t>
+            </a:r>
+            <a:r>
+              <a:rPr lang="pt-BR" sz="2000" dirty="0" err="1">
+                <a:solidFill>
+                  <a:schemeClr val="tx1"/>
+                </a:solidFill>
+                <a:latin typeface="Times New Roman" panose="02020603050405020304" pitchFamily="18" charset="0"/>
+                <a:cs typeface="Times New Roman" panose="02020603050405020304" pitchFamily="18" charset="0"/>
+              </a:rPr>
+              <a:t>return</a:t>
+            </a:r>
+            <a:r>
+              <a:rPr lang="pt-BR" sz="2000" dirty="0">
+                <a:solidFill>
+                  <a:schemeClr val="tx1"/>
+                </a:solidFill>
+                <a:latin typeface="Times New Roman" panose="02020603050405020304" pitchFamily="18" charset="0"/>
+                <a:cs typeface="Times New Roman" panose="02020603050405020304" pitchFamily="18" charset="0"/>
+              </a:rPr>
+              <a:t> a + b  # retorna o resultado da soma</a:t>
+            </a:r>
+          </a:p>
+          <a:p>
+            <a:pPr marL="0" indent="0" algn="just">
+              <a:buNone/>
+            </a:pPr>
+            <a:endParaRPr lang="pt-BR" sz="2000" dirty="0">
+              <a:solidFill>
+                <a:schemeClr val="tx1"/>
+              </a:solidFill>
+              <a:latin typeface="Times New Roman" panose="02020603050405020304" pitchFamily="18" charset="0"/>
+              <a:cs typeface="Times New Roman" panose="02020603050405020304" pitchFamily="18" charset="0"/>
+            </a:endParaRPr>
+          </a:p>
+          <a:p>
+            <a:pPr marL="0" indent="0" algn="just">
+              <a:buNone/>
+            </a:pPr>
+            <a:r>
+              <a:rPr lang="pt-BR" sz="2000" dirty="0">
+                <a:solidFill>
+                  <a:schemeClr val="tx1"/>
+                </a:solidFill>
+                <a:latin typeface="Times New Roman" panose="02020603050405020304" pitchFamily="18" charset="0"/>
+                <a:cs typeface="Times New Roman" panose="02020603050405020304" pitchFamily="18" charset="0"/>
+              </a:rPr>
+              <a:t># usando o retorno</a:t>
+            </a:r>
+          </a:p>
+          <a:p>
+            <a:pPr marL="0" indent="0" algn="just">
+              <a:buNone/>
+            </a:pPr>
+            <a:r>
+              <a:rPr lang="pt-BR" sz="2000" dirty="0">
+                <a:solidFill>
+                  <a:schemeClr val="tx1"/>
+                </a:solidFill>
+                <a:latin typeface="Times New Roman" panose="02020603050405020304" pitchFamily="18" charset="0"/>
+                <a:cs typeface="Times New Roman" panose="02020603050405020304" pitchFamily="18" charset="0"/>
+              </a:rPr>
+              <a:t>resultado = soma(5, 3)</a:t>
+            </a:r>
+          </a:p>
+          <a:p>
+            <a:pPr marL="0" indent="0" algn="just">
+              <a:buNone/>
+            </a:pPr>
+            <a:r>
+              <a:rPr lang="pt-BR" sz="2000" dirty="0">
+                <a:solidFill>
+                  <a:schemeClr val="tx1"/>
+                </a:solidFill>
+                <a:latin typeface="Times New Roman" panose="02020603050405020304" pitchFamily="18" charset="0"/>
+                <a:cs typeface="Times New Roman" panose="02020603050405020304" pitchFamily="18" charset="0"/>
+              </a:rPr>
+              <a:t>print("Resultado:", resultado)</a:t>
+            </a:r>
+          </a:p>
+        </p:txBody>
+      </p:sp>
+    </p:spTree>
+    <p:extLst>
+      <p:ext uri="{BB962C8B-B14F-4D97-AF65-F5344CB8AC3E}">
+        <p14:creationId xmlns:p14="http://schemas.microsoft.com/office/powerpoint/2010/main" val="2546720614"/>
+      </p:ext>
+    </p:extLst>
+  </p:cSld>
+  <p:clrMapOvr>
+    <a:masterClrMapping/>
+  </p:clrMapOvr>
+  <p:transition spd="med"/>
+</p:sld>
+</file>
+
+<file path=ppt/slides/slide15.xml><?xml version="1.0" encoding="utf-8"?>
+<p:sld xmlns:a="http://schemas.openxmlformats.org/drawingml/2006/main" xmlns:r="http://schemas.openxmlformats.org/officeDocument/2006/relationships" xmlns:p="http://schemas.openxmlformats.org/presentationml/2006/main">
+  <p:cSld>
+    <p:spTree>
+      <p:nvGrpSpPr>
+        <p:cNvPr id="1" name="">
+          <a:extLst>
+            <a:ext uri="{FF2B5EF4-FFF2-40B4-BE49-F238E27FC236}">
+              <a16:creationId xmlns:a16="http://schemas.microsoft.com/office/drawing/2014/main" id="{E5F24B78-0079-DCA6-4257-2E7DABB0D34B}"/>
+            </a:ext>
+          </a:extLst>
+        </p:cNvPr>
+        <p:cNvGrpSpPr/>
+        <p:nvPr/>
+      </p:nvGrpSpPr>
+      <p:grpSpPr>
+        <a:xfrm>
+          <a:off x="0" y="0"/>
+          <a:ext cx="0" cy="0"/>
+          <a:chOff x="0" y="0"/>
+          <a:chExt cx="0" cy="0"/>
+        </a:xfrm>
+      </p:grpSpPr>
+      <p:sp>
+        <p:nvSpPr>
+          <p:cNvPr id="6" name="Title 1">
+            <a:extLst>
+              <a:ext uri="{FF2B5EF4-FFF2-40B4-BE49-F238E27FC236}">
+                <a16:creationId xmlns:a16="http://schemas.microsoft.com/office/drawing/2014/main" id="{D07E49DE-942B-92A1-94D3-844E6E18CAFF}"/>
+              </a:ext>
+            </a:extLst>
+          </p:cNvPr>
+          <p:cNvSpPr>
+            <a:spLocks noGrp="1"/>
+          </p:cNvSpPr>
+          <p:nvPr>
+            <p:ph type="title"/>
+          </p:nvPr>
+        </p:nvSpPr>
+        <p:spPr>
+          <a:xfrm>
+            <a:off x="457200" y="205980"/>
+            <a:ext cx="8229600" cy="857251"/>
+          </a:xfrm>
+        </p:spPr>
+        <p:txBody>
+          <a:bodyPr>
+            <a:normAutofit/>
+          </a:bodyPr>
+          <a:lstStyle/>
+          <a:p>
+            <a:r>
+              <a:rPr lang="en-US" b="1" dirty="0" err="1">
+                <a:solidFill>
+                  <a:srgbClr val="0070C0"/>
+                </a:solidFill>
+              </a:rPr>
+              <a:t>Exemplo</a:t>
+            </a:r>
+            <a:r>
+              <a:rPr lang="en-US" b="1" dirty="0">
+                <a:solidFill>
+                  <a:srgbClr val="0070C0"/>
+                </a:solidFill>
+              </a:rPr>
+              <a:t> </a:t>
+            </a:r>
+            <a:r>
+              <a:rPr lang="en-US" b="1" dirty="0" err="1">
+                <a:solidFill>
+                  <a:srgbClr val="0070C0"/>
+                </a:solidFill>
+              </a:rPr>
+              <a:t>Função</a:t>
+            </a:r>
+            <a:r>
+              <a:rPr lang="en-US" b="1" dirty="0">
+                <a:solidFill>
+                  <a:srgbClr val="0070C0"/>
+                </a:solidFill>
+              </a:rPr>
+              <a:t> Com </a:t>
+            </a:r>
+            <a:r>
+              <a:rPr lang="en-US" b="1" dirty="0" err="1">
+                <a:solidFill>
+                  <a:srgbClr val="0070C0"/>
+                </a:solidFill>
+              </a:rPr>
+              <a:t>Retorno</a:t>
+            </a:r>
+            <a:endParaRPr lang="en-US" b="1" dirty="0">
+              <a:solidFill>
+                <a:srgbClr val="0070C0"/>
+              </a:solidFill>
+            </a:endParaRPr>
+          </a:p>
+        </p:txBody>
+      </p:sp>
+      <p:sp>
+        <p:nvSpPr>
+          <p:cNvPr id="8" name="Text Placeholder 2">
+            <a:extLst>
+              <a:ext uri="{FF2B5EF4-FFF2-40B4-BE49-F238E27FC236}">
+                <a16:creationId xmlns:a16="http://schemas.microsoft.com/office/drawing/2014/main" id="{BB7E4B90-6EEA-808C-BEEE-4262C6C34A9A}"/>
+              </a:ext>
+            </a:extLst>
+          </p:cNvPr>
+          <p:cNvSpPr>
+            <a:spLocks noGrp="1"/>
+          </p:cNvSpPr>
+          <p:nvPr>
+            <p:ph type="body" sz="half" idx="1"/>
+          </p:nvPr>
+        </p:nvSpPr>
+        <p:spPr>
+          <a:xfrm>
+            <a:off x="142865" y="1200150"/>
+            <a:ext cx="8865056" cy="3737370"/>
+          </a:xfrm>
+        </p:spPr>
+        <p:txBody>
+          <a:bodyPr>
+            <a:noAutofit/>
+          </a:bodyPr>
+          <a:lstStyle/>
+          <a:p>
+            <a:pPr marL="0" indent="0" algn="just">
+              <a:buNone/>
+            </a:pPr>
+            <a:r>
+              <a:rPr lang="pt-BR" sz="2000" dirty="0">
+                <a:solidFill>
+                  <a:schemeClr val="tx1"/>
+                </a:solidFill>
+                <a:latin typeface="Times New Roman" panose="02020603050405020304" pitchFamily="18" charset="0"/>
+                <a:cs typeface="Times New Roman" panose="02020603050405020304" pitchFamily="18" charset="0"/>
+              </a:rPr>
+              <a:t>#include &lt;</a:t>
+            </a:r>
+            <a:r>
+              <a:rPr lang="pt-BR" sz="2000" dirty="0" err="1">
+                <a:solidFill>
+                  <a:schemeClr val="tx1"/>
+                </a:solidFill>
+                <a:latin typeface="Times New Roman" panose="02020603050405020304" pitchFamily="18" charset="0"/>
+                <a:cs typeface="Times New Roman" panose="02020603050405020304" pitchFamily="18" charset="0"/>
+              </a:rPr>
+              <a:t>stdio.h</a:t>
+            </a:r>
+            <a:r>
+              <a:rPr lang="pt-BR" sz="2000" dirty="0">
+                <a:solidFill>
+                  <a:schemeClr val="tx1"/>
+                </a:solidFill>
+                <a:latin typeface="Times New Roman" panose="02020603050405020304" pitchFamily="18" charset="0"/>
+                <a:cs typeface="Times New Roman" panose="02020603050405020304" pitchFamily="18" charset="0"/>
+              </a:rPr>
+              <a:t>&gt;</a:t>
+            </a:r>
+          </a:p>
+          <a:p>
+            <a:pPr marL="0" indent="0" algn="just">
+              <a:buNone/>
+            </a:pPr>
+            <a:r>
+              <a:rPr lang="pt-BR" sz="2000" dirty="0" err="1">
+                <a:solidFill>
+                  <a:schemeClr val="tx1"/>
+                </a:solidFill>
+                <a:latin typeface="Times New Roman" panose="02020603050405020304" pitchFamily="18" charset="0"/>
+                <a:cs typeface="Times New Roman" panose="02020603050405020304" pitchFamily="18" charset="0"/>
+              </a:rPr>
+              <a:t>int</a:t>
+            </a:r>
+            <a:r>
+              <a:rPr lang="pt-BR" sz="2000" dirty="0">
+                <a:solidFill>
+                  <a:schemeClr val="tx1"/>
+                </a:solidFill>
+                <a:latin typeface="Times New Roman" panose="02020603050405020304" pitchFamily="18" charset="0"/>
+                <a:cs typeface="Times New Roman" panose="02020603050405020304" pitchFamily="18" charset="0"/>
+              </a:rPr>
+              <a:t> soma(</a:t>
+            </a:r>
+            <a:r>
+              <a:rPr lang="pt-BR" sz="2000" dirty="0" err="1">
+                <a:solidFill>
+                  <a:schemeClr val="tx1"/>
+                </a:solidFill>
+                <a:latin typeface="Times New Roman" panose="02020603050405020304" pitchFamily="18" charset="0"/>
+                <a:cs typeface="Times New Roman" panose="02020603050405020304" pitchFamily="18" charset="0"/>
+              </a:rPr>
+              <a:t>int</a:t>
+            </a:r>
+            <a:r>
+              <a:rPr lang="pt-BR" sz="2000" dirty="0">
+                <a:solidFill>
+                  <a:schemeClr val="tx1"/>
+                </a:solidFill>
+                <a:latin typeface="Times New Roman" panose="02020603050405020304" pitchFamily="18" charset="0"/>
+                <a:cs typeface="Times New Roman" panose="02020603050405020304" pitchFamily="18" charset="0"/>
+              </a:rPr>
+              <a:t> a, </a:t>
+            </a:r>
+            <a:r>
+              <a:rPr lang="pt-BR" sz="2000" dirty="0" err="1">
+                <a:solidFill>
+                  <a:schemeClr val="tx1"/>
+                </a:solidFill>
+                <a:latin typeface="Times New Roman" panose="02020603050405020304" pitchFamily="18" charset="0"/>
+                <a:cs typeface="Times New Roman" panose="02020603050405020304" pitchFamily="18" charset="0"/>
+              </a:rPr>
+              <a:t>int</a:t>
+            </a:r>
+            <a:r>
+              <a:rPr lang="pt-BR" sz="2000" dirty="0">
+                <a:solidFill>
+                  <a:schemeClr val="tx1"/>
+                </a:solidFill>
+                <a:latin typeface="Times New Roman" panose="02020603050405020304" pitchFamily="18" charset="0"/>
+                <a:cs typeface="Times New Roman" panose="02020603050405020304" pitchFamily="18" charset="0"/>
+              </a:rPr>
+              <a:t> b) {</a:t>
+            </a:r>
+          </a:p>
+          <a:p>
+            <a:pPr marL="0" indent="0" algn="just">
+              <a:buNone/>
+            </a:pPr>
+            <a:r>
+              <a:rPr lang="pt-BR" sz="2000" dirty="0">
+                <a:solidFill>
+                  <a:schemeClr val="tx1"/>
+                </a:solidFill>
+                <a:latin typeface="Times New Roman" panose="02020603050405020304" pitchFamily="18" charset="0"/>
+                <a:cs typeface="Times New Roman" panose="02020603050405020304" pitchFamily="18" charset="0"/>
+              </a:rPr>
+              <a:t>    </a:t>
+            </a:r>
+            <a:r>
+              <a:rPr lang="pt-BR" sz="2000" dirty="0" err="1">
+                <a:solidFill>
+                  <a:schemeClr val="tx1"/>
+                </a:solidFill>
+                <a:latin typeface="Times New Roman" panose="02020603050405020304" pitchFamily="18" charset="0"/>
+                <a:cs typeface="Times New Roman" panose="02020603050405020304" pitchFamily="18" charset="0"/>
+              </a:rPr>
+              <a:t>return</a:t>
+            </a:r>
+            <a:r>
+              <a:rPr lang="pt-BR" sz="2000" dirty="0">
+                <a:solidFill>
+                  <a:schemeClr val="tx1"/>
+                </a:solidFill>
+                <a:latin typeface="Times New Roman" panose="02020603050405020304" pitchFamily="18" charset="0"/>
+                <a:cs typeface="Times New Roman" panose="02020603050405020304" pitchFamily="18" charset="0"/>
+              </a:rPr>
+              <a:t> a + b;</a:t>
+            </a:r>
+          </a:p>
+          <a:p>
+            <a:pPr marL="0" indent="0" algn="just">
+              <a:buNone/>
+            </a:pPr>
+            <a:r>
+              <a:rPr lang="pt-BR" sz="2000" dirty="0">
+                <a:solidFill>
+                  <a:schemeClr val="tx1"/>
+                </a:solidFill>
+                <a:latin typeface="Times New Roman" panose="02020603050405020304" pitchFamily="18" charset="0"/>
+                <a:cs typeface="Times New Roman" panose="02020603050405020304" pitchFamily="18" charset="0"/>
+              </a:rPr>
+              <a:t>}</a:t>
+            </a:r>
+          </a:p>
+          <a:p>
+            <a:pPr marL="0" indent="0" algn="just">
+              <a:buNone/>
+            </a:pPr>
+            <a:endParaRPr lang="pt-BR" sz="2000" dirty="0">
+              <a:solidFill>
+                <a:schemeClr val="tx1"/>
+              </a:solidFill>
+              <a:latin typeface="Times New Roman" panose="02020603050405020304" pitchFamily="18" charset="0"/>
+              <a:cs typeface="Times New Roman" panose="02020603050405020304" pitchFamily="18" charset="0"/>
+            </a:endParaRPr>
+          </a:p>
+          <a:p>
+            <a:pPr marL="0" indent="0" algn="just">
+              <a:buNone/>
+            </a:pPr>
+            <a:r>
+              <a:rPr lang="pt-BR" sz="2000" dirty="0" err="1">
+                <a:solidFill>
+                  <a:schemeClr val="tx1"/>
+                </a:solidFill>
+                <a:latin typeface="Times New Roman" panose="02020603050405020304" pitchFamily="18" charset="0"/>
+                <a:cs typeface="Times New Roman" panose="02020603050405020304" pitchFamily="18" charset="0"/>
+              </a:rPr>
+              <a:t>int</a:t>
+            </a:r>
+            <a:r>
+              <a:rPr lang="pt-BR" sz="2000" dirty="0">
+                <a:solidFill>
+                  <a:schemeClr val="tx1"/>
+                </a:solidFill>
+                <a:latin typeface="Times New Roman" panose="02020603050405020304" pitchFamily="18" charset="0"/>
+                <a:cs typeface="Times New Roman" panose="02020603050405020304" pitchFamily="18" charset="0"/>
+              </a:rPr>
+              <a:t> </a:t>
+            </a:r>
+            <a:r>
+              <a:rPr lang="pt-BR" sz="2000" dirty="0" err="1">
+                <a:solidFill>
+                  <a:schemeClr val="tx1"/>
+                </a:solidFill>
+                <a:latin typeface="Times New Roman" panose="02020603050405020304" pitchFamily="18" charset="0"/>
+                <a:cs typeface="Times New Roman" panose="02020603050405020304" pitchFamily="18" charset="0"/>
+              </a:rPr>
+              <a:t>main</a:t>
+            </a:r>
+            <a:r>
+              <a:rPr lang="pt-BR" sz="2000" dirty="0">
+                <a:solidFill>
+                  <a:schemeClr val="tx1"/>
+                </a:solidFill>
+                <a:latin typeface="Times New Roman" panose="02020603050405020304" pitchFamily="18" charset="0"/>
+                <a:cs typeface="Times New Roman" panose="02020603050405020304" pitchFamily="18" charset="0"/>
+              </a:rPr>
+              <a:t>() {</a:t>
+            </a:r>
+          </a:p>
+          <a:p>
+            <a:pPr marL="0" indent="0" algn="just">
+              <a:buNone/>
+            </a:pPr>
+            <a:r>
+              <a:rPr lang="pt-BR" sz="2000" dirty="0">
+                <a:solidFill>
+                  <a:schemeClr val="tx1"/>
+                </a:solidFill>
+                <a:latin typeface="Times New Roman" panose="02020603050405020304" pitchFamily="18" charset="0"/>
+                <a:cs typeface="Times New Roman" panose="02020603050405020304" pitchFamily="18" charset="0"/>
+              </a:rPr>
+              <a:t>    </a:t>
+            </a:r>
+            <a:r>
+              <a:rPr lang="pt-BR" sz="2000" dirty="0" err="1">
+                <a:solidFill>
+                  <a:schemeClr val="tx1"/>
+                </a:solidFill>
+                <a:latin typeface="Times New Roman" panose="02020603050405020304" pitchFamily="18" charset="0"/>
+                <a:cs typeface="Times New Roman" panose="02020603050405020304" pitchFamily="18" charset="0"/>
+              </a:rPr>
+              <a:t>int</a:t>
+            </a:r>
+            <a:r>
+              <a:rPr lang="pt-BR" sz="2000" dirty="0">
+                <a:solidFill>
+                  <a:schemeClr val="tx1"/>
+                </a:solidFill>
+                <a:latin typeface="Times New Roman" panose="02020603050405020304" pitchFamily="18" charset="0"/>
+                <a:cs typeface="Times New Roman" panose="02020603050405020304" pitchFamily="18" charset="0"/>
+              </a:rPr>
+              <a:t> resultado = soma(5, 3);</a:t>
+            </a:r>
+          </a:p>
+          <a:p>
+            <a:pPr marL="0" indent="0" algn="just">
+              <a:buNone/>
+            </a:pPr>
+            <a:r>
+              <a:rPr lang="pt-BR" sz="2000" dirty="0">
+                <a:solidFill>
+                  <a:schemeClr val="tx1"/>
+                </a:solidFill>
+                <a:latin typeface="Times New Roman" panose="02020603050405020304" pitchFamily="18" charset="0"/>
+                <a:cs typeface="Times New Roman" panose="02020603050405020304" pitchFamily="18" charset="0"/>
+              </a:rPr>
+              <a:t>    </a:t>
+            </a:r>
+            <a:r>
+              <a:rPr lang="pt-BR" sz="2000" dirty="0" err="1">
+                <a:solidFill>
+                  <a:schemeClr val="tx1"/>
+                </a:solidFill>
+                <a:latin typeface="Times New Roman" panose="02020603050405020304" pitchFamily="18" charset="0"/>
+                <a:cs typeface="Times New Roman" panose="02020603050405020304" pitchFamily="18" charset="0"/>
+              </a:rPr>
+              <a:t>printf</a:t>
+            </a:r>
+            <a:r>
+              <a:rPr lang="pt-BR" sz="2000" dirty="0">
+                <a:solidFill>
+                  <a:schemeClr val="tx1"/>
+                </a:solidFill>
+                <a:latin typeface="Times New Roman" panose="02020603050405020304" pitchFamily="18" charset="0"/>
+                <a:cs typeface="Times New Roman" panose="02020603050405020304" pitchFamily="18" charset="0"/>
+              </a:rPr>
+              <a:t>("Resultado: %d\n", resultado);</a:t>
+            </a:r>
+          </a:p>
+          <a:p>
+            <a:pPr marL="0" indent="0" algn="just">
+              <a:buNone/>
+            </a:pPr>
+            <a:r>
+              <a:rPr lang="pt-BR" sz="2000" dirty="0">
+                <a:solidFill>
+                  <a:schemeClr val="tx1"/>
+                </a:solidFill>
+                <a:latin typeface="Times New Roman" panose="02020603050405020304" pitchFamily="18" charset="0"/>
+                <a:cs typeface="Times New Roman" panose="02020603050405020304" pitchFamily="18" charset="0"/>
+              </a:rPr>
+              <a:t>    </a:t>
+            </a:r>
+            <a:r>
+              <a:rPr lang="pt-BR" sz="2000" dirty="0" err="1">
+                <a:solidFill>
+                  <a:schemeClr val="tx1"/>
+                </a:solidFill>
+                <a:latin typeface="Times New Roman" panose="02020603050405020304" pitchFamily="18" charset="0"/>
+                <a:cs typeface="Times New Roman" panose="02020603050405020304" pitchFamily="18" charset="0"/>
+              </a:rPr>
+              <a:t>return</a:t>
+            </a:r>
+            <a:r>
+              <a:rPr lang="pt-BR" sz="2000" dirty="0">
+                <a:solidFill>
+                  <a:schemeClr val="tx1"/>
+                </a:solidFill>
+                <a:latin typeface="Times New Roman" panose="02020603050405020304" pitchFamily="18" charset="0"/>
+                <a:cs typeface="Times New Roman" panose="02020603050405020304" pitchFamily="18" charset="0"/>
+              </a:rPr>
+              <a:t> 0;</a:t>
+            </a:r>
+          </a:p>
+          <a:p>
+            <a:pPr marL="0" indent="0" algn="just">
+              <a:buNone/>
+            </a:pPr>
+            <a:r>
+              <a:rPr lang="pt-BR" sz="2000" dirty="0">
+                <a:solidFill>
+                  <a:schemeClr val="tx1"/>
+                </a:solidFill>
+                <a:latin typeface="Times New Roman" panose="02020603050405020304" pitchFamily="18" charset="0"/>
+                <a:cs typeface="Times New Roman" panose="02020603050405020304" pitchFamily="18" charset="0"/>
+              </a:rPr>
+              <a:t>}</a:t>
+            </a:r>
+          </a:p>
+        </p:txBody>
+      </p:sp>
+    </p:spTree>
+    <p:extLst>
+      <p:ext uri="{BB962C8B-B14F-4D97-AF65-F5344CB8AC3E}">
+        <p14:creationId xmlns:p14="http://schemas.microsoft.com/office/powerpoint/2010/main" val="2783947727"/>
+      </p:ext>
+    </p:extLst>
+  </p:cSld>
+  <p:clrMapOvr>
+    <a:masterClrMapping/>
+  </p:clrMapOvr>
+  <p:transition spd="med"/>
+</p:sld>
+</file>
+
+<file path=ppt/slides/slide16.xml><?xml version="1.0" encoding="utf-8"?>
+<p:sld xmlns:a="http://schemas.openxmlformats.org/drawingml/2006/main" xmlns:r="http://schemas.openxmlformats.org/officeDocument/2006/relationships" xmlns:p="http://schemas.openxmlformats.org/presentationml/2006/main">
+  <p:cSld>
+    <p:spTree>
+      <p:nvGrpSpPr>
+        <p:cNvPr id="1" name="">
+          <a:extLst>
+            <a:ext uri="{FF2B5EF4-FFF2-40B4-BE49-F238E27FC236}">
+              <a16:creationId xmlns:a16="http://schemas.microsoft.com/office/drawing/2014/main" id="{1AAB1C83-D6B0-F66D-EE8C-D68F36D43D7D}"/>
+            </a:ext>
+          </a:extLst>
+        </p:cNvPr>
+        <p:cNvGrpSpPr/>
+        <p:nvPr/>
+      </p:nvGrpSpPr>
+      <p:grpSpPr>
+        <a:xfrm>
+          <a:off x="0" y="0"/>
+          <a:ext cx="0" cy="0"/>
+          <a:chOff x="0" y="0"/>
+          <a:chExt cx="0" cy="0"/>
+        </a:xfrm>
+      </p:grpSpPr>
+      <p:sp>
+        <p:nvSpPr>
+          <p:cNvPr id="6" name="Title 1">
+            <a:extLst>
+              <a:ext uri="{FF2B5EF4-FFF2-40B4-BE49-F238E27FC236}">
+                <a16:creationId xmlns:a16="http://schemas.microsoft.com/office/drawing/2014/main" id="{0F9408B6-8011-CBE7-F2EE-330B08D859E9}"/>
+              </a:ext>
+            </a:extLst>
+          </p:cNvPr>
+          <p:cNvSpPr>
+            <a:spLocks noGrp="1"/>
+          </p:cNvSpPr>
+          <p:nvPr>
+            <p:ph type="title"/>
+          </p:nvPr>
+        </p:nvSpPr>
+        <p:spPr>
+          <a:xfrm>
+            <a:off x="457200" y="205980"/>
+            <a:ext cx="8229600" cy="857251"/>
+          </a:xfrm>
+        </p:spPr>
+        <p:txBody>
+          <a:bodyPr>
+            <a:normAutofit fontScale="90000"/>
+          </a:bodyPr>
+          <a:lstStyle/>
+          <a:p>
+            <a:r>
+              <a:rPr lang="en-US" b="1" dirty="0" err="1">
+                <a:solidFill>
+                  <a:srgbClr val="0070C0"/>
+                </a:solidFill>
+              </a:rPr>
+              <a:t>Características</a:t>
+            </a:r>
+            <a:r>
+              <a:rPr lang="en-US" b="1" dirty="0">
+                <a:solidFill>
+                  <a:srgbClr val="0070C0"/>
+                </a:solidFill>
+              </a:rPr>
+              <a:t> </a:t>
+            </a:r>
+            <a:r>
+              <a:rPr lang="en-US" b="1" dirty="0" err="1">
+                <a:solidFill>
+                  <a:srgbClr val="0070C0"/>
+                </a:solidFill>
+              </a:rPr>
+              <a:t>Função</a:t>
+            </a:r>
+            <a:r>
+              <a:rPr lang="en-US" b="1" dirty="0">
+                <a:solidFill>
+                  <a:srgbClr val="0070C0"/>
+                </a:solidFill>
+              </a:rPr>
+              <a:t> Com </a:t>
+            </a:r>
+            <a:r>
+              <a:rPr lang="en-US" b="1" dirty="0" err="1">
+                <a:solidFill>
+                  <a:srgbClr val="0070C0"/>
+                </a:solidFill>
+              </a:rPr>
+              <a:t>Retorno</a:t>
+            </a:r>
+            <a:endParaRPr lang="en-US" b="1" dirty="0">
+              <a:solidFill>
+                <a:srgbClr val="0070C0"/>
+              </a:solidFill>
+            </a:endParaRPr>
+          </a:p>
+        </p:txBody>
+      </p:sp>
+      <p:sp>
+        <p:nvSpPr>
+          <p:cNvPr id="8" name="Text Placeholder 2">
+            <a:extLst>
+              <a:ext uri="{FF2B5EF4-FFF2-40B4-BE49-F238E27FC236}">
+                <a16:creationId xmlns:a16="http://schemas.microsoft.com/office/drawing/2014/main" id="{288185A8-0117-C173-5CC8-8150369D441D}"/>
+              </a:ext>
+            </a:extLst>
+          </p:cNvPr>
+          <p:cNvSpPr>
+            <a:spLocks noGrp="1"/>
+          </p:cNvSpPr>
+          <p:nvPr>
+            <p:ph type="body" sz="half" idx="1"/>
+          </p:nvPr>
+        </p:nvSpPr>
+        <p:spPr>
+          <a:xfrm>
+            <a:off x="142865" y="1200150"/>
+            <a:ext cx="8865056" cy="3737370"/>
+          </a:xfrm>
+        </p:spPr>
+        <p:txBody>
+          <a:bodyPr>
+            <a:noAutofit/>
+          </a:bodyPr>
+          <a:lstStyle/>
+          <a:p>
+            <a:pPr algn="just">
+              <a:buFont typeface="Wingdings" panose="05000000000000000000" pitchFamily="2" charset="2"/>
+              <a:buChar char="ü"/>
+            </a:pPr>
+            <a:r>
+              <a:rPr lang="pt-BR" sz="2000" dirty="0">
+                <a:solidFill>
+                  <a:schemeClr val="tx1"/>
+                </a:solidFill>
+                <a:latin typeface="Times New Roman" panose="02020603050405020304" pitchFamily="18" charset="0"/>
+                <a:cs typeface="Times New Roman" panose="02020603050405020304" pitchFamily="18" charset="0"/>
+              </a:rPr>
+              <a:t>Sempre usam a instrução </a:t>
+            </a:r>
+            <a:r>
+              <a:rPr lang="pt-BR" sz="2000" dirty="0" err="1">
+                <a:solidFill>
+                  <a:schemeClr val="tx1"/>
+                </a:solidFill>
+                <a:latin typeface="Times New Roman" panose="02020603050405020304" pitchFamily="18" charset="0"/>
+                <a:cs typeface="Times New Roman" panose="02020603050405020304" pitchFamily="18" charset="0"/>
+              </a:rPr>
+              <a:t>return</a:t>
+            </a:r>
+            <a:r>
+              <a:rPr lang="pt-BR" sz="2000" dirty="0">
+                <a:solidFill>
+                  <a:schemeClr val="tx1"/>
+                </a:solidFill>
+                <a:latin typeface="Times New Roman" panose="02020603050405020304" pitchFamily="18" charset="0"/>
+                <a:cs typeface="Times New Roman" panose="02020603050405020304" pitchFamily="18" charset="0"/>
+              </a:rPr>
+              <a:t> (ou equivalente) para devolver o valor.</a:t>
+            </a:r>
+          </a:p>
+          <a:p>
+            <a:pPr algn="just">
+              <a:buFont typeface="Wingdings" panose="05000000000000000000" pitchFamily="2" charset="2"/>
+              <a:buChar char="ü"/>
+            </a:pPr>
+            <a:r>
+              <a:rPr lang="pt-BR" sz="2000" dirty="0">
+                <a:solidFill>
+                  <a:schemeClr val="tx1"/>
+                </a:solidFill>
+                <a:latin typeface="Times New Roman" panose="02020603050405020304" pitchFamily="18" charset="0"/>
+                <a:cs typeface="Times New Roman" panose="02020603050405020304" pitchFamily="18" charset="0"/>
+              </a:rPr>
+              <a:t>A função termina sua execução ao encontrar o </a:t>
+            </a:r>
+            <a:r>
+              <a:rPr lang="pt-BR" sz="2000" dirty="0" err="1">
+                <a:solidFill>
+                  <a:schemeClr val="tx1"/>
+                </a:solidFill>
+                <a:latin typeface="Times New Roman" panose="02020603050405020304" pitchFamily="18" charset="0"/>
+                <a:cs typeface="Times New Roman" panose="02020603050405020304" pitchFamily="18" charset="0"/>
+              </a:rPr>
+              <a:t>return</a:t>
+            </a:r>
+            <a:r>
+              <a:rPr lang="pt-BR" sz="2000" dirty="0">
+                <a:solidFill>
+                  <a:schemeClr val="tx1"/>
+                </a:solidFill>
+                <a:latin typeface="Times New Roman" panose="02020603050405020304" pitchFamily="18" charset="0"/>
+                <a:cs typeface="Times New Roman" panose="02020603050405020304" pitchFamily="18" charset="0"/>
+              </a:rPr>
+              <a:t>.</a:t>
+            </a:r>
+          </a:p>
+          <a:p>
+            <a:pPr algn="just">
+              <a:buFont typeface="Wingdings" panose="05000000000000000000" pitchFamily="2" charset="2"/>
+              <a:buChar char="ü"/>
+            </a:pPr>
+            <a:r>
+              <a:rPr lang="pt-BR" sz="2000" dirty="0">
+                <a:solidFill>
+                  <a:schemeClr val="tx1"/>
+                </a:solidFill>
+                <a:latin typeface="Times New Roman" panose="02020603050405020304" pitchFamily="18" charset="0"/>
+                <a:cs typeface="Times New Roman" panose="02020603050405020304" pitchFamily="18" charset="0"/>
+              </a:rPr>
+              <a:t>O tipo do retorno pode ser: inteiro, real, texto, booleano, lista, etc.</a:t>
+            </a:r>
+          </a:p>
+          <a:p>
+            <a:pPr marL="0" indent="0" algn="just">
+              <a:buNone/>
+            </a:pPr>
+            <a:endParaRPr lang="pt-BR" sz="2000" dirty="0">
+              <a:solidFill>
+                <a:schemeClr val="tx1"/>
+              </a:solidFill>
+              <a:latin typeface="Times New Roman" panose="02020603050405020304" pitchFamily="18" charset="0"/>
+              <a:cs typeface="Times New Roman" panose="02020603050405020304" pitchFamily="18" charset="0"/>
+            </a:endParaRPr>
+          </a:p>
+          <a:p>
+            <a:pPr marL="0" indent="0" algn="just">
+              <a:buNone/>
+            </a:pPr>
+            <a:r>
+              <a:rPr lang="pt-BR" sz="2000" b="1" dirty="0">
+                <a:solidFill>
+                  <a:schemeClr val="tx1"/>
+                </a:solidFill>
+                <a:latin typeface="Times New Roman" panose="02020603050405020304" pitchFamily="18" charset="0"/>
+                <a:cs typeface="Times New Roman" panose="02020603050405020304" pitchFamily="18" charset="0"/>
+              </a:rPr>
+              <a:t>Aplicações comuns:</a:t>
+            </a:r>
+          </a:p>
+          <a:p>
+            <a:pPr algn="just">
+              <a:buFont typeface="Wingdings" panose="05000000000000000000" pitchFamily="2" charset="2"/>
+              <a:buChar char="§"/>
+            </a:pPr>
+            <a:r>
+              <a:rPr lang="pt-BR" sz="2000" dirty="0">
+                <a:solidFill>
+                  <a:schemeClr val="tx1"/>
+                </a:solidFill>
+                <a:latin typeface="Times New Roman" panose="02020603050405020304" pitchFamily="18" charset="0"/>
+                <a:cs typeface="Times New Roman" panose="02020603050405020304" pitchFamily="18" charset="0"/>
+              </a:rPr>
+              <a:t>Cálculo de áreas, médias, impostos, etc.</a:t>
+            </a:r>
+          </a:p>
+          <a:p>
+            <a:pPr algn="just">
+              <a:buFont typeface="Wingdings" panose="05000000000000000000" pitchFamily="2" charset="2"/>
+              <a:buChar char="§"/>
+            </a:pPr>
+            <a:r>
+              <a:rPr lang="pt-BR" sz="2000" dirty="0">
+                <a:solidFill>
+                  <a:schemeClr val="tx1"/>
+                </a:solidFill>
+                <a:latin typeface="Times New Roman" panose="02020603050405020304" pitchFamily="18" charset="0"/>
+                <a:cs typeface="Times New Roman" panose="02020603050405020304" pitchFamily="18" charset="0"/>
+              </a:rPr>
+              <a:t>Verificações lógicas (</a:t>
+            </a:r>
+            <a:r>
+              <a:rPr lang="pt-BR" sz="2000" dirty="0" err="1">
+                <a:solidFill>
+                  <a:schemeClr val="tx1"/>
+                </a:solidFill>
+                <a:latin typeface="Times New Roman" panose="02020603050405020304" pitchFamily="18" charset="0"/>
+                <a:cs typeface="Times New Roman" panose="02020603050405020304" pitchFamily="18" charset="0"/>
+              </a:rPr>
+              <a:t>ex</a:t>
+            </a:r>
+            <a:r>
+              <a:rPr lang="pt-BR" sz="2000" dirty="0">
+                <a:solidFill>
+                  <a:schemeClr val="tx1"/>
+                </a:solidFill>
+                <a:latin typeface="Times New Roman" panose="02020603050405020304" pitchFamily="18" charset="0"/>
+                <a:cs typeface="Times New Roman" panose="02020603050405020304" pitchFamily="18" charset="0"/>
+              </a:rPr>
+              <a:t>: retornar </a:t>
+            </a:r>
+            <a:r>
+              <a:rPr lang="pt-BR" sz="2000" dirty="0" err="1">
+                <a:solidFill>
+                  <a:schemeClr val="tx1"/>
+                </a:solidFill>
+                <a:latin typeface="Times New Roman" panose="02020603050405020304" pitchFamily="18" charset="0"/>
+                <a:cs typeface="Times New Roman" panose="02020603050405020304" pitchFamily="18" charset="0"/>
+              </a:rPr>
+              <a:t>True</a:t>
+            </a:r>
+            <a:r>
+              <a:rPr lang="pt-BR" sz="2000" dirty="0">
+                <a:solidFill>
+                  <a:schemeClr val="tx1"/>
+                </a:solidFill>
+                <a:latin typeface="Times New Roman" panose="02020603050405020304" pitchFamily="18" charset="0"/>
+                <a:cs typeface="Times New Roman" panose="02020603050405020304" pitchFamily="18" charset="0"/>
+              </a:rPr>
+              <a:t> ou False).</a:t>
+            </a:r>
+          </a:p>
+          <a:p>
+            <a:pPr algn="just">
+              <a:buFont typeface="Wingdings" panose="05000000000000000000" pitchFamily="2" charset="2"/>
+              <a:buChar char="§"/>
+            </a:pPr>
+            <a:r>
+              <a:rPr lang="pt-BR" sz="2000" dirty="0">
+                <a:solidFill>
+                  <a:schemeClr val="tx1"/>
+                </a:solidFill>
+                <a:latin typeface="Times New Roman" panose="02020603050405020304" pitchFamily="18" charset="0"/>
+                <a:cs typeface="Times New Roman" panose="02020603050405020304" pitchFamily="18" charset="0"/>
+              </a:rPr>
+              <a:t>Buscar dados em listas, bancos de dados, arquivos.</a:t>
+            </a:r>
+          </a:p>
+        </p:txBody>
+      </p:sp>
+    </p:spTree>
+    <p:extLst>
+      <p:ext uri="{BB962C8B-B14F-4D97-AF65-F5344CB8AC3E}">
+        <p14:creationId xmlns:p14="http://schemas.microsoft.com/office/powerpoint/2010/main" val="3844150132"/>
+      </p:ext>
+    </p:extLst>
+  </p:cSld>
+  <p:clrMapOvr>
+    <a:masterClrMapping/>
+  </p:clrMapOvr>
+  <p:transition spd="med"/>
+</p:sld>
+</file>
+
+<file path=ppt/slides/slide17.xml><?xml version="1.0" encoding="utf-8"?>
+<p:sld xmlns:a="http://schemas.openxmlformats.org/drawingml/2006/main" xmlns:r="http://schemas.openxmlformats.org/officeDocument/2006/relationships" xmlns:p="http://schemas.openxmlformats.org/presentationml/2006/main">
+  <p:cSld>
+    <p:spTree>
+      <p:nvGrpSpPr>
+        <p:cNvPr id="1" name="">
+          <a:extLst>
+            <a:ext uri="{FF2B5EF4-FFF2-40B4-BE49-F238E27FC236}">
+              <a16:creationId xmlns:a16="http://schemas.microsoft.com/office/drawing/2014/main" id="{84D080E1-77AC-BD42-1E78-608E9FCE37AB}"/>
+            </a:ext>
+          </a:extLst>
+        </p:cNvPr>
+        <p:cNvGrpSpPr/>
+        <p:nvPr/>
+      </p:nvGrpSpPr>
+      <p:grpSpPr>
+        <a:xfrm>
+          <a:off x="0" y="0"/>
+          <a:ext cx="0" cy="0"/>
+          <a:chOff x="0" y="0"/>
+          <a:chExt cx="0" cy="0"/>
+        </a:xfrm>
+      </p:grpSpPr>
+      <p:sp>
+        <p:nvSpPr>
+          <p:cNvPr id="6" name="Title 1">
+            <a:extLst>
+              <a:ext uri="{FF2B5EF4-FFF2-40B4-BE49-F238E27FC236}">
+                <a16:creationId xmlns:a16="http://schemas.microsoft.com/office/drawing/2014/main" id="{8A007DD3-A7D3-D47D-745E-FD929C4ED638}"/>
+              </a:ext>
+            </a:extLst>
+          </p:cNvPr>
+          <p:cNvSpPr>
+            <a:spLocks noGrp="1"/>
+          </p:cNvSpPr>
+          <p:nvPr>
+            <p:ph type="title"/>
+          </p:nvPr>
+        </p:nvSpPr>
+        <p:spPr>
+          <a:xfrm>
+            <a:off x="457200" y="205980"/>
+            <a:ext cx="8229600" cy="857251"/>
+          </a:xfrm>
+        </p:spPr>
+        <p:txBody>
+          <a:bodyPr>
+            <a:normAutofit fontScale="90000"/>
+          </a:bodyPr>
+          <a:lstStyle/>
+          <a:p>
+            <a:r>
+              <a:rPr lang="en-US" b="1" dirty="0" err="1">
+                <a:solidFill>
+                  <a:srgbClr val="0070C0"/>
+                </a:solidFill>
+              </a:rPr>
+              <a:t>Escopo</a:t>
+            </a:r>
+            <a:r>
+              <a:rPr lang="en-US" b="1" dirty="0">
+                <a:solidFill>
+                  <a:srgbClr val="0070C0"/>
+                </a:solidFill>
+              </a:rPr>
+              <a:t> de </a:t>
+            </a:r>
+            <a:r>
+              <a:rPr lang="en-US" b="1" dirty="0" err="1">
+                <a:solidFill>
+                  <a:srgbClr val="0070C0"/>
+                </a:solidFill>
+              </a:rPr>
+              <a:t>Variáveis</a:t>
+            </a:r>
+            <a:r>
+              <a:rPr lang="en-US" b="1" dirty="0">
+                <a:solidFill>
+                  <a:srgbClr val="0070C0"/>
+                </a:solidFill>
+              </a:rPr>
+              <a:t>: Local vs Global</a:t>
+            </a:r>
+          </a:p>
+        </p:txBody>
+      </p:sp>
+      <p:sp>
+        <p:nvSpPr>
+          <p:cNvPr id="8" name="Text Placeholder 2">
+            <a:extLst>
+              <a:ext uri="{FF2B5EF4-FFF2-40B4-BE49-F238E27FC236}">
+                <a16:creationId xmlns:a16="http://schemas.microsoft.com/office/drawing/2014/main" id="{4E9A78A0-BA35-5853-5E2E-29FFE6029959}"/>
+              </a:ext>
+            </a:extLst>
+          </p:cNvPr>
+          <p:cNvSpPr>
+            <a:spLocks noGrp="1"/>
+          </p:cNvSpPr>
+          <p:nvPr>
+            <p:ph type="body" sz="half" idx="1"/>
+          </p:nvPr>
+        </p:nvSpPr>
+        <p:spPr>
+          <a:xfrm>
+            <a:off x="142865" y="1200150"/>
+            <a:ext cx="8865056" cy="3737370"/>
+          </a:xfrm>
+        </p:spPr>
+        <p:txBody>
+          <a:bodyPr>
+            <a:noAutofit/>
+          </a:bodyPr>
+          <a:lstStyle/>
+          <a:p>
+            <a:pPr marL="0" indent="0" algn="just">
+              <a:buNone/>
+            </a:pPr>
+            <a:r>
+              <a:rPr lang="pt-BR" sz="2000" dirty="0">
+                <a:solidFill>
+                  <a:schemeClr val="tx1"/>
+                </a:solidFill>
+                <a:latin typeface="Times New Roman" panose="02020603050405020304" pitchFamily="18" charset="0"/>
+                <a:cs typeface="Times New Roman" panose="02020603050405020304" pitchFamily="18" charset="0"/>
+              </a:rPr>
+              <a:t>Exemplo prático:</a:t>
+            </a:r>
+          </a:p>
+          <a:p>
+            <a:pPr marL="0" indent="0" algn="just">
+              <a:buNone/>
+            </a:pPr>
+            <a:r>
+              <a:rPr lang="pt-BR" sz="2000" dirty="0">
+                <a:solidFill>
+                  <a:schemeClr val="tx1"/>
+                </a:solidFill>
+                <a:latin typeface="Times New Roman" panose="02020603050405020304" pitchFamily="18" charset="0"/>
+                <a:cs typeface="Times New Roman" panose="02020603050405020304" pitchFamily="18" charset="0"/>
+              </a:rPr>
+              <a:t>x = 10</a:t>
+            </a:r>
+          </a:p>
+          <a:p>
+            <a:pPr marL="0" indent="0" algn="just">
+              <a:buNone/>
+            </a:pPr>
+            <a:r>
+              <a:rPr lang="pt-BR" sz="2000" dirty="0" err="1">
+                <a:solidFill>
+                  <a:schemeClr val="tx1"/>
+                </a:solidFill>
+                <a:latin typeface="Times New Roman" panose="02020603050405020304" pitchFamily="18" charset="0"/>
+                <a:cs typeface="Times New Roman" panose="02020603050405020304" pitchFamily="18" charset="0"/>
+              </a:rPr>
+              <a:t>def</a:t>
+            </a:r>
+            <a:r>
+              <a:rPr lang="pt-BR" sz="2000" dirty="0">
+                <a:solidFill>
+                  <a:schemeClr val="tx1"/>
+                </a:solidFill>
+                <a:latin typeface="Times New Roman" panose="02020603050405020304" pitchFamily="18" charset="0"/>
+                <a:cs typeface="Times New Roman" panose="02020603050405020304" pitchFamily="18" charset="0"/>
+              </a:rPr>
+              <a:t> teste():</a:t>
+            </a:r>
+          </a:p>
+          <a:p>
+            <a:pPr marL="0" indent="0" algn="just">
+              <a:buNone/>
+            </a:pPr>
+            <a:r>
+              <a:rPr lang="pt-BR" sz="2000" dirty="0">
+                <a:solidFill>
+                  <a:schemeClr val="tx1"/>
+                </a:solidFill>
+                <a:latin typeface="Times New Roman" panose="02020603050405020304" pitchFamily="18" charset="0"/>
+                <a:cs typeface="Times New Roman" panose="02020603050405020304" pitchFamily="18" charset="0"/>
+              </a:rPr>
+              <a:t>    x = 5</a:t>
+            </a:r>
+          </a:p>
+          <a:p>
+            <a:pPr marL="0" indent="0" algn="just">
+              <a:buNone/>
+            </a:pPr>
+            <a:r>
+              <a:rPr lang="pt-BR" sz="2000" dirty="0">
+                <a:solidFill>
+                  <a:schemeClr val="tx1"/>
+                </a:solidFill>
+                <a:latin typeface="Times New Roman" panose="02020603050405020304" pitchFamily="18" charset="0"/>
+                <a:cs typeface="Times New Roman" panose="02020603050405020304" pitchFamily="18" charset="0"/>
+              </a:rPr>
+              <a:t>    print(x)  </a:t>
+            </a:r>
+            <a:r>
+              <a:rPr lang="pt-BR" sz="2000" b="1" dirty="0">
+                <a:solidFill>
+                  <a:schemeClr val="tx1"/>
+                </a:solidFill>
+                <a:latin typeface="Times New Roman" panose="02020603050405020304" pitchFamily="18" charset="0"/>
+                <a:cs typeface="Times New Roman" panose="02020603050405020304" pitchFamily="18" charset="0"/>
+              </a:rPr>
+              <a:t># local</a:t>
+            </a:r>
+          </a:p>
+          <a:p>
+            <a:pPr marL="0" indent="0" algn="just">
+              <a:buNone/>
+            </a:pPr>
+            <a:endParaRPr lang="pt-BR" sz="2000" dirty="0">
+              <a:solidFill>
+                <a:schemeClr val="tx1"/>
+              </a:solidFill>
+              <a:latin typeface="Times New Roman" panose="02020603050405020304" pitchFamily="18" charset="0"/>
+              <a:cs typeface="Times New Roman" panose="02020603050405020304" pitchFamily="18" charset="0"/>
+            </a:endParaRPr>
+          </a:p>
+          <a:p>
+            <a:pPr marL="0" indent="0" algn="just">
+              <a:buNone/>
+            </a:pPr>
+            <a:r>
+              <a:rPr lang="pt-BR" sz="2000" dirty="0">
+                <a:solidFill>
+                  <a:schemeClr val="tx1"/>
+                </a:solidFill>
+                <a:latin typeface="Times New Roman" panose="02020603050405020304" pitchFamily="18" charset="0"/>
+                <a:cs typeface="Times New Roman" panose="02020603050405020304" pitchFamily="18" charset="0"/>
+              </a:rPr>
+              <a:t>teste()</a:t>
+            </a:r>
+          </a:p>
+          <a:p>
+            <a:pPr marL="0" indent="0" algn="just">
+              <a:buNone/>
+            </a:pPr>
+            <a:r>
+              <a:rPr lang="pt-BR" sz="2000" dirty="0">
+                <a:solidFill>
+                  <a:schemeClr val="tx1"/>
+                </a:solidFill>
+                <a:latin typeface="Times New Roman" panose="02020603050405020304" pitchFamily="18" charset="0"/>
+                <a:cs typeface="Times New Roman" panose="02020603050405020304" pitchFamily="18" charset="0"/>
+              </a:rPr>
+              <a:t>print(x)      </a:t>
+            </a:r>
+            <a:r>
+              <a:rPr lang="pt-BR" sz="2000" b="1" dirty="0">
+                <a:solidFill>
+                  <a:srgbClr val="FF0000"/>
+                </a:solidFill>
+                <a:latin typeface="Times New Roman" panose="02020603050405020304" pitchFamily="18" charset="0"/>
+                <a:cs typeface="Times New Roman" panose="02020603050405020304" pitchFamily="18" charset="0"/>
+              </a:rPr>
+              <a:t># global</a:t>
+            </a:r>
+          </a:p>
+        </p:txBody>
+      </p:sp>
+    </p:spTree>
+    <p:extLst>
+      <p:ext uri="{BB962C8B-B14F-4D97-AF65-F5344CB8AC3E}">
+        <p14:creationId xmlns:p14="http://schemas.microsoft.com/office/powerpoint/2010/main" val="4218887957"/>
+      </p:ext>
+    </p:extLst>
+  </p:cSld>
+  <p:clrMapOvr>
+    <a:masterClrMapping/>
+  </p:clrMapOvr>
+  <p:transition spd="med"/>
+</p:sld>
+</file>
+
+<file path=ppt/slides/slide18.xml><?xml version="1.0" encoding="utf-8"?>
+<p:sld xmlns:a="http://schemas.openxmlformats.org/drawingml/2006/main" xmlns:r="http://schemas.openxmlformats.org/officeDocument/2006/relationships" xmlns:p="http://schemas.openxmlformats.org/presentationml/2006/main">
+  <p:cSld>
+    <p:spTree>
+      <p:nvGrpSpPr>
+        <p:cNvPr id="1" name=""/>
+        <p:cNvGrpSpPr/>
+        <p:nvPr/>
+      </p:nvGrpSpPr>
+      <p:grpSpPr>
+        <a:xfrm>
+          <a:off x="0" y="0"/>
+          <a:ext cx="0" cy="0"/>
+          <a:chOff x="0" y="0"/>
+          <a:chExt cx="0" cy="0"/>
+        </a:xfrm>
+      </p:grpSpPr>
+      <p:sp>
+        <p:nvSpPr>
+          <p:cNvPr id="6" name="Title 1"/>
+          <p:cNvSpPr>
+            <a:spLocks noGrp="1"/>
+          </p:cNvSpPr>
+          <p:nvPr>
+            <p:ph type="title"/>
+          </p:nvPr>
+        </p:nvSpPr>
+        <p:spPr>
+          <a:xfrm>
+            <a:off x="457200" y="205980"/>
+            <a:ext cx="8229600" cy="857251"/>
+          </a:xfrm>
+        </p:spPr>
+        <p:txBody>
+          <a:bodyPr>
+            <a:normAutofit/>
+          </a:bodyPr>
+          <a:lstStyle/>
+          <a:p>
+            <a:r>
+              <a:rPr lang="en-US" b="1" dirty="0" err="1">
+                <a:solidFill>
+                  <a:srgbClr val="0070C0"/>
+                </a:solidFill>
+              </a:rPr>
+              <a:t>Leitura</a:t>
+            </a:r>
+            <a:r>
+              <a:rPr lang="en-US" b="1" dirty="0">
+                <a:solidFill>
+                  <a:srgbClr val="0070C0"/>
+                </a:solidFill>
+              </a:rPr>
+              <a:t> </a:t>
+            </a:r>
+            <a:r>
+              <a:rPr lang="en-US" b="1" dirty="0" err="1">
+                <a:solidFill>
+                  <a:srgbClr val="0070C0"/>
+                </a:solidFill>
+              </a:rPr>
+              <a:t>Específica</a:t>
+            </a:r>
+            <a:endParaRPr lang="en-US" b="1" dirty="0">
+              <a:solidFill>
+                <a:srgbClr val="0070C0"/>
+              </a:solidFill>
+            </a:endParaRPr>
+          </a:p>
+        </p:txBody>
+      </p:sp>
+      <p:sp>
+        <p:nvSpPr>
+          <p:cNvPr id="8" name="Text Placeholder 2"/>
+          <p:cNvSpPr>
+            <a:spLocks noGrp="1"/>
+          </p:cNvSpPr>
+          <p:nvPr>
+            <p:ph type="body" sz="half" idx="1"/>
+          </p:nvPr>
+        </p:nvSpPr>
+        <p:spPr>
+          <a:xfrm>
+            <a:off x="142865" y="1200150"/>
+            <a:ext cx="8865056" cy="3737369"/>
+          </a:xfrm>
+        </p:spPr>
+        <p:txBody>
+          <a:bodyPr>
+            <a:noAutofit/>
+          </a:bodyPr>
+          <a:lstStyle/>
+          <a:p>
+            <a:pPr marL="0" indent="0" algn="just">
+              <a:buNone/>
+            </a:pPr>
+            <a:r>
+              <a:rPr lang="pt-BR" sz="2000" dirty="0">
+                <a:latin typeface="Times New Roman" panose="02020603050405020304" pitchFamily="18" charset="0"/>
+                <a:cs typeface="Times New Roman" panose="02020603050405020304" pitchFamily="18" charset="0"/>
+              </a:rPr>
+              <a:t>[1] Algoritmos e Complexidade – Parte 1.</a:t>
+            </a:r>
+          </a:p>
+          <a:p>
+            <a:pPr marL="0" indent="0" algn="just">
+              <a:buNone/>
+            </a:pPr>
+            <a:r>
+              <a:rPr lang="pt-BR" sz="2000" b="1" dirty="0">
+                <a:solidFill>
+                  <a:srgbClr val="FF0000"/>
+                </a:solidFill>
+                <a:latin typeface="Times New Roman" panose="02020603050405020304" pitchFamily="18" charset="0"/>
+                <a:cs typeface="Times New Roman" panose="02020603050405020304" pitchFamily="18" charset="0"/>
+              </a:rPr>
+              <a:t>Disponível em:</a:t>
+            </a:r>
+          </a:p>
+          <a:p>
+            <a:pPr marL="0" indent="0" algn="just">
+              <a:buNone/>
+            </a:pPr>
+            <a:endParaRPr lang="pt-BR" sz="2000" dirty="0">
+              <a:latin typeface="Times New Roman" panose="02020603050405020304" pitchFamily="18" charset="0"/>
+              <a:cs typeface="Times New Roman" panose="02020603050405020304" pitchFamily="18" charset="0"/>
+            </a:endParaRPr>
+          </a:p>
+          <a:p>
+            <a:pPr marL="0" indent="0" algn="just">
+              <a:buNone/>
+            </a:pPr>
+            <a:r>
+              <a:rPr lang="pt-BR" sz="2000" dirty="0">
+                <a:latin typeface="Times New Roman" panose="02020603050405020304" pitchFamily="18" charset="0"/>
+                <a:cs typeface="Times New Roman" panose="02020603050405020304" pitchFamily="18" charset="0"/>
+              </a:rPr>
+              <a:t>[2] Algoritmos e Complexidade – Parte 2. </a:t>
+            </a:r>
+          </a:p>
+          <a:p>
+            <a:pPr marL="0" indent="0" algn="just">
+              <a:buNone/>
+            </a:pPr>
+            <a:r>
+              <a:rPr lang="pt-BR" sz="2000" b="1" dirty="0">
+                <a:solidFill>
+                  <a:srgbClr val="FF0000"/>
+                </a:solidFill>
+                <a:latin typeface="Times New Roman" panose="02020603050405020304" pitchFamily="18" charset="0"/>
+                <a:cs typeface="Times New Roman" panose="02020603050405020304" pitchFamily="18" charset="0"/>
+              </a:rPr>
+              <a:t>Disponível em:</a:t>
+            </a:r>
+            <a:endParaRPr lang="pt-BR" sz="2000" dirty="0">
+              <a:latin typeface="Calibri" panose="020F0502020204030204" pitchFamily="34" charset="0"/>
+            </a:endParaRPr>
+          </a:p>
+        </p:txBody>
+      </p:sp>
+    </p:spTree>
+    <p:extLst>
+      <p:ext uri="{BB962C8B-B14F-4D97-AF65-F5344CB8AC3E}">
+        <p14:creationId xmlns:p14="http://schemas.microsoft.com/office/powerpoint/2010/main" val="3680270425"/>
+      </p:ext>
+    </p:extLst>
+  </p:cSld>
+  <p:clrMapOvr>
+    <a:masterClrMapping/>
+  </p:clrMapOvr>
+  <p:transition spd="med"/>
+</p:sld>
+</file>
+
+<file path=ppt/slides/slide19.xml><?xml version="1.0" encoding="utf-8"?>
+<p:sld xmlns:a="http://schemas.openxmlformats.org/drawingml/2006/main" xmlns:r="http://schemas.openxmlformats.org/officeDocument/2006/relationships" xmlns:p="http://schemas.openxmlformats.org/presentationml/2006/main">
+  <p:cSld>
+    <p:spTree>
+      <p:nvGrpSpPr>
+        <p:cNvPr id="1" name=""/>
+        <p:cNvGrpSpPr/>
+        <p:nvPr/>
+      </p:nvGrpSpPr>
+      <p:grpSpPr>
+        <a:xfrm>
+          <a:off x="0" y="0"/>
+          <a:ext cx="0" cy="0"/>
+          <a:chOff x="0" y="0"/>
+          <a:chExt cx="0" cy="0"/>
+        </a:xfrm>
+      </p:grpSpPr>
+      <p:sp>
+        <p:nvSpPr>
+          <p:cNvPr id="6" name="Title 1"/>
+          <p:cNvSpPr>
+            <a:spLocks noGrp="1"/>
+          </p:cNvSpPr>
+          <p:nvPr>
+            <p:ph type="title"/>
+          </p:nvPr>
+        </p:nvSpPr>
+        <p:spPr>
+          <a:xfrm>
+            <a:off x="457200" y="205980"/>
+            <a:ext cx="8229600" cy="857251"/>
+          </a:xfrm>
+        </p:spPr>
+        <p:txBody>
+          <a:bodyPr>
+            <a:normAutofit/>
+          </a:bodyPr>
+          <a:lstStyle/>
+          <a:p>
+            <a:r>
+              <a:rPr lang="en-US" b="1" dirty="0" err="1">
+                <a:solidFill>
+                  <a:srgbClr val="0070C0"/>
+                </a:solidFill>
+              </a:rPr>
+              <a:t>Aprenda</a:t>
+            </a:r>
+            <a:r>
+              <a:rPr lang="en-US" b="1" dirty="0">
+                <a:solidFill>
+                  <a:srgbClr val="0070C0"/>
+                </a:solidFill>
+              </a:rPr>
+              <a:t>+</a:t>
+            </a:r>
+          </a:p>
+        </p:txBody>
+      </p:sp>
+      <p:sp>
+        <p:nvSpPr>
+          <p:cNvPr id="8" name="Text Placeholder 2"/>
+          <p:cNvSpPr>
+            <a:spLocks noGrp="1"/>
+          </p:cNvSpPr>
+          <p:nvPr>
+            <p:ph type="body" sz="half" idx="1"/>
+          </p:nvPr>
+        </p:nvSpPr>
+        <p:spPr>
+          <a:xfrm>
+            <a:off x="142865" y="1200150"/>
+            <a:ext cx="8865056" cy="3737370"/>
+          </a:xfrm>
+        </p:spPr>
+        <p:txBody>
+          <a:bodyPr>
+            <a:noAutofit/>
+          </a:bodyPr>
+          <a:lstStyle/>
+          <a:p>
+            <a:pPr marL="0" indent="0" algn="just">
+              <a:buNone/>
+            </a:pPr>
+            <a:r>
+              <a:rPr lang="pt-BR" sz="2400" dirty="0">
+                <a:latin typeface="Times New Roman" panose="02020603050405020304" pitchFamily="18" charset="0"/>
+                <a:cs typeface="Times New Roman" panose="02020603050405020304" pitchFamily="18" charset="0"/>
+              </a:rPr>
+              <a:t>[1] Algoritmos e Complexidade – Parte 1</a:t>
+            </a:r>
+          </a:p>
+          <a:p>
+            <a:pPr marL="0" indent="0" algn="just">
+              <a:buNone/>
+            </a:pPr>
+            <a:r>
+              <a:rPr lang="pt-BR" sz="2400" b="1" dirty="0">
+                <a:solidFill>
+                  <a:srgbClr val="FF0000"/>
+                </a:solidFill>
+                <a:latin typeface="Times New Roman" panose="02020603050405020304" pitchFamily="18" charset="0"/>
+                <a:cs typeface="Times New Roman" panose="02020603050405020304" pitchFamily="18" charset="0"/>
+              </a:rPr>
+              <a:t>Disponível em: </a:t>
+            </a:r>
+            <a:r>
+              <a:rPr lang="pt-BR" sz="2400" dirty="0">
+                <a:latin typeface="Times New Roman" panose="02020603050405020304" pitchFamily="18" charset="0"/>
+                <a:cs typeface="Times New Roman" panose="02020603050405020304" pitchFamily="18" charset="0"/>
+                <a:hlinkClick r:id="rId3"/>
+              </a:rPr>
+              <a:t>https://</a:t>
+            </a:r>
+            <a:endParaRPr lang="pt-BR" sz="2400" dirty="0">
+              <a:latin typeface="Times New Roman" panose="02020603050405020304" pitchFamily="18" charset="0"/>
+              <a:cs typeface="Times New Roman" panose="02020603050405020304" pitchFamily="18" charset="0"/>
+            </a:endParaRPr>
+          </a:p>
+          <a:p>
+            <a:pPr marL="0" indent="0" algn="just">
+              <a:buNone/>
+            </a:pPr>
+            <a:endParaRPr lang="pt-BR" sz="2400" dirty="0">
+              <a:latin typeface="Times New Roman" panose="02020603050405020304" pitchFamily="18" charset="0"/>
+              <a:cs typeface="Times New Roman" panose="02020603050405020304" pitchFamily="18" charset="0"/>
+            </a:endParaRPr>
+          </a:p>
+          <a:p>
+            <a:pPr marL="0" indent="0" algn="just">
+              <a:buNone/>
+            </a:pPr>
+            <a:r>
+              <a:rPr lang="pt-BR" sz="2400" dirty="0">
+                <a:latin typeface="Times New Roman" panose="02020603050405020304" pitchFamily="18" charset="0"/>
+                <a:cs typeface="Times New Roman" panose="02020603050405020304" pitchFamily="18" charset="0"/>
+              </a:rPr>
+              <a:t>[2] Algoritmos e Complexidade – Parte 2</a:t>
+            </a:r>
+          </a:p>
+          <a:p>
+            <a:pPr marL="0" indent="0" algn="just">
+              <a:buNone/>
+            </a:pPr>
+            <a:r>
+              <a:rPr lang="pt-BR" sz="2400" b="1" dirty="0">
+                <a:solidFill>
+                  <a:srgbClr val="FF0000"/>
+                </a:solidFill>
+                <a:latin typeface="Times New Roman" panose="02020603050405020304" pitchFamily="18" charset="0"/>
+                <a:cs typeface="Times New Roman" panose="02020603050405020304" pitchFamily="18" charset="0"/>
+              </a:rPr>
+              <a:t>Disponível em: </a:t>
+            </a:r>
+            <a:r>
+              <a:rPr lang="pt-BR" sz="2400" dirty="0">
+                <a:latin typeface="Times New Roman" panose="02020603050405020304" pitchFamily="18" charset="0"/>
+                <a:cs typeface="Times New Roman" panose="02020603050405020304" pitchFamily="18" charset="0"/>
+                <a:hlinkClick r:id="rId4"/>
+              </a:rPr>
+              <a:t>https://</a:t>
+            </a:r>
+            <a:endParaRPr lang="pt-BR" sz="2400" dirty="0">
+              <a:latin typeface="Times New Roman" panose="02020603050405020304" pitchFamily="18" charset="0"/>
+              <a:cs typeface="Times New Roman" panose="02020603050405020304" pitchFamily="18" charset="0"/>
+            </a:endParaRPr>
+          </a:p>
+          <a:p>
+            <a:pPr marL="0" indent="0" algn="just">
+              <a:buNone/>
+            </a:pPr>
+            <a:endParaRPr lang="pt-BR" sz="2400" dirty="0">
+              <a:latin typeface="Times New Roman" panose="02020603050405020304" pitchFamily="18" charset="0"/>
+              <a:cs typeface="Times New Roman" panose="02020603050405020304" pitchFamily="18" charset="0"/>
+            </a:endParaRPr>
+          </a:p>
+        </p:txBody>
+      </p:sp>
+    </p:spTree>
+    <p:extLst>
+      <p:ext uri="{BB962C8B-B14F-4D97-AF65-F5344CB8AC3E}">
+        <p14:creationId xmlns:p14="http://schemas.microsoft.com/office/powerpoint/2010/main" val="2747596967"/>
+      </p:ext>
+    </p:extLst>
+  </p:cSld>
+  <p:clrMapOvr>
+    <a:masterClrMapping/>
+  </p:clrMapOvr>
+  <p:transition spd="med"/>
+</p:sld>
+</file>
+
 <file path=ppt/slides/slide2.xml><?xml version="1.0" encoding="utf-8"?>
 <p:sld xmlns:a="http://schemas.openxmlformats.org/drawingml/2006/main" xmlns:r="http://schemas.openxmlformats.org/officeDocument/2006/relationships" xmlns:p="http://schemas.openxmlformats.org/presentationml/2006/main">
   <p:cSld>
@@ -3963,8 +8143,21 @@
                   <a:schemeClr val="bg1"/>
                 </a:solidFill>
               </a:rPr>
-              <a:t>Contextualização</a:t>
-            </a:r>
+              <a:t>Algoritmo, Funções, Parâmetros </a:t>
+            </a:r>
+            <a:r>
+              <a:rPr lang="pt-BR" sz="3600" b="1">
+                <a:solidFill>
+                  <a:schemeClr val="bg1"/>
+                </a:solidFill>
+              </a:rPr>
+              <a:t>e Retorno</a:t>
+            </a:r>
+            <a:endParaRPr lang="pt-BR" sz="3600" b="1" dirty="0">
+              <a:solidFill>
+                <a:schemeClr val="bg1"/>
+              </a:solidFill>
+            </a:endParaRPr>
           </a:p>
         </p:txBody>
       </p:sp>
@@ -4315,7 +8508,7 @@
 </p:sld>
 </file>
 
-<file path=ppt/slides/slide3.xml><?xml version="1.0" encoding="utf-8"?>
+<file path=ppt/slides/slide20.xml><?xml version="1.0" encoding="utf-8"?>
 <p:sld xmlns:a="http://schemas.openxmlformats.org/drawingml/2006/main" xmlns:r="http://schemas.openxmlformats.org/officeDocument/2006/relationships" xmlns:p="http://schemas.openxmlformats.org/presentationml/2006/main">
   <p:cSld>
     <p:spTree>
@@ -4360,7 +8553,23 @@
                   <a:srgbClr val="0070C0"/>
                 </a:solidFill>
               </a:rPr>
-              <a:t>Contextualização</a:t>
+              <a:t>Dinâmica</a:t>
+            </a:r>
+            <a:r>
+              <a:rPr lang="en-US" b="1" dirty="0">
+                <a:solidFill>
+                  <a:srgbClr val="0070C0"/>
+                </a:solidFill>
+              </a:rPr>
+              <a:t>/</a:t>
+            </a:r>
+            <a:r>
+              <a:rPr lang="en-US" b="1" dirty="0" err="1">
+                <a:solidFill>
+                  <a:srgbClr val="0070C0"/>
+                </a:solidFill>
+              </a:rPr>
+              <a:t>Atividades</a:t>
             </a:r>
             <a:endParaRPr lang="en-US" b="1" dirty="0">
               <a:solidFill>
@@ -4382,8 +8591,8 @@
         </p:nvSpPr>
         <p:spPr>
           <a:xfrm>
-            <a:off x="142865" y="1200150"/>
-            <a:ext cx="8865056" cy="3737370"/>
+            <a:off x="139472" y="1063230"/>
+            <a:ext cx="8865056" cy="3606305"/>
           </a:xfrm>
         </p:spPr>
         <p:txBody>
@@ -4392,33 +8601,91 @@
           </a:bodyPr>
           <a:lstStyle/>
           <a:p>
+            <a:pPr algn="just">
+              <a:buFont typeface="Wingdings" panose="05000000000000000000" pitchFamily="2" charset="2"/>
+              <a:buChar char="§"/>
+            </a:pPr>
+            <a:r>
+              <a:rPr lang="pt-BR" sz="2000" dirty="0">
+                <a:latin typeface="Times New Roman" panose="02020603050405020304" pitchFamily="18" charset="0"/>
+                <a:cs typeface="Times New Roman" panose="02020603050405020304" pitchFamily="18" charset="0"/>
+              </a:rPr>
+              <a:t>Criar uma função que calcula a área de um retângulo.</a:t>
+            </a:r>
+          </a:p>
+          <a:p>
+            <a:pPr algn="just">
+              <a:buFont typeface="Wingdings" panose="05000000000000000000" pitchFamily="2" charset="2"/>
+              <a:buChar char="§"/>
+            </a:pPr>
+            <a:endParaRPr lang="pt-BR" sz="2000" dirty="0">
+              <a:latin typeface="Times New Roman" panose="02020603050405020304" pitchFamily="18" charset="0"/>
+              <a:cs typeface="Times New Roman" panose="02020603050405020304" pitchFamily="18" charset="0"/>
+            </a:endParaRPr>
+          </a:p>
+          <a:p>
             <a:pPr marL="0" indent="0" algn="just">
               <a:buNone/>
             </a:pPr>
+            <a:endParaRPr lang="pt-BR" sz="2000" dirty="0">
+              <a:latin typeface="Times New Roman" panose="02020603050405020304" pitchFamily="18" charset="0"/>
+              <a:cs typeface="Times New Roman" panose="02020603050405020304" pitchFamily="18" charset="0"/>
+            </a:endParaRPr>
+          </a:p>
+          <a:p>
+            <a:pPr algn="just">
+              <a:buFont typeface="Wingdings" panose="05000000000000000000" pitchFamily="2" charset="2"/>
+              <a:buChar char="§"/>
+            </a:pPr>
             <a:r>
               <a:rPr lang="pt-BR" sz="2000" dirty="0">
                 <a:latin typeface="Times New Roman" panose="02020603050405020304" pitchFamily="18" charset="0"/>
                 <a:cs typeface="Times New Roman" panose="02020603050405020304" pitchFamily="18" charset="0"/>
               </a:rPr>
-              <a:t>Algoritmos e Complexidade</a:t>
-            </a:r>
+              <a:t>Criar outra função que calcula a média de três notas.</a:t>
+            </a:r>
+          </a:p>
+          <a:p>
+            <a:pPr algn="just">
+              <a:buFont typeface="Wingdings" panose="05000000000000000000" pitchFamily="2" charset="2"/>
+              <a:buChar char="§"/>
+            </a:pPr>
+            <a:endParaRPr lang="pt-BR" sz="2000" dirty="0">
+              <a:latin typeface="Times New Roman" panose="02020603050405020304" pitchFamily="18" charset="0"/>
+              <a:cs typeface="Times New Roman" panose="02020603050405020304" pitchFamily="18" charset="0"/>
+            </a:endParaRPr>
+          </a:p>
+          <a:p>
+            <a:pPr marL="0" indent="0" algn="just">
+              <a:buNone/>
+            </a:pPr>
+            <a:endParaRPr lang="pt-BR" sz="2000" dirty="0">
+              <a:latin typeface="Times New Roman" panose="02020603050405020304" pitchFamily="18" charset="0"/>
+              <a:cs typeface="Times New Roman" panose="02020603050405020304" pitchFamily="18" charset="0"/>
+            </a:endParaRPr>
+          </a:p>
+          <a:p>
+            <a:pPr algn="just">
+              <a:buFont typeface="Wingdings" panose="05000000000000000000" pitchFamily="2" charset="2"/>
+              <a:buChar char="§"/>
+            </a:pPr>
             <a:r>
               <a:rPr lang="pt-BR" sz="2000" dirty="0">
-                <a:solidFill>
-                  <a:schemeClr val="tx1"/>
-                </a:solidFill>
-                <a:latin typeface="Times New Roman" panose="02020603050405020304" pitchFamily="18" charset="0"/>
-                <a:cs typeface="Times New Roman" panose="02020603050405020304" pitchFamily="18" charset="0"/>
-              </a:rPr>
-              <a:t> ...</a:t>
-            </a:r>
+                <a:latin typeface="Times New Roman" panose="02020603050405020304" pitchFamily="18" charset="0"/>
+                <a:cs typeface="Times New Roman" panose="02020603050405020304" pitchFamily="18" charset="0"/>
+              </a:rPr>
+              <a:t>Chamar essas funções com diferentes valores e exibir os resultados.</a:t>
+            </a:r>
+            <a:endParaRPr lang="pt-BR" sz="2000" dirty="0">
+              <a:latin typeface="Calibri" panose="020F0502020204030204" pitchFamily="34" charset="0"/>
+            </a:endParaRPr>
           </a:p>
         </p:txBody>
       </p:sp>
     </p:spTree>
     <p:extLst>
       <p:ext uri="{BB962C8B-B14F-4D97-AF65-F5344CB8AC3E}">
-        <p14:creationId xmlns:p14="http://schemas.microsoft.com/office/powerpoint/2010/main" val="1362980025"/>
+        <p14:creationId xmlns:p14="http://schemas.microsoft.com/office/powerpoint/2010/main" val="2470652989"/>
       </p:ext>
     </p:extLst>
   </p:cSld>
@@ -4429,7 +8696,7 @@
 </p:sld>
 </file>
 
-<file path=ppt/slides/slide4.xml><?xml version="1.0" encoding="utf-8"?>
+<file path=ppt/slides/slide21.xml><?xml version="1.0" encoding="utf-8"?>
 <p:sld xmlns:a="http://schemas.openxmlformats.org/drawingml/2006/main" xmlns:r="http://schemas.openxmlformats.org/officeDocument/2006/relationships" xmlns:p="http://schemas.openxmlformats.org/presentationml/2006/main">
   <p:cSld>
     <p:spTree>
@@ -4474,519 +8741,6 @@
                   <a:srgbClr val="0070C0"/>
                 </a:solidFill>
               </a:rPr>
-              <a:t>Leitura</a:t>
-            </a:r>
-            <a:r>
-              <a:rPr lang="en-US" b="1" dirty="0">
-                <a:solidFill>
-                  <a:srgbClr val="0070C0"/>
-                </a:solidFill>
-              </a:rPr>
-              <a:t> </a:t>
-            </a:r>
-            <a:r>
-              <a:rPr lang="en-US" b="1" dirty="0" err="1">
-                <a:solidFill>
-                  <a:srgbClr val="0070C0"/>
-                </a:solidFill>
-              </a:rPr>
-              <a:t>Específica</a:t>
-            </a:r>
-            <a:endParaRPr lang="en-US" b="1" dirty="0">
-              <a:solidFill>
-                <a:srgbClr val="0070C0"/>
-              </a:solidFill>
-            </a:endParaRPr>
-          </a:p>
-        </p:txBody>
-      </p:sp>
-      <p:sp>
-        <p:nvSpPr>
-          <p:cNvPr id="8" name="Text Placeholder 2"/>
-          <p:cNvSpPr>
-            <a:spLocks noGrp="1"/>
-          </p:cNvSpPr>
-          <p:nvPr>
-            <p:ph type="body" sz="half" idx="1"/>
-          </p:nvPr>
-        </p:nvSpPr>
-        <p:spPr>
-          <a:xfrm>
-            <a:off x="142865" y="1200150"/>
-            <a:ext cx="8865056" cy="3737369"/>
-          </a:xfrm>
-        </p:spPr>
-        <p:txBody>
-          <a:bodyPr>
-            <a:noAutofit/>
-          </a:bodyPr>
-          <a:lstStyle/>
-          <a:p>
-            <a:pPr marL="0" indent="0" algn="just">
-              <a:buNone/>
-            </a:pPr>
-            <a:r>
-              <a:rPr lang="pt-BR" sz="2000" dirty="0">
-                <a:latin typeface="Times New Roman" panose="02020603050405020304" pitchFamily="18" charset="0"/>
-                <a:cs typeface="Times New Roman" panose="02020603050405020304" pitchFamily="18" charset="0"/>
-              </a:rPr>
-              <a:t>[1] Algoritmos e Complexidade – Parte 1.</a:t>
-            </a:r>
-          </a:p>
-          <a:p>
-            <a:pPr marL="0" indent="0" algn="just">
-              <a:buNone/>
-            </a:pPr>
-            <a:r>
-              <a:rPr lang="pt-BR" sz="2000" b="1" dirty="0">
-                <a:solidFill>
-                  <a:srgbClr val="FF0000"/>
-                </a:solidFill>
-                <a:latin typeface="Times New Roman" panose="02020603050405020304" pitchFamily="18" charset="0"/>
-                <a:cs typeface="Times New Roman" panose="02020603050405020304" pitchFamily="18" charset="0"/>
-              </a:rPr>
-              <a:t>Disponível em:</a:t>
-            </a:r>
-          </a:p>
-          <a:p>
-            <a:pPr marL="0" indent="0" algn="just">
-              <a:buNone/>
-            </a:pPr>
-            <a:endParaRPr lang="pt-BR" sz="2000" dirty="0">
-              <a:latin typeface="Times New Roman" panose="02020603050405020304" pitchFamily="18" charset="0"/>
-              <a:cs typeface="Times New Roman" panose="02020603050405020304" pitchFamily="18" charset="0"/>
-            </a:endParaRPr>
-          </a:p>
-          <a:p>
-            <a:pPr marL="0" indent="0" algn="just">
-              <a:buNone/>
-            </a:pPr>
-            <a:r>
-              <a:rPr lang="pt-BR" sz="2000" dirty="0">
-                <a:latin typeface="Times New Roman" panose="02020603050405020304" pitchFamily="18" charset="0"/>
-                <a:cs typeface="Times New Roman" panose="02020603050405020304" pitchFamily="18" charset="0"/>
-              </a:rPr>
-              <a:t>[2] Algoritmos e Complexidade – Parte 2. </a:t>
-            </a:r>
-          </a:p>
-          <a:p>
-            <a:pPr marL="0" indent="0" algn="just">
-              <a:buNone/>
-            </a:pPr>
-            <a:r>
-              <a:rPr lang="pt-BR" sz="2000" b="1" dirty="0">
-                <a:solidFill>
-                  <a:srgbClr val="FF0000"/>
-                </a:solidFill>
-                <a:latin typeface="Times New Roman" panose="02020603050405020304" pitchFamily="18" charset="0"/>
-                <a:cs typeface="Times New Roman" panose="02020603050405020304" pitchFamily="18" charset="0"/>
-              </a:rPr>
-              <a:t>Disponível em:</a:t>
-            </a:r>
-            <a:endParaRPr lang="pt-BR" sz="2000" dirty="0">
-              <a:latin typeface="Calibri" panose="020F0502020204030204" pitchFamily="34" charset="0"/>
-            </a:endParaRPr>
-          </a:p>
-        </p:txBody>
-      </p:sp>
-    </p:spTree>
-    <p:extLst>
-      <p:ext uri="{BB962C8B-B14F-4D97-AF65-F5344CB8AC3E}">
-        <p14:creationId xmlns:p14="http://schemas.microsoft.com/office/powerpoint/2010/main" val="3680270425"/>
-      </p:ext>
-    </p:extLst>
-  </p:cSld>
-  <p:clrMapOvr>
-    <a:masterClrMapping/>
-  </p:clrMapOvr>
-  <p:transition spd="med"/>
-</p:sld>
-</file>
-
-<file path=ppt/slides/slide5.xml><?xml version="1.0" encoding="utf-8"?>
-<p:sld xmlns:a="http://schemas.openxmlformats.org/drawingml/2006/main" xmlns:r="http://schemas.openxmlformats.org/officeDocument/2006/relationships" xmlns:p="http://schemas.openxmlformats.org/presentationml/2006/main">
-  <p:cSld>
-    <p:spTree>
-      <p:nvGrpSpPr>
-        <p:cNvPr id="1" name=""/>
-        <p:cNvGrpSpPr/>
-        <p:nvPr/>
-      </p:nvGrpSpPr>
-      <p:grpSpPr>
-        <a:xfrm>
-          <a:off x="0" y="0"/>
-          <a:ext cx="0" cy="0"/>
-          <a:chOff x="0" y="0"/>
-          <a:chExt cx="0" cy="0"/>
-        </a:xfrm>
-      </p:grpSpPr>
-      <p:sp>
-        <p:nvSpPr>
-          <p:cNvPr id="6" name="Title 1"/>
-          <p:cNvSpPr>
-            <a:spLocks noGrp="1"/>
-          </p:cNvSpPr>
-          <p:nvPr>
-            <p:ph type="title"/>
-          </p:nvPr>
-        </p:nvSpPr>
-        <p:spPr>
-          <a:xfrm>
-            <a:off x="457200" y="205980"/>
-            <a:ext cx="8229600" cy="857251"/>
-          </a:xfrm>
-        </p:spPr>
-        <p:txBody>
-          <a:bodyPr>
-            <a:normAutofit/>
-          </a:bodyPr>
-          <a:lstStyle/>
-          <a:p>
-            <a:r>
-              <a:rPr lang="en-US" b="1" dirty="0" err="1">
-                <a:solidFill>
-                  <a:srgbClr val="0070C0"/>
-                </a:solidFill>
-              </a:rPr>
-              <a:t>Aprenda</a:t>
-            </a:r>
-            <a:r>
-              <a:rPr lang="en-US" b="1" dirty="0">
-                <a:solidFill>
-                  <a:srgbClr val="0070C0"/>
-                </a:solidFill>
-              </a:rPr>
-              <a:t>+</a:t>
-            </a:r>
-          </a:p>
-        </p:txBody>
-      </p:sp>
-      <p:sp>
-        <p:nvSpPr>
-          <p:cNvPr id="8" name="Text Placeholder 2"/>
-          <p:cNvSpPr>
-            <a:spLocks noGrp="1"/>
-          </p:cNvSpPr>
-          <p:nvPr>
-            <p:ph type="body" sz="half" idx="1"/>
-          </p:nvPr>
-        </p:nvSpPr>
-        <p:spPr>
-          <a:xfrm>
-            <a:off x="142865" y="1200150"/>
-            <a:ext cx="8865056" cy="3737370"/>
-          </a:xfrm>
-        </p:spPr>
-        <p:txBody>
-          <a:bodyPr>
-            <a:noAutofit/>
-          </a:bodyPr>
-          <a:lstStyle/>
-          <a:p>
-            <a:pPr marL="0" indent="0" algn="just">
-              <a:buNone/>
-            </a:pPr>
-            <a:r>
-              <a:rPr lang="pt-BR" sz="2400" dirty="0">
-                <a:latin typeface="Times New Roman" panose="02020603050405020304" pitchFamily="18" charset="0"/>
-                <a:cs typeface="Times New Roman" panose="02020603050405020304" pitchFamily="18" charset="0"/>
-              </a:rPr>
-              <a:t>[1] Algoritmos e Complexidade – Parte 1</a:t>
-            </a:r>
-          </a:p>
-          <a:p>
-            <a:pPr marL="0" indent="0" algn="just">
-              <a:buNone/>
-            </a:pPr>
-            <a:r>
-              <a:rPr lang="pt-BR" sz="2400" b="1" dirty="0">
-                <a:solidFill>
-                  <a:srgbClr val="FF0000"/>
-                </a:solidFill>
-                <a:latin typeface="Times New Roman" panose="02020603050405020304" pitchFamily="18" charset="0"/>
-                <a:cs typeface="Times New Roman" panose="02020603050405020304" pitchFamily="18" charset="0"/>
-              </a:rPr>
-              <a:t>Disponível em: </a:t>
-            </a:r>
-            <a:r>
-              <a:rPr lang="pt-BR" sz="2400" dirty="0">
-                <a:latin typeface="Times New Roman" panose="02020603050405020304" pitchFamily="18" charset="0"/>
-                <a:cs typeface="Times New Roman" panose="02020603050405020304" pitchFamily="18" charset="0"/>
-                <a:hlinkClick r:id="rId3"/>
-              </a:rPr>
-              <a:t>https://</a:t>
-            </a:r>
-            <a:endParaRPr lang="pt-BR" sz="2400" dirty="0">
-              <a:latin typeface="Times New Roman" panose="02020603050405020304" pitchFamily="18" charset="0"/>
-              <a:cs typeface="Times New Roman" panose="02020603050405020304" pitchFamily="18" charset="0"/>
-            </a:endParaRPr>
-          </a:p>
-          <a:p>
-            <a:pPr marL="0" indent="0" algn="just">
-              <a:buNone/>
-            </a:pPr>
-            <a:endParaRPr lang="pt-BR" sz="2400" dirty="0">
-              <a:latin typeface="Times New Roman" panose="02020603050405020304" pitchFamily="18" charset="0"/>
-              <a:cs typeface="Times New Roman" panose="02020603050405020304" pitchFamily="18" charset="0"/>
-            </a:endParaRPr>
-          </a:p>
-          <a:p>
-            <a:pPr marL="0" indent="0" algn="just">
-              <a:buNone/>
-            </a:pPr>
-            <a:r>
-              <a:rPr lang="pt-BR" sz="2400" dirty="0">
-                <a:latin typeface="Times New Roman" panose="02020603050405020304" pitchFamily="18" charset="0"/>
-                <a:cs typeface="Times New Roman" panose="02020603050405020304" pitchFamily="18" charset="0"/>
-              </a:rPr>
-              <a:t>[2] Algoritmos e Complexidade – Parte 2</a:t>
-            </a:r>
-          </a:p>
-          <a:p>
-            <a:pPr marL="0" indent="0" algn="just">
-              <a:buNone/>
-            </a:pPr>
-            <a:r>
-              <a:rPr lang="pt-BR" sz="2400" b="1" dirty="0">
-                <a:solidFill>
-                  <a:srgbClr val="FF0000"/>
-                </a:solidFill>
-                <a:latin typeface="Times New Roman" panose="02020603050405020304" pitchFamily="18" charset="0"/>
-                <a:cs typeface="Times New Roman" panose="02020603050405020304" pitchFamily="18" charset="0"/>
-              </a:rPr>
-              <a:t>Disponível em: </a:t>
-            </a:r>
-            <a:r>
-              <a:rPr lang="pt-BR" sz="2400" dirty="0">
-                <a:latin typeface="Times New Roman" panose="02020603050405020304" pitchFamily="18" charset="0"/>
-                <a:cs typeface="Times New Roman" panose="02020603050405020304" pitchFamily="18" charset="0"/>
-                <a:hlinkClick r:id="rId4"/>
-              </a:rPr>
-              <a:t>https://</a:t>
-            </a:r>
-            <a:endParaRPr lang="pt-BR" sz="2400" dirty="0">
-              <a:latin typeface="Times New Roman" panose="02020603050405020304" pitchFamily="18" charset="0"/>
-              <a:cs typeface="Times New Roman" panose="02020603050405020304" pitchFamily="18" charset="0"/>
-            </a:endParaRPr>
-          </a:p>
-          <a:p>
-            <a:pPr marL="0" indent="0" algn="just">
-              <a:buNone/>
-            </a:pPr>
-            <a:endParaRPr lang="pt-BR" sz="2400" dirty="0">
-              <a:latin typeface="Times New Roman" panose="02020603050405020304" pitchFamily="18" charset="0"/>
-              <a:cs typeface="Times New Roman" panose="02020603050405020304" pitchFamily="18" charset="0"/>
-            </a:endParaRPr>
-          </a:p>
-        </p:txBody>
-      </p:sp>
-    </p:spTree>
-    <p:extLst>
-      <p:ext uri="{BB962C8B-B14F-4D97-AF65-F5344CB8AC3E}">
-        <p14:creationId xmlns:p14="http://schemas.microsoft.com/office/powerpoint/2010/main" val="2747596967"/>
-      </p:ext>
-    </p:extLst>
-  </p:cSld>
-  <p:clrMapOvr>
-    <a:masterClrMapping/>
-  </p:clrMapOvr>
-  <p:transition spd="med"/>
-</p:sld>
-</file>
-
-<file path=ppt/slides/slide6.xml><?xml version="1.0" encoding="utf-8"?>
-<p:sld xmlns:a="http://schemas.openxmlformats.org/drawingml/2006/main" xmlns:r="http://schemas.openxmlformats.org/officeDocument/2006/relationships" xmlns:p="http://schemas.openxmlformats.org/presentationml/2006/main">
-  <p:cSld>
-    <p:spTree>
-      <p:nvGrpSpPr>
-        <p:cNvPr id="1" name=""/>
-        <p:cNvGrpSpPr/>
-        <p:nvPr/>
-      </p:nvGrpSpPr>
-      <p:grpSpPr>
-        <a:xfrm>
-          <a:off x="0" y="0"/>
-          <a:ext cx="0" cy="0"/>
-          <a:chOff x="0" y="0"/>
-          <a:chExt cx="0" cy="0"/>
-        </a:xfrm>
-      </p:grpSpPr>
-      <p:sp>
-        <p:nvSpPr>
-          <p:cNvPr id="6" name="Title 1"/>
-          <p:cNvSpPr>
-            <a:spLocks noGrp="1"/>
-          </p:cNvSpPr>
-          <p:nvPr>
-            <p:ph type="title"/>
-          </p:nvPr>
-        </p:nvSpPr>
-        <p:spPr>
-          <a:xfrm>
-            <a:off x="457200" y="205980"/>
-            <a:ext cx="8229600" cy="857251"/>
-          </a:xfrm>
-        </p:spPr>
-        <p:txBody>
-          <a:bodyPr>
-            <a:normAutofit/>
-          </a:bodyPr>
-          <a:lstStyle/>
-          <a:p>
-            <a:r>
-              <a:rPr lang="en-US" b="1" dirty="0" err="1">
-                <a:solidFill>
-                  <a:srgbClr val="0070C0"/>
-                </a:solidFill>
-              </a:rPr>
-              <a:t>Dinâmica</a:t>
-            </a:r>
-            <a:r>
-              <a:rPr lang="en-US" b="1" dirty="0">
-                <a:solidFill>
-                  <a:srgbClr val="0070C0"/>
-                </a:solidFill>
-              </a:rPr>
-              <a:t>/</a:t>
-            </a:r>
-            <a:r>
-              <a:rPr lang="en-US" b="1" dirty="0" err="1">
-                <a:solidFill>
-                  <a:srgbClr val="0070C0"/>
-                </a:solidFill>
-              </a:rPr>
-              <a:t>Atividades</a:t>
-            </a:r>
-            <a:endParaRPr lang="en-US" b="1" dirty="0">
-              <a:solidFill>
-                <a:srgbClr val="0070C0"/>
-              </a:solidFill>
-            </a:endParaRPr>
-          </a:p>
-        </p:txBody>
-      </p:sp>
-      <p:sp>
-        <p:nvSpPr>
-          <p:cNvPr id="8" name="Text Placeholder 2"/>
-          <p:cNvSpPr>
-            <a:spLocks noGrp="1"/>
-          </p:cNvSpPr>
-          <p:nvPr>
-            <p:ph type="body" sz="half" idx="1"/>
-          </p:nvPr>
-        </p:nvSpPr>
-        <p:spPr>
-          <a:xfrm>
-            <a:off x="139472" y="1063230"/>
-            <a:ext cx="8865056" cy="3606305"/>
-          </a:xfrm>
-        </p:spPr>
-        <p:txBody>
-          <a:bodyPr>
-            <a:noAutofit/>
-          </a:bodyPr>
-          <a:lstStyle/>
-          <a:p>
-            <a:pPr algn="just">
-              <a:buFont typeface="Wingdings" panose="05000000000000000000" pitchFamily="2" charset="2"/>
-              <a:buChar char="§"/>
-            </a:pPr>
-            <a:r>
-              <a:rPr lang="pt-BR" dirty="0">
-                <a:latin typeface="Times New Roman" panose="02020603050405020304" pitchFamily="18" charset="0"/>
-                <a:cs typeface="Times New Roman" panose="02020603050405020304" pitchFamily="18" charset="0"/>
-              </a:rPr>
-              <a:t>	Exercícios (Atividade Verificadora de Aprendizagem)</a:t>
-            </a:r>
-          </a:p>
-          <a:p>
-            <a:pPr marL="0" indent="0" algn="just">
-              <a:buNone/>
-            </a:pPr>
-            <a:r>
-              <a:rPr lang="pt-BR" dirty="0">
-                <a:latin typeface="Times New Roman" panose="02020603050405020304" pitchFamily="18" charset="0"/>
-                <a:cs typeface="Times New Roman" panose="02020603050405020304" pitchFamily="18" charset="0"/>
-              </a:rPr>
-              <a:t> </a:t>
-            </a:r>
-            <a:r>
-              <a:rPr lang="pt-BR" sz="2400" dirty="0">
-                <a:latin typeface="Times New Roman" panose="02020603050405020304" pitchFamily="18" charset="0"/>
-                <a:cs typeface="Times New Roman" panose="02020603050405020304" pitchFamily="18" charset="0"/>
-              </a:rPr>
-              <a:t>	</a:t>
-            </a:r>
-          </a:p>
-          <a:p>
-            <a:pPr marL="0" indent="0" algn="just">
-              <a:buNone/>
-            </a:pPr>
-            <a:endParaRPr lang="pt-BR" sz="2000" dirty="0">
-              <a:latin typeface="Calibri" panose="020F0502020204030204" pitchFamily="34" charset="0"/>
-            </a:endParaRPr>
-          </a:p>
-        </p:txBody>
-      </p:sp>
-    </p:spTree>
-    <p:extLst>
-      <p:ext uri="{BB962C8B-B14F-4D97-AF65-F5344CB8AC3E}">
-        <p14:creationId xmlns:p14="http://schemas.microsoft.com/office/powerpoint/2010/main" val="2470652989"/>
-      </p:ext>
-    </p:extLst>
-  </p:cSld>
-  <p:clrMapOvr>
-    <a:masterClrMapping/>
-  </p:clrMapOvr>
-  <p:transition spd="med"/>
-</p:sld>
-</file>
-
-<file path=ppt/slides/slide7.xml><?xml version="1.0" encoding="utf-8"?>
-<p:sld xmlns:a="http://schemas.openxmlformats.org/drawingml/2006/main" xmlns:r="http://schemas.openxmlformats.org/officeDocument/2006/relationships" xmlns:p="http://schemas.openxmlformats.org/presentationml/2006/main">
-  <p:cSld>
-    <p:spTree>
-      <p:nvGrpSpPr>
-        <p:cNvPr id="1" name=""/>
-        <p:cNvGrpSpPr/>
-        <p:nvPr/>
-      </p:nvGrpSpPr>
-      <p:grpSpPr>
-        <a:xfrm>
-          <a:off x="0" y="0"/>
-          <a:ext cx="0" cy="0"/>
-          <a:chOff x="0" y="0"/>
-          <a:chExt cx="0" cy="0"/>
-        </a:xfrm>
-      </p:grpSpPr>
-      <p:sp>
-        <p:nvSpPr>
-          <p:cNvPr id="6" name="Title 1"/>
-          <p:cNvSpPr>
-            <a:spLocks noGrp="1"/>
-          </p:cNvSpPr>
-          <p:nvPr>
-            <p:ph type="title"/>
-          </p:nvPr>
-        </p:nvSpPr>
-        <p:spPr>
-          <a:xfrm>
-            <a:off x="457200" y="205980"/>
-            <a:ext cx="8229600" cy="857251"/>
-          </a:xfrm>
-        </p:spPr>
-        <p:txBody>
-          <a:bodyPr>
-            <a:normAutofit/>
-          </a:bodyPr>
-          <a:lstStyle/>
-          <a:p>
-            <a:r>
-              <a:rPr lang="en-US" b="1" dirty="0" err="1">
-                <a:solidFill>
-                  <a:srgbClr val="0070C0"/>
-                </a:solidFill>
-              </a:rPr>
               <a:t>Referências</a:t>
             </a:r>
             <a:r>
@@ -5088,7 +8842,7 @@
 </p:sld>
 </file>
 
-<file path=ppt/slides/slide8.xml><?xml version="1.0" encoding="utf-8"?>
+<file path=ppt/slides/slide22.xml><?xml version="1.0" encoding="utf-8"?>
 <p:sld xmlns:a="http://schemas.openxmlformats.org/drawingml/2006/main" xmlns:r="http://schemas.openxmlformats.org/officeDocument/2006/relationships" xmlns:p="http://schemas.openxmlformats.org/presentationml/2006/main">
   <p:cSld>
     <p:spTree>
@@ -5535,6 +9289,1727 @@
         </p:spPr>
       </p:pic>
     </p:spTree>
+  </p:cSld>
+  <p:clrMapOvr>
+    <a:masterClrMapping/>
+  </p:clrMapOvr>
+  <p:transition spd="med"/>
+</p:sld>
+</file>
+
+<file path=ppt/slides/slide3.xml><?xml version="1.0" encoding="utf-8"?>
+<p:sld xmlns:a="http://schemas.openxmlformats.org/drawingml/2006/main" xmlns:r="http://schemas.openxmlformats.org/officeDocument/2006/relationships" xmlns:p="http://schemas.openxmlformats.org/presentationml/2006/main">
+  <p:cSld>
+    <p:spTree>
+      <p:nvGrpSpPr>
+        <p:cNvPr id="1" name=""/>
+        <p:cNvGrpSpPr/>
+        <p:nvPr/>
+      </p:nvGrpSpPr>
+      <p:grpSpPr>
+        <a:xfrm>
+          <a:off x="0" y="0"/>
+          <a:ext cx="0" cy="0"/>
+          <a:chOff x="0" y="0"/>
+          <a:chExt cx="0" cy="0"/>
+        </a:xfrm>
+      </p:grpSpPr>
+      <p:sp>
+        <p:nvSpPr>
+          <p:cNvPr id="6" name="Title 1"/>
+          <p:cNvSpPr>
+            <a:spLocks noGrp="1"/>
+          </p:cNvSpPr>
+          <p:nvPr>
+            <p:ph type="title"/>
+          </p:nvPr>
+        </p:nvSpPr>
+        <p:spPr>
+          <a:xfrm>
+            <a:off x="457200" y="205980"/>
+            <a:ext cx="8229600" cy="857251"/>
+          </a:xfrm>
+        </p:spPr>
+        <p:txBody>
+          <a:bodyPr>
+            <a:normAutofit/>
+          </a:bodyPr>
+          <a:lstStyle/>
+          <a:p>
+            <a:r>
+              <a:rPr lang="en-US" b="1" dirty="0" err="1">
+                <a:solidFill>
+                  <a:srgbClr val="0070C0"/>
+                </a:solidFill>
+              </a:rPr>
+              <a:t>Conceito</a:t>
+            </a:r>
+            <a:endParaRPr lang="en-US" b="1" dirty="0">
+              <a:solidFill>
+                <a:srgbClr val="0070C0"/>
+              </a:solidFill>
+            </a:endParaRPr>
+          </a:p>
+        </p:txBody>
+      </p:sp>
+      <p:sp>
+        <p:nvSpPr>
+          <p:cNvPr id="8" name="Text Placeholder 2"/>
+          <p:cNvSpPr>
+            <a:spLocks noGrp="1"/>
+          </p:cNvSpPr>
+          <p:nvPr>
+            <p:ph type="body" sz="half" idx="1"/>
+          </p:nvPr>
+        </p:nvSpPr>
+        <p:spPr>
+          <a:xfrm>
+            <a:off x="142865" y="1200150"/>
+            <a:ext cx="8865056" cy="3737370"/>
+          </a:xfrm>
+        </p:spPr>
+        <p:txBody>
+          <a:bodyPr>
+            <a:noAutofit/>
+          </a:bodyPr>
+          <a:lstStyle/>
+          <a:p>
+            <a:pPr marL="0" indent="0" algn="just">
+              <a:buNone/>
+            </a:pPr>
+            <a:r>
+              <a:rPr lang="pt-BR" sz="2000" dirty="0">
+                <a:latin typeface="Times New Roman" panose="02020603050405020304" pitchFamily="18" charset="0"/>
+                <a:cs typeface="Times New Roman" panose="02020603050405020304" pitchFamily="18" charset="0"/>
+              </a:rPr>
+              <a:t>Um </a:t>
+            </a:r>
+            <a:r>
+              <a:rPr lang="pt-BR" sz="2000" b="1" dirty="0">
+                <a:latin typeface="Times New Roman" panose="02020603050405020304" pitchFamily="18" charset="0"/>
+                <a:cs typeface="Times New Roman" panose="02020603050405020304" pitchFamily="18" charset="0"/>
+              </a:rPr>
+              <a:t>algoritmo</a:t>
+            </a:r>
+            <a:r>
+              <a:rPr lang="pt-BR" sz="2000" dirty="0">
+                <a:latin typeface="Times New Roman" panose="02020603050405020304" pitchFamily="18" charset="0"/>
+                <a:cs typeface="Times New Roman" panose="02020603050405020304" pitchFamily="18" charset="0"/>
+              </a:rPr>
+              <a:t> é um conjunto finito de passos bem definidos e ordenados, projetado para realizar uma tarefa específica ou resolver um problema. Ele deve ser:</a:t>
+            </a:r>
+          </a:p>
+          <a:p>
+            <a:pPr marL="0" indent="0" algn="just">
+              <a:buNone/>
+            </a:pPr>
+            <a:endParaRPr lang="pt-BR" sz="2000" dirty="0">
+              <a:latin typeface="Times New Roman" panose="02020603050405020304" pitchFamily="18" charset="0"/>
+              <a:cs typeface="Times New Roman" panose="02020603050405020304" pitchFamily="18" charset="0"/>
+            </a:endParaRPr>
+          </a:p>
+          <a:p>
+            <a:pPr algn="just">
+              <a:buFont typeface="Wingdings" panose="05000000000000000000" pitchFamily="2" charset="2"/>
+              <a:buChar char="ü"/>
+            </a:pPr>
+            <a:r>
+              <a:rPr lang="pt-BR" sz="2000" dirty="0">
+                <a:latin typeface="Times New Roman" panose="02020603050405020304" pitchFamily="18" charset="0"/>
+                <a:cs typeface="Times New Roman" panose="02020603050405020304" pitchFamily="18" charset="0"/>
+              </a:rPr>
+              <a:t>Finito: deve terminar após um número limitado de etapas;</a:t>
+            </a:r>
+          </a:p>
+          <a:p>
+            <a:pPr algn="just">
+              <a:buFont typeface="Wingdings" panose="05000000000000000000" pitchFamily="2" charset="2"/>
+              <a:buChar char="ü"/>
+            </a:pPr>
+            <a:r>
+              <a:rPr lang="pt-BR" sz="2000" dirty="0">
+                <a:latin typeface="Times New Roman" panose="02020603050405020304" pitchFamily="18" charset="0"/>
+                <a:cs typeface="Times New Roman" panose="02020603050405020304" pitchFamily="18" charset="0"/>
+              </a:rPr>
+              <a:t>Bem definido: cada passo é claro e sem ambiguidade;</a:t>
+            </a:r>
+          </a:p>
+          <a:p>
+            <a:pPr algn="just">
+              <a:buFont typeface="Wingdings" panose="05000000000000000000" pitchFamily="2" charset="2"/>
+              <a:buChar char="ü"/>
+            </a:pPr>
+            <a:r>
+              <a:rPr lang="pt-BR" sz="2000" dirty="0">
+                <a:latin typeface="Times New Roman" panose="02020603050405020304" pitchFamily="18" charset="0"/>
+                <a:cs typeface="Times New Roman" panose="02020603050405020304" pitchFamily="18" charset="0"/>
+              </a:rPr>
+              <a:t>Eficiente: idealmente, resolve o problema no menor tempo e uso de recursos possível.</a:t>
+            </a:r>
+          </a:p>
+          <a:p>
+            <a:pPr algn="just">
+              <a:buFont typeface="Wingdings" panose="05000000000000000000" pitchFamily="2" charset="2"/>
+              <a:buChar char="ü"/>
+            </a:pPr>
+            <a:endParaRPr lang="pt-BR" sz="2000" dirty="0">
+              <a:latin typeface="Times New Roman" panose="02020603050405020304" pitchFamily="18" charset="0"/>
+              <a:cs typeface="Times New Roman" panose="02020603050405020304" pitchFamily="18" charset="0"/>
+            </a:endParaRPr>
+          </a:p>
+          <a:p>
+            <a:pPr marL="0" indent="0" algn="just">
+              <a:buNone/>
+            </a:pPr>
+            <a:r>
+              <a:rPr lang="pt-BR" sz="2000" b="1" dirty="0">
+                <a:solidFill>
+                  <a:srgbClr val="FF0000"/>
+                </a:solidFill>
+                <a:latin typeface="Times New Roman" panose="02020603050405020304" pitchFamily="18" charset="0"/>
+                <a:cs typeface="Times New Roman" panose="02020603050405020304" pitchFamily="18" charset="0"/>
+              </a:rPr>
+              <a:t>Exemplo simples</a:t>
+            </a:r>
+            <a:r>
+              <a:rPr lang="pt-BR" sz="2000" dirty="0">
+                <a:latin typeface="Times New Roman" panose="02020603050405020304" pitchFamily="18" charset="0"/>
+                <a:cs typeface="Times New Roman" panose="02020603050405020304" pitchFamily="18" charset="0"/>
+              </a:rPr>
+              <a:t>: um algoritmo para somar dois números.</a:t>
+            </a:r>
+            <a:endParaRPr lang="pt-BR" sz="2000" dirty="0">
+              <a:solidFill>
+                <a:schemeClr val="tx1"/>
+              </a:solidFill>
+              <a:latin typeface="Times New Roman" panose="02020603050405020304" pitchFamily="18" charset="0"/>
+              <a:cs typeface="Times New Roman" panose="02020603050405020304" pitchFamily="18" charset="0"/>
+            </a:endParaRPr>
+          </a:p>
+        </p:txBody>
+      </p:sp>
+    </p:spTree>
+    <p:extLst>
+      <p:ext uri="{BB962C8B-B14F-4D97-AF65-F5344CB8AC3E}">
+        <p14:creationId xmlns:p14="http://schemas.microsoft.com/office/powerpoint/2010/main" val="1362980025"/>
+      </p:ext>
+    </p:extLst>
+  </p:cSld>
+  <p:clrMapOvr>
+    <a:masterClrMapping/>
+  </p:clrMapOvr>
+  <p:transition spd="med"/>
+</p:sld>
+</file>
+
+<file path=ppt/slides/slide4.xml><?xml version="1.0" encoding="utf-8"?>
+<p:sld xmlns:a="http://schemas.openxmlformats.org/drawingml/2006/main" xmlns:r="http://schemas.openxmlformats.org/officeDocument/2006/relationships" xmlns:p="http://schemas.openxmlformats.org/presentationml/2006/main">
+  <p:cSld>
+    <p:spTree>
+      <p:nvGrpSpPr>
+        <p:cNvPr id="1" name="">
+          <a:extLst>
+            <a:ext uri="{FF2B5EF4-FFF2-40B4-BE49-F238E27FC236}">
+              <a16:creationId xmlns:a16="http://schemas.microsoft.com/office/drawing/2014/main" id="{26F55D63-BDFE-A199-86B8-8539185A3587}"/>
+            </a:ext>
+          </a:extLst>
+        </p:cNvPr>
+        <p:cNvGrpSpPr/>
+        <p:nvPr/>
+      </p:nvGrpSpPr>
+      <p:grpSpPr>
+        <a:xfrm>
+          <a:off x="0" y="0"/>
+          <a:ext cx="0" cy="0"/>
+          <a:chOff x="0" y="0"/>
+          <a:chExt cx="0" cy="0"/>
+        </a:xfrm>
+      </p:grpSpPr>
+      <p:sp>
+        <p:nvSpPr>
+          <p:cNvPr id="6" name="Title 1">
+            <a:extLst>
+              <a:ext uri="{FF2B5EF4-FFF2-40B4-BE49-F238E27FC236}">
+                <a16:creationId xmlns:a16="http://schemas.microsoft.com/office/drawing/2014/main" id="{65459C85-36C2-7645-08B1-DF810C86171F}"/>
+              </a:ext>
+            </a:extLst>
+          </p:cNvPr>
+          <p:cNvSpPr>
+            <a:spLocks noGrp="1"/>
+          </p:cNvSpPr>
+          <p:nvPr>
+            <p:ph type="title"/>
+          </p:nvPr>
+        </p:nvSpPr>
+        <p:spPr>
+          <a:xfrm>
+            <a:off x="457200" y="205980"/>
+            <a:ext cx="8229600" cy="857251"/>
+          </a:xfrm>
+        </p:spPr>
+        <p:txBody>
+          <a:bodyPr>
+            <a:normAutofit/>
+          </a:bodyPr>
+          <a:lstStyle/>
+          <a:p>
+            <a:r>
+              <a:rPr lang="en-US" b="1" dirty="0" err="1">
+                <a:solidFill>
+                  <a:srgbClr val="0070C0"/>
+                </a:solidFill>
+              </a:rPr>
+              <a:t>Complexidade</a:t>
+            </a:r>
+            <a:endParaRPr lang="en-US" b="1" dirty="0">
+              <a:solidFill>
+                <a:srgbClr val="0070C0"/>
+              </a:solidFill>
+            </a:endParaRPr>
+          </a:p>
+        </p:txBody>
+      </p:sp>
+      <p:sp>
+        <p:nvSpPr>
+          <p:cNvPr id="8" name="Text Placeholder 2">
+            <a:extLst>
+              <a:ext uri="{FF2B5EF4-FFF2-40B4-BE49-F238E27FC236}">
+                <a16:creationId xmlns:a16="http://schemas.microsoft.com/office/drawing/2014/main" id="{4FF5A88D-40D3-43F8-BF14-7BF8CDFAA190}"/>
+              </a:ext>
+            </a:extLst>
+          </p:cNvPr>
+          <p:cNvSpPr>
+            <a:spLocks noGrp="1"/>
+          </p:cNvSpPr>
+          <p:nvPr>
+            <p:ph type="body" sz="half" idx="1"/>
+          </p:nvPr>
+        </p:nvSpPr>
+        <p:spPr>
+          <a:xfrm>
+            <a:off x="142865" y="1200150"/>
+            <a:ext cx="8865056" cy="3737370"/>
+          </a:xfrm>
+        </p:spPr>
+        <p:txBody>
+          <a:bodyPr>
+            <a:noAutofit/>
+          </a:bodyPr>
+          <a:lstStyle/>
+          <a:p>
+            <a:pPr marL="0" indent="0" algn="just">
+              <a:buNone/>
+            </a:pPr>
+            <a:r>
+              <a:rPr lang="pt-BR" sz="2000" dirty="0">
+                <a:latin typeface="Times New Roman" panose="02020603050405020304" pitchFamily="18" charset="0"/>
+                <a:cs typeface="Times New Roman" panose="02020603050405020304" pitchFamily="18" charset="0"/>
+              </a:rPr>
+              <a:t>A </a:t>
+            </a:r>
+            <a:r>
+              <a:rPr lang="pt-BR" sz="2000" b="1" dirty="0">
+                <a:solidFill>
+                  <a:srgbClr val="FF0000"/>
+                </a:solidFill>
+                <a:latin typeface="Times New Roman" panose="02020603050405020304" pitchFamily="18" charset="0"/>
+                <a:cs typeface="Times New Roman" panose="02020603050405020304" pitchFamily="18" charset="0"/>
+              </a:rPr>
+              <a:t>complexidade</a:t>
+            </a:r>
+            <a:r>
+              <a:rPr lang="pt-BR" sz="2000" dirty="0">
+                <a:latin typeface="Times New Roman" panose="02020603050405020304" pitchFamily="18" charset="0"/>
+                <a:cs typeface="Times New Roman" panose="02020603050405020304" pitchFamily="18" charset="0"/>
+              </a:rPr>
+              <a:t> de um algoritmo mede o custo computacional de sua execução, geralmente em termos de:</a:t>
+            </a:r>
+          </a:p>
+          <a:p>
+            <a:pPr marL="0" indent="0" algn="just">
+              <a:buNone/>
+            </a:pPr>
+            <a:endParaRPr lang="pt-BR" sz="2000" dirty="0">
+              <a:latin typeface="Times New Roman" panose="02020603050405020304" pitchFamily="18" charset="0"/>
+              <a:cs typeface="Times New Roman" panose="02020603050405020304" pitchFamily="18" charset="0"/>
+            </a:endParaRPr>
+          </a:p>
+          <a:p>
+            <a:pPr algn="just">
+              <a:buFont typeface="Wingdings" panose="05000000000000000000" pitchFamily="2" charset="2"/>
+              <a:buChar char="ü"/>
+            </a:pPr>
+            <a:r>
+              <a:rPr lang="pt-BR" sz="2000" dirty="0">
+                <a:latin typeface="Times New Roman" panose="02020603050405020304" pitchFamily="18" charset="0"/>
+                <a:cs typeface="Times New Roman" panose="02020603050405020304" pitchFamily="18" charset="0"/>
+              </a:rPr>
+              <a:t>Tempo (</a:t>
+            </a:r>
+            <a:r>
+              <a:rPr lang="pt-BR" sz="2000" b="1" dirty="0">
+                <a:latin typeface="Times New Roman" panose="02020603050405020304" pitchFamily="18" charset="0"/>
+                <a:cs typeface="Times New Roman" panose="02020603050405020304" pitchFamily="18" charset="0"/>
+              </a:rPr>
+              <a:t>complexidade de tempo</a:t>
+            </a:r>
+            <a:r>
+              <a:rPr lang="pt-BR" sz="2000" dirty="0">
+                <a:latin typeface="Times New Roman" panose="02020603050405020304" pitchFamily="18" charset="0"/>
+                <a:cs typeface="Times New Roman" panose="02020603050405020304" pitchFamily="18" charset="0"/>
+              </a:rPr>
+              <a:t>): quantos passos são necessários à medida que o tamanho da entrada cresce.</a:t>
+            </a:r>
+          </a:p>
+          <a:p>
+            <a:pPr algn="just">
+              <a:buFont typeface="Wingdings" panose="05000000000000000000" pitchFamily="2" charset="2"/>
+              <a:buChar char="ü"/>
+            </a:pPr>
+            <a:endParaRPr lang="pt-BR" sz="2000" dirty="0">
+              <a:latin typeface="Times New Roman" panose="02020603050405020304" pitchFamily="18" charset="0"/>
+              <a:cs typeface="Times New Roman" panose="02020603050405020304" pitchFamily="18" charset="0"/>
+            </a:endParaRPr>
+          </a:p>
+          <a:p>
+            <a:pPr algn="just">
+              <a:buFont typeface="Wingdings" panose="05000000000000000000" pitchFamily="2" charset="2"/>
+              <a:buChar char="ü"/>
+            </a:pPr>
+            <a:r>
+              <a:rPr lang="pt-BR" sz="2000" dirty="0">
+                <a:latin typeface="Times New Roman" panose="02020603050405020304" pitchFamily="18" charset="0"/>
+                <a:cs typeface="Times New Roman" panose="02020603050405020304" pitchFamily="18" charset="0"/>
+              </a:rPr>
+              <a:t>Espaço (</a:t>
+            </a:r>
+            <a:r>
+              <a:rPr lang="pt-BR" sz="2000" b="1" dirty="0">
+                <a:solidFill>
+                  <a:srgbClr val="FF0000"/>
+                </a:solidFill>
+                <a:latin typeface="Times New Roman" panose="02020603050405020304" pitchFamily="18" charset="0"/>
+                <a:cs typeface="Times New Roman" panose="02020603050405020304" pitchFamily="18" charset="0"/>
+              </a:rPr>
+              <a:t>complexidade de espaço</a:t>
+            </a:r>
+            <a:r>
+              <a:rPr lang="pt-BR" sz="2000" dirty="0">
+                <a:latin typeface="Times New Roman" panose="02020603050405020304" pitchFamily="18" charset="0"/>
+                <a:cs typeface="Times New Roman" panose="02020603050405020304" pitchFamily="18" charset="0"/>
+              </a:rPr>
+              <a:t>): quanta memória é necessária para o algoritmo funcionar.</a:t>
+            </a:r>
+          </a:p>
+          <a:p>
+            <a:pPr algn="just">
+              <a:buFont typeface="Wingdings" panose="05000000000000000000" pitchFamily="2" charset="2"/>
+              <a:buChar char="ü"/>
+            </a:pPr>
+            <a:endParaRPr lang="pt-BR" sz="2000" dirty="0">
+              <a:latin typeface="Times New Roman" panose="02020603050405020304" pitchFamily="18" charset="0"/>
+              <a:cs typeface="Times New Roman" panose="02020603050405020304" pitchFamily="18" charset="0"/>
+            </a:endParaRPr>
+          </a:p>
+          <a:p>
+            <a:pPr marL="0" indent="0" algn="just">
+              <a:buNone/>
+            </a:pPr>
+            <a:endParaRPr lang="pt-BR" sz="2000" dirty="0">
+              <a:solidFill>
+                <a:schemeClr val="tx1"/>
+              </a:solidFill>
+              <a:latin typeface="Times New Roman" panose="02020603050405020304" pitchFamily="18" charset="0"/>
+              <a:cs typeface="Times New Roman" panose="02020603050405020304" pitchFamily="18" charset="0"/>
+            </a:endParaRPr>
+          </a:p>
+        </p:txBody>
+      </p:sp>
+    </p:spTree>
+    <p:extLst>
+      <p:ext uri="{BB962C8B-B14F-4D97-AF65-F5344CB8AC3E}">
+        <p14:creationId xmlns:p14="http://schemas.microsoft.com/office/powerpoint/2010/main" val="2297511122"/>
+      </p:ext>
+    </p:extLst>
+  </p:cSld>
+  <p:clrMapOvr>
+    <a:masterClrMapping/>
+  </p:clrMapOvr>
+  <p:transition spd="med"/>
+</p:sld>
+</file>
+
+<file path=ppt/slides/slide5.xml><?xml version="1.0" encoding="utf-8"?>
+<p:sld xmlns:a="http://schemas.openxmlformats.org/drawingml/2006/main" xmlns:r="http://schemas.openxmlformats.org/officeDocument/2006/relationships" xmlns:p="http://schemas.openxmlformats.org/presentationml/2006/main">
+  <p:cSld>
+    <p:spTree>
+      <p:nvGrpSpPr>
+        <p:cNvPr id="1" name="">
+          <a:extLst>
+            <a:ext uri="{FF2B5EF4-FFF2-40B4-BE49-F238E27FC236}">
+              <a16:creationId xmlns:a16="http://schemas.microsoft.com/office/drawing/2014/main" id="{53D85B99-D777-02FA-4926-CAA0BF278495}"/>
+            </a:ext>
+          </a:extLst>
+        </p:cNvPr>
+        <p:cNvGrpSpPr/>
+        <p:nvPr/>
+      </p:nvGrpSpPr>
+      <p:grpSpPr>
+        <a:xfrm>
+          <a:off x="0" y="0"/>
+          <a:ext cx="0" cy="0"/>
+          <a:chOff x="0" y="0"/>
+          <a:chExt cx="0" cy="0"/>
+        </a:xfrm>
+      </p:grpSpPr>
+      <p:sp>
+        <p:nvSpPr>
+          <p:cNvPr id="6" name="Title 1">
+            <a:extLst>
+              <a:ext uri="{FF2B5EF4-FFF2-40B4-BE49-F238E27FC236}">
+                <a16:creationId xmlns:a16="http://schemas.microsoft.com/office/drawing/2014/main" id="{7F676157-CCA0-38F8-BC47-00B69DF01628}"/>
+              </a:ext>
+            </a:extLst>
+          </p:cNvPr>
+          <p:cNvSpPr>
+            <a:spLocks noGrp="1"/>
+          </p:cNvSpPr>
+          <p:nvPr>
+            <p:ph type="title"/>
+          </p:nvPr>
+        </p:nvSpPr>
+        <p:spPr>
+          <a:xfrm>
+            <a:off x="457200" y="205980"/>
+            <a:ext cx="8229600" cy="857251"/>
+          </a:xfrm>
+        </p:spPr>
+        <p:txBody>
+          <a:bodyPr>
+            <a:normAutofit/>
+          </a:bodyPr>
+          <a:lstStyle/>
+          <a:p>
+            <a:r>
+              <a:rPr lang="en-US" b="1" dirty="0" err="1">
+                <a:solidFill>
+                  <a:srgbClr val="0070C0"/>
+                </a:solidFill>
+              </a:rPr>
+              <a:t>Complexidade</a:t>
+            </a:r>
+            <a:endParaRPr lang="en-US" b="1" dirty="0">
+              <a:solidFill>
+                <a:srgbClr val="0070C0"/>
+              </a:solidFill>
+            </a:endParaRPr>
+          </a:p>
+        </p:txBody>
+      </p:sp>
+      <p:sp>
+        <p:nvSpPr>
+          <p:cNvPr id="8" name="Text Placeholder 2">
+            <a:extLst>
+              <a:ext uri="{FF2B5EF4-FFF2-40B4-BE49-F238E27FC236}">
+                <a16:creationId xmlns:a16="http://schemas.microsoft.com/office/drawing/2014/main" id="{61AD715C-040F-6D88-ADB0-779328C8A8CD}"/>
+              </a:ext>
+            </a:extLst>
+          </p:cNvPr>
+          <p:cNvSpPr>
+            <a:spLocks noGrp="1"/>
+          </p:cNvSpPr>
+          <p:nvPr>
+            <p:ph type="body" sz="half" idx="1"/>
+          </p:nvPr>
+        </p:nvSpPr>
+        <p:spPr>
+          <a:xfrm>
+            <a:off x="142865" y="1200150"/>
+            <a:ext cx="8865056" cy="3737370"/>
+          </a:xfrm>
+        </p:spPr>
+        <p:txBody>
+          <a:bodyPr>
+            <a:noAutofit/>
+          </a:bodyPr>
+          <a:lstStyle/>
+          <a:p>
+            <a:pPr marL="0" indent="0" algn="just">
+              <a:buNone/>
+            </a:pPr>
+            <a:r>
+              <a:rPr lang="pt-BR" sz="2000" dirty="0">
+                <a:latin typeface="Times New Roman" panose="02020603050405020304" pitchFamily="18" charset="0"/>
+                <a:cs typeface="Times New Roman" panose="02020603050405020304" pitchFamily="18" charset="0"/>
+              </a:rPr>
+              <a:t>Essas medidas são expressas frequentemente em notação assintótica, como:</a:t>
+            </a:r>
+          </a:p>
+          <a:p>
+            <a:pPr marL="0" indent="0" algn="just">
+              <a:buNone/>
+            </a:pPr>
+            <a:endParaRPr lang="pt-BR" sz="2000" dirty="0">
+              <a:latin typeface="Times New Roman" panose="02020603050405020304" pitchFamily="18" charset="0"/>
+              <a:cs typeface="Times New Roman" panose="02020603050405020304" pitchFamily="18" charset="0"/>
+            </a:endParaRPr>
+          </a:p>
+          <a:p>
+            <a:pPr algn="just">
+              <a:buFont typeface="Wingdings" panose="05000000000000000000" pitchFamily="2" charset="2"/>
+              <a:buChar char="ü"/>
+            </a:pPr>
+            <a:r>
+              <a:rPr lang="pt-BR" sz="2000" dirty="0">
+                <a:latin typeface="Times New Roman" panose="02020603050405020304" pitchFamily="18" charset="0"/>
+                <a:cs typeface="Times New Roman" panose="02020603050405020304" pitchFamily="18" charset="0"/>
+              </a:rPr>
+              <a:t>O(1) – constante</a:t>
+            </a:r>
+          </a:p>
+          <a:p>
+            <a:pPr algn="just">
+              <a:buFont typeface="Wingdings" panose="05000000000000000000" pitchFamily="2" charset="2"/>
+              <a:buChar char="ü"/>
+            </a:pPr>
+            <a:r>
+              <a:rPr lang="pt-BR" sz="2000" dirty="0">
+                <a:latin typeface="Times New Roman" panose="02020603050405020304" pitchFamily="18" charset="0"/>
+                <a:cs typeface="Times New Roman" panose="02020603050405020304" pitchFamily="18" charset="0"/>
+              </a:rPr>
+              <a:t>O(log n) – logarítmica</a:t>
+            </a:r>
+          </a:p>
+          <a:p>
+            <a:pPr algn="just">
+              <a:buFont typeface="Wingdings" panose="05000000000000000000" pitchFamily="2" charset="2"/>
+              <a:buChar char="ü"/>
+            </a:pPr>
+            <a:r>
+              <a:rPr lang="pt-BR" sz="2000" dirty="0">
+                <a:latin typeface="Times New Roman" panose="02020603050405020304" pitchFamily="18" charset="0"/>
+                <a:cs typeface="Times New Roman" panose="02020603050405020304" pitchFamily="18" charset="0"/>
+              </a:rPr>
+              <a:t>O(n) – linear</a:t>
+            </a:r>
+          </a:p>
+          <a:p>
+            <a:pPr algn="just">
+              <a:buFont typeface="Wingdings" panose="05000000000000000000" pitchFamily="2" charset="2"/>
+              <a:buChar char="ü"/>
+            </a:pPr>
+            <a:r>
+              <a:rPr lang="pt-BR" sz="2000" dirty="0">
+                <a:latin typeface="Times New Roman" panose="02020603050405020304" pitchFamily="18" charset="0"/>
+                <a:cs typeface="Times New Roman" panose="02020603050405020304" pitchFamily="18" charset="0"/>
+              </a:rPr>
+              <a:t>O(n²) – quadrática</a:t>
+            </a:r>
+          </a:p>
+          <a:p>
+            <a:pPr marL="0" indent="0" algn="just">
+              <a:buNone/>
+            </a:pPr>
+            <a:endParaRPr lang="pt-BR" sz="2000" dirty="0">
+              <a:latin typeface="Times New Roman" panose="02020603050405020304" pitchFamily="18" charset="0"/>
+              <a:cs typeface="Times New Roman" panose="02020603050405020304" pitchFamily="18" charset="0"/>
+            </a:endParaRPr>
+          </a:p>
+          <a:p>
+            <a:pPr marL="0" indent="0" algn="just">
+              <a:buNone/>
+            </a:pPr>
+            <a:r>
+              <a:rPr lang="pt-BR" sz="2000" b="1" dirty="0">
+                <a:latin typeface="Times New Roman" panose="02020603050405020304" pitchFamily="18" charset="0"/>
+                <a:cs typeface="Times New Roman" panose="02020603050405020304" pitchFamily="18" charset="0"/>
+              </a:rPr>
+              <a:t>Algoritmo</a:t>
+            </a:r>
+            <a:r>
+              <a:rPr lang="pt-BR" sz="2000" dirty="0">
+                <a:latin typeface="Times New Roman" panose="02020603050405020304" pitchFamily="18" charset="0"/>
+                <a:cs typeface="Times New Roman" panose="02020603050405020304" pitchFamily="18" charset="0"/>
+              </a:rPr>
+              <a:t>: receita para resolver um problema.</a:t>
+            </a:r>
+          </a:p>
+          <a:p>
+            <a:pPr marL="0" indent="0" algn="just">
+              <a:buNone/>
+            </a:pPr>
+            <a:r>
+              <a:rPr lang="pt-BR" sz="2000" b="1" dirty="0">
+                <a:solidFill>
+                  <a:srgbClr val="FF0000"/>
+                </a:solidFill>
+                <a:latin typeface="Times New Roman" panose="02020603050405020304" pitchFamily="18" charset="0"/>
+                <a:cs typeface="Times New Roman" panose="02020603050405020304" pitchFamily="18" charset="0"/>
+              </a:rPr>
+              <a:t>Complexidade</a:t>
+            </a:r>
+            <a:r>
+              <a:rPr lang="pt-BR" sz="2000" dirty="0">
+                <a:latin typeface="Times New Roman" panose="02020603050405020304" pitchFamily="18" charset="0"/>
+                <a:cs typeface="Times New Roman" panose="02020603050405020304" pitchFamily="18" charset="0"/>
+              </a:rPr>
+              <a:t>: quão “cara” é essa receita em tempo e espaço.</a:t>
+            </a:r>
+            <a:endParaRPr lang="pt-BR" sz="2000" dirty="0">
+              <a:solidFill>
+                <a:schemeClr val="tx1"/>
+              </a:solidFill>
+              <a:latin typeface="Times New Roman" panose="02020603050405020304" pitchFamily="18" charset="0"/>
+              <a:cs typeface="Times New Roman" panose="02020603050405020304" pitchFamily="18" charset="0"/>
+            </a:endParaRPr>
+          </a:p>
+        </p:txBody>
+      </p:sp>
+    </p:spTree>
+    <p:extLst>
+      <p:ext uri="{BB962C8B-B14F-4D97-AF65-F5344CB8AC3E}">
+        <p14:creationId xmlns:p14="http://schemas.microsoft.com/office/powerpoint/2010/main" val="2715154487"/>
+      </p:ext>
+    </p:extLst>
+  </p:cSld>
+  <p:clrMapOvr>
+    <a:masterClrMapping/>
+  </p:clrMapOvr>
+  <p:transition spd="med"/>
+</p:sld>
+</file>
+
+<file path=ppt/slides/slide6.xml><?xml version="1.0" encoding="utf-8"?>
+<p:sld xmlns:a="http://schemas.openxmlformats.org/drawingml/2006/main" xmlns:r="http://schemas.openxmlformats.org/officeDocument/2006/relationships" xmlns:p="http://schemas.openxmlformats.org/presentationml/2006/main">
+  <p:cSld>
+    <p:spTree>
+      <p:nvGrpSpPr>
+        <p:cNvPr id="1" name="">
+          <a:extLst>
+            <a:ext uri="{FF2B5EF4-FFF2-40B4-BE49-F238E27FC236}">
+              <a16:creationId xmlns:a16="http://schemas.microsoft.com/office/drawing/2014/main" id="{61A75394-B4A2-EA88-3828-5DD7012DEB28}"/>
+            </a:ext>
+          </a:extLst>
+        </p:cNvPr>
+        <p:cNvGrpSpPr/>
+        <p:nvPr/>
+      </p:nvGrpSpPr>
+      <p:grpSpPr>
+        <a:xfrm>
+          <a:off x="0" y="0"/>
+          <a:ext cx="0" cy="0"/>
+          <a:chOff x="0" y="0"/>
+          <a:chExt cx="0" cy="0"/>
+        </a:xfrm>
+      </p:grpSpPr>
+      <p:sp>
+        <p:nvSpPr>
+          <p:cNvPr id="6" name="Title 1">
+            <a:extLst>
+              <a:ext uri="{FF2B5EF4-FFF2-40B4-BE49-F238E27FC236}">
+                <a16:creationId xmlns:a16="http://schemas.microsoft.com/office/drawing/2014/main" id="{5F3724ED-EBCD-9F08-D36F-1AFEA814C4BC}"/>
+              </a:ext>
+            </a:extLst>
+          </p:cNvPr>
+          <p:cNvSpPr>
+            <a:spLocks noGrp="1"/>
+          </p:cNvSpPr>
+          <p:nvPr>
+            <p:ph type="title"/>
+          </p:nvPr>
+        </p:nvSpPr>
+        <p:spPr>
+          <a:xfrm>
+            <a:off x="457200" y="205980"/>
+            <a:ext cx="8229600" cy="857251"/>
+          </a:xfrm>
+        </p:spPr>
+        <p:txBody>
+          <a:bodyPr>
+            <a:normAutofit/>
+          </a:bodyPr>
+          <a:lstStyle/>
+          <a:p>
+            <a:r>
+              <a:rPr lang="en-US" b="1" dirty="0" err="1">
+                <a:solidFill>
+                  <a:srgbClr val="0070C0"/>
+                </a:solidFill>
+              </a:rPr>
+              <a:t>Funções</a:t>
+            </a:r>
+            <a:endParaRPr lang="en-US" b="1" dirty="0">
+              <a:solidFill>
+                <a:srgbClr val="0070C0"/>
+              </a:solidFill>
+            </a:endParaRPr>
+          </a:p>
+        </p:txBody>
+      </p:sp>
+      <p:sp>
+        <p:nvSpPr>
+          <p:cNvPr id="8" name="Text Placeholder 2">
+            <a:extLst>
+              <a:ext uri="{FF2B5EF4-FFF2-40B4-BE49-F238E27FC236}">
+                <a16:creationId xmlns:a16="http://schemas.microsoft.com/office/drawing/2014/main" id="{D9BA786A-905B-9CAA-8CF2-E42A9FAB1F25}"/>
+              </a:ext>
+            </a:extLst>
+          </p:cNvPr>
+          <p:cNvSpPr>
+            <a:spLocks noGrp="1"/>
+          </p:cNvSpPr>
+          <p:nvPr>
+            <p:ph type="body" sz="half" idx="1"/>
+          </p:nvPr>
+        </p:nvSpPr>
+        <p:spPr>
+          <a:xfrm>
+            <a:off x="142865" y="1200150"/>
+            <a:ext cx="8865056" cy="3737370"/>
+          </a:xfrm>
+        </p:spPr>
+        <p:txBody>
+          <a:bodyPr>
+            <a:noAutofit/>
+          </a:bodyPr>
+          <a:lstStyle/>
+          <a:p>
+            <a:pPr marL="0" indent="0" algn="just">
+              <a:buNone/>
+            </a:pPr>
+            <a:r>
+              <a:rPr lang="pt-BR" sz="2000" b="1" dirty="0">
+                <a:latin typeface="Times New Roman" panose="02020603050405020304" pitchFamily="18" charset="0"/>
+                <a:cs typeface="Times New Roman" panose="02020603050405020304" pitchFamily="18" charset="0"/>
+              </a:rPr>
+              <a:t>Definição de função</a:t>
+            </a:r>
+            <a:r>
+              <a:rPr lang="pt-BR" sz="2000" dirty="0">
+                <a:latin typeface="Times New Roman" panose="02020603050405020304" pitchFamily="18" charset="0"/>
+                <a:cs typeface="Times New Roman" panose="02020603050405020304" pitchFamily="18" charset="0"/>
+              </a:rPr>
+              <a:t>: bloco de código nomeado que realiza uma tarefa.</a:t>
+            </a:r>
+          </a:p>
+          <a:p>
+            <a:pPr marL="0" indent="0" algn="just">
+              <a:buNone/>
+            </a:pPr>
+            <a:endParaRPr lang="pt-BR" sz="2000" dirty="0">
+              <a:latin typeface="Times New Roman" panose="02020603050405020304" pitchFamily="18" charset="0"/>
+              <a:cs typeface="Times New Roman" panose="02020603050405020304" pitchFamily="18" charset="0"/>
+            </a:endParaRPr>
+          </a:p>
+          <a:p>
+            <a:pPr marL="0" indent="0" algn="just">
+              <a:buNone/>
+            </a:pPr>
+            <a:r>
+              <a:rPr lang="pt-BR" sz="2000" b="1" u="sng" dirty="0">
+                <a:solidFill>
+                  <a:srgbClr val="FF0000"/>
+                </a:solidFill>
+                <a:latin typeface="Times New Roman" panose="02020603050405020304" pitchFamily="18" charset="0"/>
+                <a:cs typeface="Times New Roman" panose="02020603050405020304" pitchFamily="18" charset="0"/>
+              </a:rPr>
+              <a:t>Vantagens</a:t>
+            </a:r>
+            <a:r>
+              <a:rPr lang="pt-BR" sz="2000" dirty="0">
+                <a:latin typeface="Times New Roman" panose="02020603050405020304" pitchFamily="18" charset="0"/>
+                <a:cs typeface="Times New Roman" panose="02020603050405020304" pitchFamily="18" charset="0"/>
+              </a:rPr>
+              <a:t>:</a:t>
+            </a:r>
+          </a:p>
+          <a:p>
+            <a:pPr marL="0" indent="0" algn="just">
+              <a:buNone/>
+            </a:pPr>
+            <a:endParaRPr lang="pt-BR" sz="2000" dirty="0">
+              <a:latin typeface="Times New Roman" panose="02020603050405020304" pitchFamily="18" charset="0"/>
+              <a:cs typeface="Times New Roman" panose="02020603050405020304" pitchFamily="18" charset="0"/>
+            </a:endParaRPr>
+          </a:p>
+          <a:p>
+            <a:pPr algn="just">
+              <a:buFont typeface="Wingdings" panose="05000000000000000000" pitchFamily="2" charset="2"/>
+              <a:buChar char="ü"/>
+            </a:pPr>
+            <a:r>
+              <a:rPr lang="pt-BR" sz="2000" dirty="0">
+                <a:latin typeface="Times New Roman" panose="02020603050405020304" pitchFamily="18" charset="0"/>
+                <a:cs typeface="Times New Roman" panose="02020603050405020304" pitchFamily="18" charset="0"/>
+              </a:rPr>
+              <a:t>Reutilização</a:t>
+            </a:r>
+          </a:p>
+          <a:p>
+            <a:pPr algn="just">
+              <a:buFont typeface="Wingdings" panose="05000000000000000000" pitchFamily="2" charset="2"/>
+              <a:buChar char="ü"/>
+            </a:pPr>
+            <a:r>
+              <a:rPr lang="pt-BR" sz="2000" dirty="0">
+                <a:latin typeface="Times New Roman" panose="02020603050405020304" pitchFamily="18" charset="0"/>
+                <a:cs typeface="Times New Roman" panose="02020603050405020304" pitchFamily="18" charset="0"/>
+              </a:rPr>
+              <a:t>Clareza</a:t>
+            </a:r>
+          </a:p>
+          <a:p>
+            <a:pPr algn="just">
+              <a:buFont typeface="Wingdings" panose="05000000000000000000" pitchFamily="2" charset="2"/>
+              <a:buChar char="ü"/>
+            </a:pPr>
+            <a:r>
+              <a:rPr lang="pt-BR" sz="2000" dirty="0">
+                <a:latin typeface="Times New Roman" panose="02020603050405020304" pitchFamily="18" charset="0"/>
+                <a:cs typeface="Times New Roman" panose="02020603050405020304" pitchFamily="18" charset="0"/>
+              </a:rPr>
+              <a:t>Modularização</a:t>
+            </a:r>
+          </a:p>
+        </p:txBody>
+      </p:sp>
+    </p:spTree>
+    <p:extLst>
+      <p:ext uri="{BB962C8B-B14F-4D97-AF65-F5344CB8AC3E}">
+        <p14:creationId xmlns:p14="http://schemas.microsoft.com/office/powerpoint/2010/main" val="228677910"/>
+      </p:ext>
+    </p:extLst>
+  </p:cSld>
+  <p:clrMapOvr>
+    <a:masterClrMapping/>
+  </p:clrMapOvr>
+  <p:transition spd="med"/>
+</p:sld>
+</file>
+
+<file path=ppt/slides/slide7.xml><?xml version="1.0" encoding="utf-8"?>
+<p:sld xmlns:a="http://schemas.openxmlformats.org/drawingml/2006/main" xmlns:r="http://schemas.openxmlformats.org/officeDocument/2006/relationships" xmlns:p="http://schemas.openxmlformats.org/presentationml/2006/main">
+  <p:cSld>
+    <p:spTree>
+      <p:nvGrpSpPr>
+        <p:cNvPr id="1" name="">
+          <a:extLst>
+            <a:ext uri="{FF2B5EF4-FFF2-40B4-BE49-F238E27FC236}">
+              <a16:creationId xmlns:a16="http://schemas.microsoft.com/office/drawing/2014/main" id="{DB66339A-EA5F-75E3-AEE1-506DDD76C1F8}"/>
+            </a:ext>
+          </a:extLst>
+        </p:cNvPr>
+        <p:cNvGrpSpPr/>
+        <p:nvPr/>
+      </p:nvGrpSpPr>
+      <p:grpSpPr>
+        <a:xfrm>
+          <a:off x="0" y="0"/>
+          <a:ext cx="0" cy="0"/>
+          <a:chOff x="0" y="0"/>
+          <a:chExt cx="0" cy="0"/>
+        </a:xfrm>
+      </p:grpSpPr>
+      <p:sp>
+        <p:nvSpPr>
+          <p:cNvPr id="6" name="Title 1">
+            <a:extLst>
+              <a:ext uri="{FF2B5EF4-FFF2-40B4-BE49-F238E27FC236}">
+                <a16:creationId xmlns:a16="http://schemas.microsoft.com/office/drawing/2014/main" id="{69432B37-2C2F-9DEF-8AF2-763E2744C018}"/>
+              </a:ext>
+            </a:extLst>
+          </p:cNvPr>
+          <p:cNvSpPr>
+            <a:spLocks noGrp="1"/>
+          </p:cNvSpPr>
+          <p:nvPr>
+            <p:ph type="title"/>
+          </p:nvPr>
+        </p:nvSpPr>
+        <p:spPr>
+          <a:xfrm>
+            <a:off x="457200" y="205980"/>
+            <a:ext cx="8229600" cy="857251"/>
+          </a:xfrm>
+        </p:spPr>
+        <p:txBody>
+          <a:bodyPr>
+            <a:normAutofit/>
+          </a:bodyPr>
+          <a:lstStyle/>
+          <a:p>
+            <a:r>
+              <a:rPr lang="en-US" b="1" dirty="0" err="1">
+                <a:solidFill>
+                  <a:srgbClr val="0070C0"/>
+                </a:solidFill>
+              </a:rPr>
+              <a:t>Exemplo</a:t>
+            </a:r>
+            <a:r>
+              <a:rPr lang="en-US" b="1" dirty="0">
+                <a:solidFill>
+                  <a:srgbClr val="0070C0"/>
+                </a:solidFill>
+              </a:rPr>
+              <a:t> </a:t>
+            </a:r>
+            <a:r>
+              <a:rPr lang="en-US" b="1" dirty="0" err="1">
+                <a:solidFill>
+                  <a:srgbClr val="0070C0"/>
+                </a:solidFill>
+              </a:rPr>
+              <a:t>Função</a:t>
+            </a:r>
+            <a:endParaRPr lang="en-US" b="1" dirty="0">
+              <a:solidFill>
+                <a:srgbClr val="0070C0"/>
+              </a:solidFill>
+            </a:endParaRPr>
+          </a:p>
+        </p:txBody>
+      </p:sp>
+      <p:sp>
+        <p:nvSpPr>
+          <p:cNvPr id="8" name="Text Placeholder 2">
+            <a:extLst>
+              <a:ext uri="{FF2B5EF4-FFF2-40B4-BE49-F238E27FC236}">
+                <a16:creationId xmlns:a16="http://schemas.microsoft.com/office/drawing/2014/main" id="{9E15980F-0CCF-111A-CA7D-493B8445B342}"/>
+              </a:ext>
+            </a:extLst>
+          </p:cNvPr>
+          <p:cNvSpPr>
+            <a:spLocks noGrp="1"/>
+          </p:cNvSpPr>
+          <p:nvPr>
+            <p:ph type="body" sz="half" idx="1"/>
+          </p:nvPr>
+        </p:nvSpPr>
+        <p:spPr>
+          <a:xfrm>
+            <a:off x="142865" y="1200150"/>
+            <a:ext cx="8865056" cy="3737370"/>
+          </a:xfrm>
+        </p:spPr>
+        <p:txBody>
+          <a:bodyPr>
+            <a:noAutofit/>
+          </a:bodyPr>
+          <a:lstStyle/>
+          <a:p>
+            <a:pPr marL="0" indent="0" algn="just">
+              <a:buNone/>
+            </a:pPr>
+            <a:r>
+              <a:rPr lang="pt-BR" sz="2000" b="1" dirty="0">
+                <a:latin typeface="Times New Roman" panose="02020603050405020304" pitchFamily="18" charset="0"/>
+                <a:cs typeface="Times New Roman" panose="02020603050405020304" pitchFamily="18" charset="0"/>
+              </a:rPr>
+              <a:t>Estrutura geral </a:t>
+            </a:r>
+            <a:r>
+              <a:rPr lang="pt-BR" sz="2000" dirty="0">
+                <a:latin typeface="Times New Roman" panose="02020603050405020304" pitchFamily="18" charset="0"/>
+                <a:cs typeface="Times New Roman" panose="02020603050405020304" pitchFamily="18" charset="0"/>
+              </a:rPr>
+              <a:t>(pseudocódigo e linguagem de programação, </a:t>
+            </a:r>
+            <a:r>
+              <a:rPr lang="pt-BR" sz="2000" dirty="0" err="1">
+                <a:latin typeface="Times New Roman" panose="02020603050405020304" pitchFamily="18" charset="0"/>
+                <a:cs typeface="Times New Roman" panose="02020603050405020304" pitchFamily="18" charset="0"/>
+              </a:rPr>
+              <a:t>ex</a:t>
+            </a:r>
+            <a:r>
+              <a:rPr lang="pt-BR" sz="2000" dirty="0">
+                <a:latin typeface="Times New Roman" panose="02020603050405020304" pitchFamily="18" charset="0"/>
+                <a:cs typeface="Times New Roman" panose="02020603050405020304" pitchFamily="18" charset="0"/>
+              </a:rPr>
+              <a:t>: </a:t>
+            </a:r>
+            <a:r>
+              <a:rPr lang="pt-BR" sz="2000" b="1" dirty="0">
+                <a:latin typeface="Times New Roman" panose="02020603050405020304" pitchFamily="18" charset="0"/>
+                <a:cs typeface="Times New Roman" panose="02020603050405020304" pitchFamily="18" charset="0"/>
+              </a:rPr>
+              <a:t>Python</a:t>
+            </a:r>
+            <a:r>
+              <a:rPr lang="pt-BR" sz="2000" dirty="0">
+                <a:latin typeface="Times New Roman" panose="02020603050405020304" pitchFamily="18" charset="0"/>
+                <a:cs typeface="Times New Roman" panose="02020603050405020304" pitchFamily="18" charset="0"/>
+              </a:rPr>
+              <a:t>):</a:t>
+            </a:r>
+          </a:p>
+          <a:p>
+            <a:pPr marL="0" indent="0" algn="just">
+              <a:buNone/>
+            </a:pPr>
+            <a:endParaRPr lang="pt-BR" sz="2000" dirty="0">
+              <a:solidFill>
+                <a:schemeClr val="tx1"/>
+              </a:solidFill>
+              <a:latin typeface="Times New Roman" panose="02020603050405020304" pitchFamily="18" charset="0"/>
+              <a:cs typeface="Times New Roman" panose="02020603050405020304" pitchFamily="18" charset="0"/>
+            </a:endParaRPr>
+          </a:p>
+          <a:p>
+            <a:pPr marL="0" indent="0" algn="just">
+              <a:buNone/>
+            </a:pPr>
+            <a:endParaRPr lang="pt-BR" sz="2000" dirty="0">
+              <a:solidFill>
+                <a:schemeClr val="tx1"/>
+              </a:solidFill>
+              <a:latin typeface="Times New Roman" panose="02020603050405020304" pitchFamily="18" charset="0"/>
+              <a:cs typeface="Times New Roman" panose="02020603050405020304" pitchFamily="18" charset="0"/>
+            </a:endParaRPr>
+          </a:p>
+          <a:p>
+            <a:pPr marL="0" indent="0" algn="just">
+              <a:buNone/>
+            </a:pPr>
+            <a:r>
+              <a:rPr lang="pt-BR" sz="2000" b="1" dirty="0" err="1">
+                <a:solidFill>
+                  <a:schemeClr val="tx1"/>
+                </a:solidFill>
+                <a:latin typeface="Times New Roman" panose="02020603050405020304" pitchFamily="18" charset="0"/>
+                <a:cs typeface="Times New Roman" panose="02020603050405020304" pitchFamily="18" charset="0"/>
+              </a:rPr>
+              <a:t>def</a:t>
+            </a:r>
+            <a:r>
+              <a:rPr lang="pt-BR" sz="2000" dirty="0">
+                <a:solidFill>
+                  <a:schemeClr val="tx1"/>
+                </a:solidFill>
+                <a:latin typeface="Times New Roman" panose="02020603050405020304" pitchFamily="18" charset="0"/>
+                <a:cs typeface="Times New Roman" panose="02020603050405020304" pitchFamily="18" charset="0"/>
+              </a:rPr>
+              <a:t> </a:t>
+            </a:r>
+            <a:r>
+              <a:rPr lang="pt-BR" sz="2000" dirty="0" err="1">
+                <a:solidFill>
+                  <a:schemeClr val="tx1"/>
+                </a:solidFill>
+                <a:latin typeface="Times New Roman" panose="02020603050405020304" pitchFamily="18" charset="0"/>
+                <a:cs typeface="Times New Roman" panose="02020603050405020304" pitchFamily="18" charset="0"/>
+              </a:rPr>
+              <a:t>nome_da_funcao</a:t>
+            </a:r>
+            <a:r>
+              <a:rPr lang="pt-BR" sz="2000" dirty="0">
+                <a:solidFill>
+                  <a:schemeClr val="tx1"/>
+                </a:solidFill>
+                <a:latin typeface="Times New Roman" panose="02020603050405020304" pitchFamily="18" charset="0"/>
+                <a:cs typeface="Times New Roman" panose="02020603050405020304" pitchFamily="18" charset="0"/>
+              </a:rPr>
+              <a:t>():</a:t>
+            </a:r>
+          </a:p>
+          <a:p>
+            <a:pPr marL="0" indent="0" algn="just">
+              <a:buNone/>
+            </a:pPr>
+            <a:r>
+              <a:rPr lang="pt-BR" sz="2000" dirty="0">
+                <a:solidFill>
+                  <a:schemeClr val="tx1"/>
+                </a:solidFill>
+                <a:latin typeface="Times New Roman" panose="02020603050405020304" pitchFamily="18" charset="0"/>
+                <a:cs typeface="Times New Roman" panose="02020603050405020304" pitchFamily="18" charset="0"/>
+              </a:rPr>
+              <a:t>    # </a:t>
+            </a:r>
+            <a:r>
+              <a:rPr lang="pt-BR" sz="2000" b="1" dirty="0">
+                <a:solidFill>
+                  <a:srgbClr val="FF0000"/>
+                </a:solidFill>
+                <a:latin typeface="Times New Roman" panose="02020603050405020304" pitchFamily="18" charset="0"/>
+                <a:cs typeface="Times New Roman" panose="02020603050405020304" pitchFamily="18" charset="0"/>
+              </a:rPr>
+              <a:t>instruções</a:t>
+            </a:r>
+          </a:p>
+        </p:txBody>
+      </p:sp>
+    </p:spTree>
+    <p:extLst>
+      <p:ext uri="{BB962C8B-B14F-4D97-AF65-F5344CB8AC3E}">
+        <p14:creationId xmlns:p14="http://schemas.microsoft.com/office/powerpoint/2010/main" val="3852194997"/>
+      </p:ext>
+    </p:extLst>
+  </p:cSld>
+  <p:clrMapOvr>
+    <a:masterClrMapping/>
+  </p:clrMapOvr>
+  <p:transition spd="med"/>
+</p:sld>
+</file>
+
+<file path=ppt/slides/slide8.xml><?xml version="1.0" encoding="utf-8"?>
+<p:sld xmlns:a="http://schemas.openxmlformats.org/drawingml/2006/main" xmlns:r="http://schemas.openxmlformats.org/officeDocument/2006/relationships" xmlns:p="http://schemas.openxmlformats.org/presentationml/2006/main">
+  <p:cSld>
+    <p:spTree>
+      <p:nvGrpSpPr>
+        <p:cNvPr id="1" name="">
+          <a:extLst>
+            <a:ext uri="{FF2B5EF4-FFF2-40B4-BE49-F238E27FC236}">
+              <a16:creationId xmlns:a16="http://schemas.microsoft.com/office/drawing/2014/main" id="{5BF79BD0-1E22-82C0-BDA6-256FE0DB3D89}"/>
+            </a:ext>
+          </a:extLst>
+        </p:cNvPr>
+        <p:cNvGrpSpPr/>
+        <p:nvPr/>
+      </p:nvGrpSpPr>
+      <p:grpSpPr>
+        <a:xfrm>
+          <a:off x="0" y="0"/>
+          <a:ext cx="0" cy="0"/>
+          <a:chOff x="0" y="0"/>
+          <a:chExt cx="0" cy="0"/>
+        </a:xfrm>
+      </p:grpSpPr>
+      <p:sp>
+        <p:nvSpPr>
+          <p:cNvPr id="6" name="Title 1">
+            <a:extLst>
+              <a:ext uri="{FF2B5EF4-FFF2-40B4-BE49-F238E27FC236}">
+                <a16:creationId xmlns:a16="http://schemas.microsoft.com/office/drawing/2014/main" id="{6C8C6D20-7B40-E409-DAA9-AF82252C1E41}"/>
+              </a:ext>
+            </a:extLst>
+          </p:cNvPr>
+          <p:cNvSpPr>
+            <a:spLocks noGrp="1"/>
+          </p:cNvSpPr>
+          <p:nvPr>
+            <p:ph type="title"/>
+          </p:nvPr>
+        </p:nvSpPr>
+        <p:spPr>
+          <a:xfrm>
+            <a:off x="457200" y="205980"/>
+            <a:ext cx="8229600" cy="857251"/>
+          </a:xfrm>
+        </p:spPr>
+        <p:txBody>
+          <a:bodyPr>
+            <a:normAutofit/>
+          </a:bodyPr>
+          <a:lstStyle/>
+          <a:p>
+            <a:r>
+              <a:rPr lang="en-US" b="1" dirty="0" err="1">
+                <a:solidFill>
+                  <a:srgbClr val="0070C0"/>
+                </a:solidFill>
+              </a:rPr>
+              <a:t>Função</a:t>
+            </a:r>
+            <a:r>
+              <a:rPr lang="en-US" b="1" dirty="0">
+                <a:solidFill>
+                  <a:srgbClr val="0070C0"/>
+                </a:solidFill>
+              </a:rPr>
+              <a:t> Sem </a:t>
+            </a:r>
+            <a:r>
+              <a:rPr lang="en-US" b="1" dirty="0" err="1">
+                <a:solidFill>
+                  <a:srgbClr val="0070C0"/>
+                </a:solidFill>
+              </a:rPr>
+              <a:t>Parâmetro</a:t>
+            </a:r>
+            <a:r>
+              <a:rPr lang="en-US" b="1" dirty="0">
+                <a:solidFill>
+                  <a:srgbClr val="0070C0"/>
+                </a:solidFill>
+              </a:rPr>
+              <a:t> e </a:t>
+            </a:r>
+            <a:r>
+              <a:rPr lang="en-US" b="1" dirty="0" err="1">
+                <a:solidFill>
+                  <a:srgbClr val="0070C0"/>
+                </a:solidFill>
+              </a:rPr>
+              <a:t>Retorno</a:t>
+            </a:r>
+            <a:endParaRPr lang="en-US" b="1" dirty="0">
+              <a:solidFill>
+                <a:srgbClr val="0070C0"/>
+              </a:solidFill>
+            </a:endParaRPr>
+          </a:p>
+        </p:txBody>
+      </p:sp>
+      <p:sp>
+        <p:nvSpPr>
+          <p:cNvPr id="8" name="Text Placeholder 2">
+            <a:extLst>
+              <a:ext uri="{FF2B5EF4-FFF2-40B4-BE49-F238E27FC236}">
+                <a16:creationId xmlns:a16="http://schemas.microsoft.com/office/drawing/2014/main" id="{28836CF2-36A8-8B83-FE31-2A3CE0A2214D}"/>
+              </a:ext>
+            </a:extLst>
+          </p:cNvPr>
+          <p:cNvSpPr>
+            <a:spLocks noGrp="1"/>
+          </p:cNvSpPr>
+          <p:nvPr>
+            <p:ph type="body" sz="half" idx="1"/>
+          </p:nvPr>
+        </p:nvSpPr>
+        <p:spPr>
+          <a:xfrm>
+            <a:off x="142865" y="1200150"/>
+            <a:ext cx="8865056" cy="3737370"/>
+          </a:xfrm>
+        </p:spPr>
+        <p:txBody>
+          <a:bodyPr>
+            <a:noAutofit/>
+          </a:bodyPr>
+          <a:lstStyle/>
+          <a:p>
+            <a:pPr marL="0" indent="0" algn="just">
+              <a:buNone/>
+            </a:pPr>
+            <a:r>
+              <a:rPr lang="pt-BR" sz="2000" b="1" dirty="0" err="1">
+                <a:solidFill>
+                  <a:schemeClr val="tx1"/>
+                </a:solidFill>
+                <a:latin typeface="Times New Roman" panose="02020603050405020304" pitchFamily="18" charset="0"/>
+                <a:cs typeface="Times New Roman" panose="02020603050405020304" pitchFamily="18" charset="0"/>
+              </a:rPr>
+              <a:t>def</a:t>
+            </a:r>
+            <a:r>
+              <a:rPr lang="pt-BR" sz="2000" dirty="0">
+                <a:solidFill>
+                  <a:schemeClr val="tx1"/>
+                </a:solidFill>
+                <a:latin typeface="Times New Roman" panose="02020603050405020304" pitchFamily="18" charset="0"/>
+                <a:cs typeface="Times New Roman" panose="02020603050405020304" pitchFamily="18" charset="0"/>
+              </a:rPr>
+              <a:t> </a:t>
+            </a:r>
+            <a:r>
+              <a:rPr lang="pt-BR" sz="2000" dirty="0" err="1">
+                <a:solidFill>
+                  <a:schemeClr val="tx1"/>
+                </a:solidFill>
+                <a:latin typeface="Times New Roman" panose="02020603050405020304" pitchFamily="18" charset="0"/>
+                <a:cs typeface="Times New Roman" panose="02020603050405020304" pitchFamily="18" charset="0"/>
+              </a:rPr>
+              <a:t>saudacao</a:t>
+            </a:r>
+            <a:r>
+              <a:rPr lang="pt-BR" sz="2000" dirty="0">
+                <a:solidFill>
+                  <a:schemeClr val="tx1"/>
+                </a:solidFill>
+                <a:latin typeface="Times New Roman" panose="02020603050405020304" pitchFamily="18" charset="0"/>
+                <a:cs typeface="Times New Roman" panose="02020603050405020304" pitchFamily="18" charset="0"/>
+              </a:rPr>
+              <a:t>():</a:t>
+            </a:r>
+          </a:p>
+          <a:p>
+            <a:pPr marL="0" indent="0" algn="just">
+              <a:buNone/>
+            </a:pPr>
+            <a:r>
+              <a:rPr lang="pt-BR" sz="2000" dirty="0">
+                <a:solidFill>
+                  <a:schemeClr val="tx1"/>
+                </a:solidFill>
+                <a:latin typeface="Times New Roman" panose="02020603050405020304" pitchFamily="18" charset="0"/>
+                <a:cs typeface="Times New Roman" panose="02020603050405020304" pitchFamily="18" charset="0"/>
+              </a:rPr>
+              <a:t>    print("Olá, bem-vindo ao curso!")</a:t>
+            </a:r>
+          </a:p>
+          <a:p>
+            <a:pPr marL="0" indent="0" algn="just">
+              <a:buNone/>
+            </a:pPr>
+            <a:endParaRPr lang="pt-BR" sz="2000" dirty="0">
+              <a:solidFill>
+                <a:schemeClr val="tx1"/>
+              </a:solidFill>
+              <a:latin typeface="Times New Roman" panose="02020603050405020304" pitchFamily="18" charset="0"/>
+              <a:cs typeface="Times New Roman" panose="02020603050405020304" pitchFamily="18" charset="0"/>
+            </a:endParaRPr>
+          </a:p>
+          <a:p>
+            <a:pPr marL="0" indent="0" algn="just">
+              <a:buNone/>
+            </a:pPr>
+            <a:endParaRPr lang="pt-BR" sz="2000" dirty="0">
+              <a:solidFill>
+                <a:schemeClr val="tx1"/>
+              </a:solidFill>
+              <a:latin typeface="Times New Roman" panose="02020603050405020304" pitchFamily="18" charset="0"/>
+              <a:cs typeface="Times New Roman" panose="02020603050405020304" pitchFamily="18" charset="0"/>
+            </a:endParaRPr>
+          </a:p>
+          <a:p>
+            <a:pPr marL="0" indent="0" algn="just">
+              <a:buNone/>
+            </a:pPr>
+            <a:r>
+              <a:rPr lang="pt-BR" sz="2000" dirty="0">
+                <a:solidFill>
+                  <a:schemeClr val="tx1"/>
+                </a:solidFill>
+                <a:latin typeface="Times New Roman" panose="02020603050405020304" pitchFamily="18" charset="0"/>
+                <a:cs typeface="Times New Roman" panose="02020603050405020304" pitchFamily="18" charset="0"/>
+              </a:rPr>
+              <a:t>Esse tipo de função é útil quando você precisa executar uma ação simples e isolada, sem depender de valores externos (parâmetros) e sem precisar enviar um resultado de volta (retorno).</a:t>
+            </a:r>
+          </a:p>
+        </p:txBody>
+      </p:sp>
+    </p:spTree>
+    <p:extLst>
+      <p:ext uri="{BB962C8B-B14F-4D97-AF65-F5344CB8AC3E}">
+        <p14:creationId xmlns:p14="http://schemas.microsoft.com/office/powerpoint/2010/main" val="1330349940"/>
+      </p:ext>
+    </p:extLst>
+  </p:cSld>
+  <p:clrMapOvr>
+    <a:masterClrMapping/>
+  </p:clrMapOvr>
+  <p:transition spd="med"/>
+</p:sld>
+</file>
+
+<file path=ppt/slides/slide9.xml><?xml version="1.0" encoding="utf-8"?>
+<p:sld xmlns:a="http://schemas.openxmlformats.org/drawingml/2006/main" xmlns:r="http://schemas.openxmlformats.org/officeDocument/2006/relationships" xmlns:p="http://schemas.openxmlformats.org/presentationml/2006/main">
+  <p:cSld>
+    <p:spTree>
+      <p:nvGrpSpPr>
+        <p:cNvPr id="1" name="">
+          <a:extLst>
+            <a:ext uri="{FF2B5EF4-FFF2-40B4-BE49-F238E27FC236}">
+              <a16:creationId xmlns:a16="http://schemas.microsoft.com/office/drawing/2014/main" id="{B5FFFBB8-CB2E-5F9C-6471-EE41247A9F08}"/>
+            </a:ext>
+          </a:extLst>
+        </p:cNvPr>
+        <p:cNvGrpSpPr/>
+        <p:nvPr/>
+      </p:nvGrpSpPr>
+      <p:grpSpPr>
+        <a:xfrm>
+          <a:off x="0" y="0"/>
+          <a:ext cx="0" cy="0"/>
+          <a:chOff x="0" y="0"/>
+          <a:chExt cx="0" cy="0"/>
+        </a:xfrm>
+      </p:grpSpPr>
+      <p:sp>
+        <p:nvSpPr>
+          <p:cNvPr id="6" name="Title 1">
+            <a:extLst>
+              <a:ext uri="{FF2B5EF4-FFF2-40B4-BE49-F238E27FC236}">
+                <a16:creationId xmlns:a16="http://schemas.microsoft.com/office/drawing/2014/main" id="{47CA3FBB-EA7B-B953-C65A-E4B7D09BCC5C}"/>
+              </a:ext>
+            </a:extLst>
+          </p:cNvPr>
+          <p:cNvSpPr>
+            <a:spLocks noGrp="1"/>
+          </p:cNvSpPr>
+          <p:nvPr>
+            <p:ph type="title"/>
+          </p:nvPr>
+        </p:nvSpPr>
+        <p:spPr>
+          <a:xfrm>
+            <a:off x="457200" y="205980"/>
+            <a:ext cx="8229600" cy="857251"/>
+          </a:xfrm>
+        </p:spPr>
+        <p:txBody>
+          <a:bodyPr>
+            <a:normAutofit/>
+          </a:bodyPr>
+          <a:lstStyle/>
+          <a:p>
+            <a:r>
+              <a:rPr lang="en-US" b="1" dirty="0" err="1">
+                <a:solidFill>
+                  <a:srgbClr val="0070C0"/>
+                </a:solidFill>
+              </a:rPr>
+              <a:t>Função</a:t>
+            </a:r>
+            <a:r>
+              <a:rPr lang="en-US" b="1" dirty="0">
+                <a:solidFill>
+                  <a:srgbClr val="0070C0"/>
+                </a:solidFill>
+              </a:rPr>
+              <a:t> Com </a:t>
+            </a:r>
+            <a:r>
+              <a:rPr lang="en-US" b="1" dirty="0" err="1">
+                <a:solidFill>
+                  <a:srgbClr val="0070C0"/>
+                </a:solidFill>
+              </a:rPr>
+              <a:t>Parâmetro</a:t>
+            </a:r>
+            <a:endParaRPr lang="en-US" b="1" dirty="0">
+              <a:solidFill>
+                <a:srgbClr val="0070C0"/>
+              </a:solidFill>
+            </a:endParaRPr>
+          </a:p>
+        </p:txBody>
+      </p:sp>
+      <p:sp>
+        <p:nvSpPr>
+          <p:cNvPr id="8" name="Text Placeholder 2">
+            <a:extLst>
+              <a:ext uri="{FF2B5EF4-FFF2-40B4-BE49-F238E27FC236}">
+                <a16:creationId xmlns:a16="http://schemas.microsoft.com/office/drawing/2014/main" id="{01A450BE-F914-CF40-0879-792745263276}"/>
+              </a:ext>
+            </a:extLst>
+          </p:cNvPr>
+          <p:cNvSpPr>
+            <a:spLocks noGrp="1"/>
+          </p:cNvSpPr>
+          <p:nvPr>
+            <p:ph type="body" sz="half" idx="1"/>
+          </p:nvPr>
+        </p:nvSpPr>
+        <p:spPr>
+          <a:xfrm>
+            <a:off x="142865" y="1200150"/>
+            <a:ext cx="8865056" cy="3737370"/>
+          </a:xfrm>
+        </p:spPr>
+        <p:txBody>
+          <a:bodyPr>
+            <a:noAutofit/>
+          </a:bodyPr>
+          <a:lstStyle/>
+          <a:p>
+            <a:pPr marL="0" indent="0" algn="just">
+              <a:buNone/>
+            </a:pPr>
+            <a:r>
+              <a:rPr lang="pt-BR" sz="2000" b="1" dirty="0" err="1">
+                <a:solidFill>
+                  <a:schemeClr val="tx1"/>
+                </a:solidFill>
+                <a:latin typeface="Times New Roman" panose="02020603050405020304" pitchFamily="18" charset="0"/>
+                <a:cs typeface="Times New Roman" panose="02020603050405020304" pitchFamily="18" charset="0"/>
+              </a:rPr>
+              <a:t>def</a:t>
+            </a:r>
+            <a:r>
+              <a:rPr lang="pt-BR" sz="2000" dirty="0">
+                <a:solidFill>
+                  <a:schemeClr val="tx1"/>
+                </a:solidFill>
+                <a:latin typeface="Times New Roman" panose="02020603050405020304" pitchFamily="18" charset="0"/>
+                <a:cs typeface="Times New Roman" panose="02020603050405020304" pitchFamily="18" charset="0"/>
+              </a:rPr>
+              <a:t> </a:t>
+            </a:r>
+            <a:r>
+              <a:rPr lang="pt-BR" sz="2000" dirty="0" err="1">
+                <a:solidFill>
+                  <a:schemeClr val="tx1"/>
+                </a:solidFill>
+                <a:latin typeface="Times New Roman" panose="02020603050405020304" pitchFamily="18" charset="0"/>
+                <a:cs typeface="Times New Roman" panose="02020603050405020304" pitchFamily="18" charset="0"/>
+              </a:rPr>
+              <a:t>saudacao_com_nome</a:t>
+            </a:r>
+            <a:r>
+              <a:rPr lang="pt-BR" sz="2000" dirty="0">
+                <a:solidFill>
+                  <a:schemeClr val="tx1"/>
+                </a:solidFill>
+                <a:latin typeface="Times New Roman" panose="02020603050405020304" pitchFamily="18" charset="0"/>
+                <a:cs typeface="Times New Roman" panose="02020603050405020304" pitchFamily="18" charset="0"/>
+              </a:rPr>
+              <a:t>(nome):</a:t>
+            </a:r>
+          </a:p>
+          <a:p>
+            <a:pPr marL="0" indent="0" algn="just">
+              <a:buNone/>
+            </a:pPr>
+            <a:r>
+              <a:rPr lang="pt-BR" sz="2000" dirty="0">
+                <a:solidFill>
+                  <a:schemeClr val="tx1"/>
+                </a:solidFill>
+                <a:latin typeface="Times New Roman" panose="02020603050405020304" pitchFamily="18" charset="0"/>
+                <a:cs typeface="Times New Roman" panose="02020603050405020304" pitchFamily="18" charset="0"/>
+              </a:rPr>
+              <a:t>    print(</a:t>
+            </a:r>
+            <a:r>
+              <a:rPr lang="pt-BR" sz="2000" dirty="0" err="1">
+                <a:solidFill>
+                  <a:schemeClr val="tx1"/>
+                </a:solidFill>
+                <a:latin typeface="Times New Roman" panose="02020603050405020304" pitchFamily="18" charset="0"/>
+                <a:cs typeface="Times New Roman" panose="02020603050405020304" pitchFamily="18" charset="0"/>
+              </a:rPr>
+              <a:t>f"Olá</a:t>
+            </a:r>
+            <a:r>
+              <a:rPr lang="pt-BR" sz="2000" dirty="0">
+                <a:solidFill>
+                  <a:schemeClr val="tx1"/>
+                </a:solidFill>
+                <a:latin typeface="Times New Roman" panose="02020603050405020304" pitchFamily="18" charset="0"/>
+                <a:cs typeface="Times New Roman" panose="02020603050405020304" pitchFamily="18" charset="0"/>
+              </a:rPr>
+              <a:t>, {nome}!")</a:t>
+            </a:r>
+          </a:p>
+          <a:p>
+            <a:pPr marL="0" indent="0" algn="just">
+              <a:buNone/>
+            </a:pPr>
+            <a:endParaRPr lang="pt-BR" sz="2000" b="1" dirty="0">
+              <a:solidFill>
+                <a:schemeClr val="tx1"/>
+              </a:solidFill>
+              <a:latin typeface="Times New Roman" panose="02020603050405020304" pitchFamily="18" charset="0"/>
+              <a:cs typeface="Times New Roman" panose="02020603050405020304" pitchFamily="18" charset="0"/>
+            </a:endParaRPr>
+          </a:p>
+          <a:p>
+            <a:pPr marL="0" indent="0" algn="just">
+              <a:buNone/>
+            </a:pPr>
+            <a:r>
+              <a:rPr lang="pt-BR" sz="2000" dirty="0">
+                <a:solidFill>
+                  <a:schemeClr val="tx1"/>
+                </a:solidFill>
+                <a:latin typeface="Times New Roman" panose="02020603050405020304" pitchFamily="18" charset="0"/>
+                <a:cs typeface="Times New Roman" panose="02020603050405020304" pitchFamily="18" charset="0"/>
+              </a:rPr>
+              <a:t>Parâmetros são valores que uma função recebe quando é chamada, permitindo que ela execute sua tarefa com dados específicos.</a:t>
+            </a:r>
+          </a:p>
+          <a:p>
+            <a:pPr algn="just">
+              <a:buFont typeface="Wingdings" panose="05000000000000000000" pitchFamily="2" charset="2"/>
+              <a:buChar char="ü"/>
+            </a:pPr>
+            <a:r>
+              <a:rPr lang="pt-BR" sz="2000" dirty="0">
+                <a:solidFill>
+                  <a:schemeClr val="tx1"/>
+                </a:solidFill>
+                <a:latin typeface="Times New Roman" panose="02020603050405020304" pitchFamily="18" charset="0"/>
+                <a:cs typeface="Times New Roman" panose="02020603050405020304" pitchFamily="18" charset="0"/>
+              </a:rPr>
+              <a:t>Quando você define a função, declara os parâmetros.</a:t>
+            </a:r>
+          </a:p>
+          <a:p>
+            <a:pPr algn="just">
+              <a:buFont typeface="Wingdings" panose="05000000000000000000" pitchFamily="2" charset="2"/>
+              <a:buChar char="ü"/>
+            </a:pPr>
+            <a:r>
+              <a:rPr lang="pt-BR" sz="2000" dirty="0">
+                <a:solidFill>
+                  <a:schemeClr val="tx1"/>
+                </a:solidFill>
+                <a:latin typeface="Times New Roman" panose="02020603050405020304" pitchFamily="18" charset="0"/>
+                <a:cs typeface="Times New Roman" panose="02020603050405020304" pitchFamily="18" charset="0"/>
+              </a:rPr>
+              <a:t>Quando você chama a função, fornece os argumentos (valores reais).</a:t>
+            </a:r>
+          </a:p>
+          <a:p>
+            <a:pPr marL="0" indent="0" algn="just">
+              <a:buNone/>
+            </a:pPr>
+            <a:endParaRPr lang="pt-BR" sz="2000" dirty="0">
+              <a:solidFill>
+                <a:schemeClr val="tx1"/>
+              </a:solidFill>
+              <a:latin typeface="Times New Roman" panose="02020603050405020304" pitchFamily="18" charset="0"/>
+              <a:cs typeface="Times New Roman" panose="02020603050405020304" pitchFamily="18" charset="0"/>
+            </a:endParaRPr>
+          </a:p>
+          <a:p>
+            <a:pPr algn="just"/>
+            <a:r>
+              <a:rPr lang="pt-BR" sz="2000" b="1" dirty="0">
+                <a:solidFill>
+                  <a:schemeClr val="tx1"/>
+                </a:solidFill>
+                <a:latin typeface="Times New Roman" panose="02020603050405020304" pitchFamily="18" charset="0"/>
+                <a:cs typeface="Times New Roman" panose="02020603050405020304" pitchFamily="18" charset="0"/>
+              </a:rPr>
+              <a:t>Parâmetro</a:t>
+            </a:r>
+            <a:r>
+              <a:rPr lang="pt-BR" sz="2000" dirty="0">
+                <a:solidFill>
+                  <a:schemeClr val="tx1"/>
+                </a:solidFill>
+                <a:latin typeface="Times New Roman" panose="02020603050405020304" pitchFamily="18" charset="0"/>
+                <a:cs typeface="Times New Roman" panose="02020603050405020304" pitchFamily="18" charset="0"/>
+              </a:rPr>
+              <a:t> = variável usada na definição da função</a:t>
+            </a:r>
+          </a:p>
+          <a:p>
+            <a:pPr algn="just"/>
+            <a:r>
+              <a:rPr lang="pt-BR" sz="2000" b="1" dirty="0">
+                <a:solidFill>
+                  <a:srgbClr val="FF0000"/>
+                </a:solidFill>
+                <a:latin typeface="Times New Roman" panose="02020603050405020304" pitchFamily="18" charset="0"/>
+                <a:cs typeface="Times New Roman" panose="02020603050405020304" pitchFamily="18" charset="0"/>
+              </a:rPr>
+              <a:t>Argumento</a:t>
+            </a:r>
+            <a:r>
+              <a:rPr lang="pt-BR" sz="2000" dirty="0">
+                <a:solidFill>
+                  <a:schemeClr val="tx1"/>
+                </a:solidFill>
+                <a:latin typeface="Times New Roman" panose="02020603050405020304" pitchFamily="18" charset="0"/>
+                <a:cs typeface="Times New Roman" panose="02020603050405020304" pitchFamily="18" charset="0"/>
+              </a:rPr>
+              <a:t> = valor passado ao chamar a função</a:t>
+            </a:r>
+          </a:p>
+        </p:txBody>
+      </p:sp>
+    </p:spTree>
+    <p:extLst>
+      <p:ext uri="{BB962C8B-B14F-4D97-AF65-F5344CB8AC3E}">
+        <p14:creationId xmlns:p14="http://schemas.microsoft.com/office/powerpoint/2010/main" val="1241951686"/>
+      </p:ext>
+    </p:extLst>
   </p:cSld>
   <p:clrMapOvr>
     <a:masterClrMapping/>
